--- a/prezentacije/1-4 Angular povijest.pptx
+++ b/prezentacije/1-4 Angular povijest.pptx
@@ -268,7 +268,7 @@
           <a:p>
             <a:fld id="{66F22EF4-2DA8-4B83-8F25-7C5C32EC831A}" type="datetimeFigureOut">
               <a:rPr lang="hr-HR" smtClean="0"/>
-              <a:t>24.4.2017.</a:t>
+              <a:t>30.4.2017.</a:t>
             </a:fld>
             <a:endParaRPr lang="hr-HR"/>
           </a:p>
@@ -438,7 +438,7 @@
           <a:p>
             <a:fld id="{66F22EF4-2DA8-4B83-8F25-7C5C32EC831A}" type="datetimeFigureOut">
               <a:rPr lang="hr-HR" smtClean="0"/>
-              <a:t>24.4.2017.</a:t>
+              <a:t>30.4.2017.</a:t>
             </a:fld>
             <a:endParaRPr lang="hr-HR"/>
           </a:p>
@@ -618,7 +618,7 @@
           <a:p>
             <a:fld id="{66F22EF4-2DA8-4B83-8F25-7C5C32EC831A}" type="datetimeFigureOut">
               <a:rPr lang="hr-HR" smtClean="0"/>
-              <a:t>24.4.2017.</a:t>
+              <a:t>30.4.2017.</a:t>
             </a:fld>
             <a:endParaRPr lang="hr-HR"/>
           </a:p>
@@ -788,7 +788,7 @@
           <a:p>
             <a:fld id="{66F22EF4-2DA8-4B83-8F25-7C5C32EC831A}" type="datetimeFigureOut">
               <a:rPr lang="hr-HR" smtClean="0"/>
-              <a:t>24.4.2017.</a:t>
+              <a:t>30.4.2017.</a:t>
             </a:fld>
             <a:endParaRPr lang="hr-HR"/>
           </a:p>
@@ -1034,7 +1034,7 @@
           <a:p>
             <a:fld id="{66F22EF4-2DA8-4B83-8F25-7C5C32EC831A}" type="datetimeFigureOut">
               <a:rPr lang="hr-HR" smtClean="0"/>
-              <a:t>24.4.2017.</a:t>
+              <a:t>30.4.2017.</a:t>
             </a:fld>
             <a:endParaRPr lang="hr-HR"/>
           </a:p>
@@ -1266,7 +1266,7 @@
           <a:p>
             <a:fld id="{66F22EF4-2DA8-4B83-8F25-7C5C32EC831A}" type="datetimeFigureOut">
               <a:rPr lang="hr-HR" smtClean="0"/>
-              <a:t>24.4.2017.</a:t>
+              <a:t>30.4.2017.</a:t>
             </a:fld>
             <a:endParaRPr lang="hr-HR"/>
           </a:p>
@@ -1633,7 +1633,7 @@
           <a:p>
             <a:fld id="{66F22EF4-2DA8-4B83-8F25-7C5C32EC831A}" type="datetimeFigureOut">
               <a:rPr lang="hr-HR" smtClean="0"/>
-              <a:t>24.4.2017.</a:t>
+              <a:t>30.4.2017.</a:t>
             </a:fld>
             <a:endParaRPr lang="hr-HR"/>
           </a:p>
@@ -1751,7 +1751,7 @@
           <a:p>
             <a:fld id="{66F22EF4-2DA8-4B83-8F25-7C5C32EC831A}" type="datetimeFigureOut">
               <a:rPr lang="hr-HR" smtClean="0"/>
-              <a:t>24.4.2017.</a:t>
+              <a:t>30.4.2017.</a:t>
             </a:fld>
             <a:endParaRPr lang="hr-HR"/>
           </a:p>
@@ -1846,7 +1846,7 @@
           <a:p>
             <a:fld id="{66F22EF4-2DA8-4B83-8F25-7C5C32EC831A}" type="datetimeFigureOut">
               <a:rPr lang="hr-HR" smtClean="0"/>
-              <a:t>24.4.2017.</a:t>
+              <a:t>30.4.2017.</a:t>
             </a:fld>
             <a:endParaRPr lang="hr-HR"/>
           </a:p>
@@ -2123,7 +2123,7 @@
           <a:p>
             <a:fld id="{66F22EF4-2DA8-4B83-8F25-7C5C32EC831A}" type="datetimeFigureOut">
               <a:rPr lang="hr-HR" smtClean="0"/>
-              <a:t>24.4.2017.</a:t>
+              <a:t>30.4.2017.</a:t>
             </a:fld>
             <a:endParaRPr lang="hr-HR"/>
           </a:p>
@@ -2376,7 +2376,7 @@
           <a:p>
             <a:fld id="{66F22EF4-2DA8-4B83-8F25-7C5C32EC831A}" type="datetimeFigureOut">
               <a:rPr lang="hr-HR" smtClean="0"/>
-              <a:t>24.4.2017.</a:t>
+              <a:t>30.4.2017.</a:t>
             </a:fld>
             <a:endParaRPr lang="hr-HR"/>
           </a:p>
@@ -2589,7 +2589,7 @@
           <a:p>
             <a:fld id="{66F22EF4-2DA8-4B83-8F25-7C5C32EC831A}" type="datetimeFigureOut">
               <a:rPr lang="hr-HR" smtClean="0"/>
-              <a:t>24.4.2017.</a:t>
+              <a:t>30.4.2017.</a:t>
             </a:fld>
             <a:endParaRPr lang="hr-HR"/>
           </a:p>
@@ -4337,7 +4337,6 @@
               <a:rPr lang="hr-HR" dirty="0" smtClean="0"/>
               <a:t>4.nešto.nešto</a:t>
             </a:r>
-            <a:endParaRPr lang="hr-HR" dirty="0" smtClean="0"/>
           </a:p>
           <a:p>
             <a:endParaRPr lang="hr-HR" dirty="0"/>

--- a/prezentacije/1-4 Angular povijest.pptx
+++ b/prezentacije/1-4 Angular povijest.pptx
@@ -7,30 +7,10 @@
   <p:sldIdLst>
     <p:sldId id="257" r:id="rId2"/>
     <p:sldId id="258" r:id="rId3"/>
-    <p:sldId id="261" r:id="rId4"/>
+    <p:sldId id="259" r:id="rId4"/>
     <p:sldId id="260" r:id="rId5"/>
-    <p:sldId id="262" r:id="rId6"/>
-    <p:sldId id="263" r:id="rId7"/>
-    <p:sldId id="264" r:id="rId8"/>
-    <p:sldId id="265" r:id="rId9"/>
-    <p:sldId id="266" r:id="rId10"/>
-    <p:sldId id="267" r:id="rId11"/>
-    <p:sldId id="268" r:id="rId12"/>
-    <p:sldId id="269" r:id="rId13"/>
-    <p:sldId id="270" r:id="rId14"/>
-    <p:sldId id="271" r:id="rId15"/>
-    <p:sldId id="272" r:id="rId16"/>
-    <p:sldId id="273" r:id="rId17"/>
-    <p:sldId id="274" r:id="rId18"/>
-    <p:sldId id="275" r:id="rId19"/>
-    <p:sldId id="276" r:id="rId20"/>
-    <p:sldId id="277" r:id="rId21"/>
-    <p:sldId id="278" r:id="rId22"/>
-    <p:sldId id="279" r:id="rId23"/>
-    <p:sldId id="280" r:id="rId24"/>
-    <p:sldId id="281" r:id="rId25"/>
-    <p:sldId id="282" r:id="rId26"/>
-    <p:sldId id="283" r:id="rId27"/>
+    <p:sldId id="261" r:id="rId6"/>
+    <p:sldId id="262" r:id="rId7"/>
   </p:sldIdLst>
   <p:sldSz cx="12192000" cy="6858000"/>
   <p:notesSz cx="6858000" cy="9144000"/>
@@ -268,7 +248,7 @@
           <a:p>
             <a:fld id="{66F22EF4-2DA8-4B83-8F25-7C5C32EC831A}" type="datetimeFigureOut">
               <a:rPr lang="hr-HR" smtClean="0"/>
-              <a:t>30.4.2017.</a:t>
+              <a:t>1.5.2017.</a:t>
             </a:fld>
             <a:endParaRPr lang="hr-HR"/>
           </a:p>
@@ -438,7 +418,7 @@
           <a:p>
             <a:fld id="{66F22EF4-2DA8-4B83-8F25-7C5C32EC831A}" type="datetimeFigureOut">
               <a:rPr lang="hr-HR" smtClean="0"/>
-              <a:t>30.4.2017.</a:t>
+              <a:t>1.5.2017.</a:t>
             </a:fld>
             <a:endParaRPr lang="hr-HR"/>
           </a:p>
@@ -618,7 +598,7 @@
           <a:p>
             <a:fld id="{66F22EF4-2DA8-4B83-8F25-7C5C32EC831A}" type="datetimeFigureOut">
               <a:rPr lang="hr-HR" smtClean="0"/>
-              <a:t>30.4.2017.</a:t>
+              <a:t>1.5.2017.</a:t>
             </a:fld>
             <a:endParaRPr lang="hr-HR"/>
           </a:p>
@@ -788,7 +768,7 @@
           <a:p>
             <a:fld id="{66F22EF4-2DA8-4B83-8F25-7C5C32EC831A}" type="datetimeFigureOut">
               <a:rPr lang="hr-HR" smtClean="0"/>
-              <a:t>30.4.2017.</a:t>
+              <a:t>1.5.2017.</a:t>
             </a:fld>
             <a:endParaRPr lang="hr-HR"/>
           </a:p>
@@ -1034,7 +1014,7 @@
           <a:p>
             <a:fld id="{66F22EF4-2DA8-4B83-8F25-7C5C32EC831A}" type="datetimeFigureOut">
               <a:rPr lang="hr-HR" smtClean="0"/>
-              <a:t>30.4.2017.</a:t>
+              <a:t>1.5.2017.</a:t>
             </a:fld>
             <a:endParaRPr lang="hr-HR"/>
           </a:p>
@@ -1266,7 +1246,7 @@
           <a:p>
             <a:fld id="{66F22EF4-2DA8-4B83-8F25-7C5C32EC831A}" type="datetimeFigureOut">
               <a:rPr lang="hr-HR" smtClean="0"/>
-              <a:t>30.4.2017.</a:t>
+              <a:t>1.5.2017.</a:t>
             </a:fld>
             <a:endParaRPr lang="hr-HR"/>
           </a:p>
@@ -1633,7 +1613,7 @@
           <a:p>
             <a:fld id="{66F22EF4-2DA8-4B83-8F25-7C5C32EC831A}" type="datetimeFigureOut">
               <a:rPr lang="hr-HR" smtClean="0"/>
-              <a:t>30.4.2017.</a:t>
+              <a:t>1.5.2017.</a:t>
             </a:fld>
             <a:endParaRPr lang="hr-HR"/>
           </a:p>
@@ -1751,7 +1731,7 @@
           <a:p>
             <a:fld id="{66F22EF4-2DA8-4B83-8F25-7C5C32EC831A}" type="datetimeFigureOut">
               <a:rPr lang="hr-HR" smtClean="0"/>
-              <a:t>30.4.2017.</a:t>
+              <a:t>1.5.2017.</a:t>
             </a:fld>
             <a:endParaRPr lang="hr-HR"/>
           </a:p>
@@ -1846,7 +1826,7 @@
           <a:p>
             <a:fld id="{66F22EF4-2DA8-4B83-8F25-7C5C32EC831A}" type="datetimeFigureOut">
               <a:rPr lang="hr-HR" smtClean="0"/>
-              <a:t>30.4.2017.</a:t>
+              <a:t>1.5.2017.</a:t>
             </a:fld>
             <a:endParaRPr lang="hr-HR"/>
           </a:p>
@@ -2123,7 +2103,7 @@
           <a:p>
             <a:fld id="{66F22EF4-2DA8-4B83-8F25-7C5C32EC831A}" type="datetimeFigureOut">
               <a:rPr lang="hr-HR" smtClean="0"/>
-              <a:t>30.4.2017.</a:t>
+              <a:t>1.5.2017.</a:t>
             </a:fld>
             <a:endParaRPr lang="hr-HR"/>
           </a:p>
@@ -2376,7 +2356,7 @@
           <a:p>
             <a:fld id="{66F22EF4-2DA8-4B83-8F25-7C5C32EC831A}" type="datetimeFigureOut">
               <a:rPr lang="hr-HR" smtClean="0"/>
-              <a:t>30.4.2017.</a:t>
+              <a:t>1.5.2017.</a:t>
             </a:fld>
             <a:endParaRPr lang="hr-HR"/>
           </a:p>
@@ -2589,7 +2569,7 @@
           <a:p>
             <a:fld id="{66F22EF4-2DA8-4B83-8F25-7C5C32EC831A}" type="datetimeFigureOut">
               <a:rPr lang="hr-HR" smtClean="0"/>
-              <a:t>30.4.2017.</a:t>
+              <a:t>1.5.2017.</a:t>
             </a:fld>
             <a:endParaRPr lang="hr-HR"/>
           </a:p>
@@ -3033,28 +3013,54 @@
         </p:nvSpPr>
         <p:spPr/>
         <p:txBody>
-          <a:bodyPr/>
+          <a:bodyPr>
+            <a:normAutofit lnSpcReduction="10000"/>
+          </a:bodyPr>
           <a:lstStyle/>
           <a:p>
             <a:r>
               <a:rPr lang="en-US" dirty="0"/>
-              <a:t>AngularJS was originally developed in 2009 by </a:t>
+              <a:t>AngularJS </a:t>
+            </a:r>
+            <a:r>
+              <a:rPr lang="hr-HR" dirty="0" smtClean="0"/>
+              <a:t>su razvili</a:t>
+            </a:r>
+            <a:r>
+              <a:rPr lang="en-US" dirty="0" smtClean="0"/>
+              <a:t> 2009 </a:t>
+            </a:r>
+            <a:r>
+              <a:rPr lang="hr-HR" dirty="0" smtClean="0"/>
+              <a:t>godine </a:t>
+            </a:r>
+            <a:r>
+              <a:rPr lang="en-US" dirty="0" err="1" smtClean="0"/>
+              <a:t>Misko</a:t>
+            </a:r>
+            <a:r>
+              <a:rPr lang="en-US" dirty="0" smtClean="0"/>
+              <a:t> </a:t>
             </a:r>
             <a:r>
               <a:rPr lang="en-US" dirty="0" err="1"/>
-              <a:t>Misko</a:t>
+              <a:t>Hevery</a:t>
             </a:r>
             <a:r>
               <a:rPr lang="en-US" dirty="0"/>
               <a:t> </a:t>
             </a:r>
             <a:r>
-              <a:rPr lang="en-US" dirty="0" err="1"/>
-              <a:t>Hevery</a:t>
+              <a:rPr lang="hr-HR" dirty="0" smtClean="0"/>
+              <a:t>i</a:t>
+            </a:r>
+            <a:r>
+              <a:rPr lang="en-US" dirty="0" smtClean="0"/>
+              <a:t> </a:t>
             </a:r>
             <a:r>
               <a:rPr lang="en-US" dirty="0"/>
-              <a:t> and Adam </a:t>
+              <a:t>Adam </a:t>
             </a:r>
             <a:r>
               <a:rPr lang="en-US" dirty="0" err="1"/>
@@ -3062,7 +3068,46 @@
             </a:r>
             <a:r>
               <a:rPr lang="en-US" dirty="0"/>
-              <a:t> at Brat Tech LLC, Now it was officially supported &amp; maintained by Google ( MIT License </a:t>
+              <a:t> </a:t>
+            </a:r>
+            <a:r>
+              <a:rPr lang="hr-HR" dirty="0" smtClean="0"/>
+              <a:t>kod</a:t>
+            </a:r>
+            <a:r>
+              <a:rPr lang="en-US" dirty="0" smtClean="0"/>
+              <a:t> </a:t>
+            </a:r>
+            <a:r>
+              <a:rPr lang="en-US" dirty="0"/>
+              <a:t>Brat Tech </a:t>
+            </a:r>
+            <a:r>
+              <a:rPr lang="en-US" dirty="0" smtClean="0"/>
+              <a:t>LLC</a:t>
+            </a:r>
+            <a:endParaRPr lang="hr-HR" dirty="0" smtClean="0"/>
+          </a:p>
+          <a:p>
+            <a:r>
+              <a:rPr lang="hr-HR" dirty="0" smtClean="0"/>
+              <a:t>Vlasnik</a:t>
+            </a:r>
+            <a:r>
+              <a:rPr lang="en-US" dirty="0" smtClean="0"/>
+              <a:t> </a:t>
+            </a:r>
+            <a:r>
+              <a:rPr lang="hr-HR" dirty="0" smtClean="0"/>
+              <a:t>je </a:t>
+            </a:r>
+            <a:r>
+              <a:rPr lang="en-US" dirty="0" smtClean="0"/>
+              <a:t>Google </a:t>
+            </a:r>
+            <a:r>
+              <a:rPr lang="en-US" dirty="0"/>
+              <a:t>( MIT License </a:t>
             </a:r>
             <a:r>
               <a:rPr lang="en-US" dirty="0" smtClean="0"/>
@@ -3073,7 +3118,11 @@
           <a:p>
             <a:r>
               <a:rPr lang="hr-HR" dirty="0" smtClean="0"/>
-              <a:t>Dinamičke web stranice</a:t>
+              <a:t>SPA aplikacija-Dinamičke </a:t>
+            </a:r>
+            <a:r>
+              <a:rPr lang="hr-HR" dirty="0" smtClean="0"/>
+              <a:t>web stranice</a:t>
             </a:r>
           </a:p>
           <a:p>
@@ -3090,7 +3139,7 @@
           <a:p>
             <a:r>
               <a:rPr lang="hr-HR" dirty="0" smtClean="0"/>
-              <a:t>MVW </a:t>
+              <a:t>MVC - MVW </a:t>
             </a:r>
             <a:r>
               <a:rPr lang="hr-HR" dirty="0" err="1" smtClean="0"/>
@@ -3100,41 +3149,41 @@
           </a:p>
           <a:p>
             <a:r>
+              <a:rPr lang="hr-HR" dirty="0" smtClean="0"/>
+              <a:t>Podrška za </a:t>
+            </a:r>
+            <a:r>
               <a:rPr lang="hr-HR" dirty="0" err="1" smtClean="0"/>
-              <a:t>Form</a:t>
+              <a:t>form</a:t>
             </a:r>
             <a:r>
               <a:rPr lang="hr-HR" dirty="0" smtClean="0"/>
-              <a:t> </a:t>
+              <a:t> validaciju</a:t>
+            </a:r>
+            <a:endParaRPr lang="hr-HR" dirty="0" smtClean="0"/>
+          </a:p>
+          <a:p>
+            <a:r>
+              <a:rPr lang="hr-HR" dirty="0" smtClean="0"/>
+              <a:t>Ugrađena podrška za testiranje (vlastiti </a:t>
             </a:r>
             <a:r>
               <a:rPr lang="hr-HR" dirty="0" err="1" smtClean="0"/>
-              <a:t>validation</a:t>
-            </a:r>
-            <a:endParaRPr lang="hr-HR" dirty="0" smtClean="0"/>
-          </a:p>
-          <a:p>
-            <a:r>
-              <a:rPr lang="hr-HR" dirty="0" err="1" smtClean="0"/>
-              <a:t>Built-in</a:t>
+              <a:t>IoC</a:t>
             </a:r>
             <a:r>
               <a:rPr lang="hr-HR" dirty="0" smtClean="0"/>
-              <a:t> </a:t>
-            </a:r>
-            <a:r>
-              <a:rPr lang="hr-HR" dirty="0" err="1" smtClean="0"/>
-              <a:t>testability</a:t>
+              <a:t> - DI</a:t>
             </a:r>
             <a:r>
               <a:rPr lang="hr-HR" dirty="0" smtClean="0"/>
-              <a:t> (DI)</a:t>
+              <a:t>)</a:t>
             </a:r>
           </a:p>
           <a:p>
             <a:r>
               <a:rPr lang="hr-HR" dirty="0" smtClean="0"/>
-              <a:t>Danas ogromni </a:t>
+              <a:t>Ogroman </a:t>
             </a:r>
             <a:r>
               <a:rPr lang="hr-HR" dirty="0" err="1" smtClean="0"/>
@@ -3151,1001 +3200,6 @@
     <p:extLst>
       <p:ext uri="{BB962C8B-B14F-4D97-AF65-F5344CB8AC3E}">
         <p14:creationId xmlns:p14="http://schemas.microsoft.com/office/powerpoint/2010/main" val="1606089330"/>
-      </p:ext>
-    </p:extLst>
-  </p:cSld>
-  <p:clrMapOvr>
-    <a:masterClrMapping/>
-  </p:clrMapOvr>
-</p:sld>
-</file>
-
-<file path=ppt/slides/slide10.xml><?xml version="1.0" encoding="utf-8"?>
-<p:sld xmlns:a="http://schemas.openxmlformats.org/drawingml/2006/main" xmlns:r="http://schemas.openxmlformats.org/officeDocument/2006/relationships" xmlns:p="http://schemas.openxmlformats.org/presentationml/2006/main">
-  <p:cSld>
-    <p:spTree>
-      <p:nvGrpSpPr>
-        <p:cNvPr id="1" name=""/>
-        <p:cNvGrpSpPr/>
-        <p:nvPr/>
-      </p:nvGrpSpPr>
-      <p:grpSpPr>
-        <a:xfrm>
-          <a:off x="0" y="0"/>
-          <a:ext cx="0" cy="0"/>
-          <a:chOff x="0" y="0"/>
-          <a:chExt cx="0" cy="0"/>
-        </a:xfrm>
-      </p:grpSpPr>
-      <p:sp>
-        <p:nvSpPr>
-          <p:cNvPr id="2" name="Title 1"/>
-          <p:cNvSpPr>
-            <a:spLocks noGrp="1"/>
-          </p:cNvSpPr>
-          <p:nvPr>
-            <p:ph type="title"/>
-          </p:nvPr>
-        </p:nvSpPr>
-        <p:spPr/>
-        <p:txBody>
-          <a:bodyPr/>
-          <a:lstStyle/>
-          <a:p>
-            <a:r>
-              <a:rPr lang="hr-HR" dirty="0" err="1" smtClean="0"/>
-              <a:t>Typescript</a:t>
-            </a:r>
-            <a:endParaRPr lang="hr-HR" dirty="0"/>
-          </a:p>
-        </p:txBody>
-      </p:sp>
-      <p:sp>
-        <p:nvSpPr>
-          <p:cNvPr id="3" name="Content Placeholder 2"/>
-          <p:cNvSpPr>
-            <a:spLocks noGrp="1"/>
-          </p:cNvSpPr>
-          <p:nvPr>
-            <p:ph idx="1"/>
-          </p:nvPr>
-        </p:nvSpPr>
-        <p:spPr/>
-        <p:txBody>
-          <a:bodyPr/>
-          <a:lstStyle/>
-          <a:p>
-            <a:r>
-              <a:rPr lang="hr-HR" dirty="0" err="1" smtClean="0"/>
-              <a:t>Enumeration</a:t>
-            </a:r>
-            <a:endParaRPr lang="hr-HR" dirty="0" smtClean="0"/>
-          </a:p>
-          <a:p>
-            <a:pPr lvl="1"/>
-            <a:r>
-              <a:rPr lang="hr-HR" dirty="0" smtClean="0"/>
-              <a:t>Mogućnost kreiranja enumeracija</a:t>
-            </a:r>
-          </a:p>
-        </p:txBody>
-      </p:sp>
-    </p:spTree>
-    <p:extLst>
-      <p:ext uri="{BB962C8B-B14F-4D97-AF65-F5344CB8AC3E}">
-        <p14:creationId xmlns:p14="http://schemas.microsoft.com/office/powerpoint/2010/main" val="3128023760"/>
-      </p:ext>
-    </p:extLst>
-  </p:cSld>
-  <p:clrMapOvr>
-    <a:masterClrMapping/>
-  </p:clrMapOvr>
-</p:sld>
-</file>
-
-<file path=ppt/slides/slide11.xml><?xml version="1.0" encoding="utf-8"?>
-<p:sld xmlns:a="http://schemas.openxmlformats.org/drawingml/2006/main" xmlns:r="http://schemas.openxmlformats.org/officeDocument/2006/relationships" xmlns:p="http://schemas.openxmlformats.org/presentationml/2006/main">
-  <p:cSld>
-    <p:spTree>
-      <p:nvGrpSpPr>
-        <p:cNvPr id="1" name=""/>
-        <p:cNvGrpSpPr/>
-        <p:nvPr/>
-      </p:nvGrpSpPr>
-      <p:grpSpPr>
-        <a:xfrm>
-          <a:off x="0" y="0"/>
-          <a:ext cx="0" cy="0"/>
-          <a:chOff x="0" y="0"/>
-          <a:chExt cx="0" cy="0"/>
-        </a:xfrm>
-      </p:grpSpPr>
-      <p:sp>
-        <p:nvSpPr>
-          <p:cNvPr id="2" name="Title 1"/>
-          <p:cNvSpPr>
-            <a:spLocks noGrp="1"/>
-          </p:cNvSpPr>
-          <p:nvPr>
-            <p:ph type="title"/>
-          </p:nvPr>
-        </p:nvSpPr>
-        <p:spPr/>
-        <p:txBody>
-          <a:bodyPr/>
-          <a:lstStyle/>
-          <a:p>
-            <a:r>
-              <a:rPr lang="hr-HR" dirty="0" err="1" smtClean="0"/>
-              <a:t>Typescript</a:t>
-            </a:r>
-            <a:endParaRPr lang="hr-HR" dirty="0"/>
-          </a:p>
-        </p:txBody>
-      </p:sp>
-      <p:sp>
-        <p:nvSpPr>
-          <p:cNvPr id="3" name="Content Placeholder 2"/>
-          <p:cNvSpPr>
-            <a:spLocks noGrp="1"/>
-          </p:cNvSpPr>
-          <p:nvPr>
-            <p:ph idx="1"/>
-          </p:nvPr>
-        </p:nvSpPr>
-        <p:spPr/>
-        <p:txBody>
-          <a:bodyPr/>
-          <a:lstStyle/>
-          <a:p>
-            <a:r>
-              <a:rPr lang="hr-HR" dirty="0" err="1" smtClean="0"/>
-              <a:t>Mixin</a:t>
-            </a:r>
-            <a:endParaRPr lang="hr-HR" dirty="0" smtClean="0"/>
-          </a:p>
-          <a:p>
-            <a:pPr lvl="1"/>
-            <a:r>
-              <a:rPr lang="hr-HR" dirty="0" smtClean="0"/>
-              <a:t>Mogućnost korištenja konkretnih klasa kao </a:t>
-            </a:r>
-            <a:r>
-              <a:rPr lang="hr-HR" dirty="0" err="1" smtClean="0"/>
-              <a:t>interfaceova</a:t>
-            </a:r>
-            <a:endParaRPr lang="hr-HR" dirty="0" smtClean="0"/>
-          </a:p>
-          <a:p>
-            <a:pPr lvl="1"/>
-            <a:r>
-              <a:rPr lang="hr-HR" dirty="0" smtClean="0"/>
-              <a:t>Preuzme samo polja i definicije metoda</a:t>
-            </a:r>
-          </a:p>
-        </p:txBody>
-      </p:sp>
-    </p:spTree>
-    <p:extLst>
-      <p:ext uri="{BB962C8B-B14F-4D97-AF65-F5344CB8AC3E}">
-        <p14:creationId xmlns:p14="http://schemas.microsoft.com/office/powerpoint/2010/main" val="3335171250"/>
-      </p:ext>
-    </p:extLst>
-  </p:cSld>
-  <p:clrMapOvr>
-    <a:masterClrMapping/>
-  </p:clrMapOvr>
-</p:sld>
-</file>
-
-<file path=ppt/slides/slide12.xml><?xml version="1.0" encoding="utf-8"?>
-<p:sld xmlns:a="http://schemas.openxmlformats.org/drawingml/2006/main" xmlns:r="http://schemas.openxmlformats.org/officeDocument/2006/relationships" xmlns:p="http://schemas.openxmlformats.org/presentationml/2006/main">
-  <p:cSld>
-    <p:spTree>
-      <p:nvGrpSpPr>
-        <p:cNvPr id="1" name=""/>
-        <p:cNvGrpSpPr/>
-        <p:nvPr/>
-      </p:nvGrpSpPr>
-      <p:grpSpPr>
-        <a:xfrm>
-          <a:off x="0" y="0"/>
-          <a:ext cx="0" cy="0"/>
-          <a:chOff x="0" y="0"/>
-          <a:chExt cx="0" cy="0"/>
-        </a:xfrm>
-      </p:grpSpPr>
-      <p:sp>
-        <p:nvSpPr>
-          <p:cNvPr id="2" name="Title 1"/>
-          <p:cNvSpPr>
-            <a:spLocks noGrp="1"/>
-          </p:cNvSpPr>
-          <p:nvPr>
-            <p:ph type="title"/>
-          </p:nvPr>
-        </p:nvSpPr>
-        <p:spPr/>
-        <p:txBody>
-          <a:bodyPr/>
-          <a:lstStyle/>
-          <a:p>
-            <a:r>
-              <a:rPr lang="hr-HR" dirty="0" err="1" smtClean="0"/>
-              <a:t>Typescript</a:t>
-            </a:r>
-            <a:endParaRPr lang="hr-HR" dirty="0"/>
-          </a:p>
-        </p:txBody>
-      </p:sp>
-      <p:sp>
-        <p:nvSpPr>
-          <p:cNvPr id="3" name="Content Placeholder 2"/>
-          <p:cNvSpPr>
-            <a:spLocks noGrp="1"/>
-          </p:cNvSpPr>
-          <p:nvPr>
-            <p:ph idx="1"/>
-          </p:nvPr>
-        </p:nvSpPr>
-        <p:spPr/>
-        <p:txBody>
-          <a:bodyPr/>
-          <a:lstStyle/>
-          <a:p>
-            <a:r>
-              <a:rPr lang="hr-HR" dirty="0" err="1" smtClean="0"/>
-              <a:t>Generics</a:t>
-            </a:r>
-            <a:endParaRPr lang="hr-HR" dirty="0" smtClean="0"/>
-          </a:p>
-          <a:p>
-            <a:pPr lvl="1"/>
-            <a:r>
-              <a:rPr lang="hr-HR" dirty="0" smtClean="0"/>
-              <a:t>Predavanje tipa kao parametra</a:t>
-            </a:r>
-          </a:p>
-          <a:p>
-            <a:pPr lvl="1"/>
-            <a:r>
-              <a:rPr lang="hr-HR" dirty="0" smtClean="0"/>
-              <a:t>List&lt;T&gt;, </a:t>
-            </a:r>
-            <a:r>
-              <a:rPr lang="hr-HR" dirty="0" err="1" smtClean="0"/>
-              <a:t>Array</a:t>
-            </a:r>
-            <a:r>
-              <a:rPr lang="hr-HR" dirty="0" smtClean="0"/>
-              <a:t>&lt;T&gt;, …</a:t>
-            </a:r>
-          </a:p>
-        </p:txBody>
-      </p:sp>
-    </p:spTree>
-    <p:extLst>
-      <p:ext uri="{BB962C8B-B14F-4D97-AF65-F5344CB8AC3E}">
-        <p14:creationId xmlns:p14="http://schemas.microsoft.com/office/powerpoint/2010/main" val="3961152024"/>
-      </p:ext>
-    </p:extLst>
-  </p:cSld>
-  <p:clrMapOvr>
-    <a:masterClrMapping/>
-  </p:clrMapOvr>
-</p:sld>
-</file>
-
-<file path=ppt/slides/slide13.xml><?xml version="1.0" encoding="utf-8"?>
-<p:sld xmlns:a="http://schemas.openxmlformats.org/drawingml/2006/main" xmlns:r="http://schemas.openxmlformats.org/officeDocument/2006/relationships" xmlns:p="http://schemas.openxmlformats.org/presentationml/2006/main">
-  <p:cSld>
-    <p:spTree>
-      <p:nvGrpSpPr>
-        <p:cNvPr id="1" name=""/>
-        <p:cNvGrpSpPr/>
-        <p:nvPr/>
-      </p:nvGrpSpPr>
-      <p:grpSpPr>
-        <a:xfrm>
-          <a:off x="0" y="0"/>
-          <a:ext cx="0" cy="0"/>
-          <a:chOff x="0" y="0"/>
-          <a:chExt cx="0" cy="0"/>
-        </a:xfrm>
-      </p:grpSpPr>
-      <p:sp>
-        <p:nvSpPr>
-          <p:cNvPr id="2" name="Title 1"/>
-          <p:cNvSpPr>
-            <a:spLocks noGrp="1"/>
-          </p:cNvSpPr>
-          <p:nvPr>
-            <p:ph type="title"/>
-          </p:nvPr>
-        </p:nvSpPr>
-        <p:spPr/>
-        <p:txBody>
-          <a:bodyPr/>
-          <a:lstStyle/>
-          <a:p>
-            <a:r>
-              <a:rPr lang="hr-HR" dirty="0" err="1" smtClean="0"/>
-              <a:t>Typescript</a:t>
-            </a:r>
-            <a:endParaRPr lang="hr-HR" dirty="0"/>
-          </a:p>
-        </p:txBody>
-      </p:sp>
-      <p:sp>
-        <p:nvSpPr>
-          <p:cNvPr id="3" name="Content Placeholder 2"/>
-          <p:cNvSpPr>
-            <a:spLocks noGrp="1"/>
-          </p:cNvSpPr>
-          <p:nvPr>
-            <p:ph idx="1"/>
-          </p:nvPr>
-        </p:nvSpPr>
-        <p:spPr/>
-        <p:txBody>
-          <a:bodyPr/>
-          <a:lstStyle/>
-          <a:p>
-            <a:r>
-              <a:rPr lang="hr-HR" dirty="0" err="1" smtClean="0"/>
-              <a:t>Namespaces</a:t>
-            </a:r>
-            <a:endParaRPr lang="hr-HR" dirty="0" smtClean="0"/>
-          </a:p>
-          <a:p>
-            <a:pPr lvl="1"/>
-            <a:r>
-              <a:rPr lang="hr-HR" dirty="0" smtClean="0"/>
-              <a:t>Konzumiranje klasa, </a:t>
-            </a:r>
-            <a:r>
-              <a:rPr lang="hr-HR" dirty="0" err="1" smtClean="0"/>
-              <a:t>interaceova</a:t>
-            </a:r>
-            <a:r>
-              <a:rPr lang="hr-HR" dirty="0" smtClean="0"/>
-              <a:t> i polja definiranih kroz različite datoteke kao da su definirane u jednoj datoteci</a:t>
-            </a:r>
-          </a:p>
-          <a:p>
-            <a:pPr lvl="1"/>
-            <a:endParaRPr lang="hr-HR" dirty="0" smtClean="0"/>
-          </a:p>
-        </p:txBody>
-      </p:sp>
-    </p:spTree>
-    <p:extLst>
-      <p:ext uri="{BB962C8B-B14F-4D97-AF65-F5344CB8AC3E}">
-        <p14:creationId xmlns:p14="http://schemas.microsoft.com/office/powerpoint/2010/main" val="99517298"/>
-      </p:ext>
-    </p:extLst>
-  </p:cSld>
-  <p:clrMapOvr>
-    <a:masterClrMapping/>
-  </p:clrMapOvr>
-</p:sld>
-</file>
-
-<file path=ppt/slides/slide14.xml><?xml version="1.0" encoding="utf-8"?>
-<p:sld xmlns:a="http://schemas.openxmlformats.org/drawingml/2006/main" xmlns:r="http://schemas.openxmlformats.org/officeDocument/2006/relationships" xmlns:p="http://schemas.openxmlformats.org/presentationml/2006/main">
-  <p:cSld>
-    <p:spTree>
-      <p:nvGrpSpPr>
-        <p:cNvPr id="1" name=""/>
-        <p:cNvGrpSpPr/>
-        <p:nvPr/>
-      </p:nvGrpSpPr>
-      <p:grpSpPr>
-        <a:xfrm>
-          <a:off x="0" y="0"/>
-          <a:ext cx="0" cy="0"/>
-          <a:chOff x="0" y="0"/>
-          <a:chExt cx="0" cy="0"/>
-        </a:xfrm>
-      </p:grpSpPr>
-      <p:sp>
-        <p:nvSpPr>
-          <p:cNvPr id="2" name="Title 1"/>
-          <p:cNvSpPr>
-            <a:spLocks noGrp="1"/>
-          </p:cNvSpPr>
-          <p:nvPr>
-            <p:ph type="title"/>
-          </p:nvPr>
-        </p:nvSpPr>
-        <p:spPr/>
-        <p:txBody>
-          <a:bodyPr/>
-          <a:lstStyle/>
-          <a:p>
-            <a:r>
-              <a:rPr lang="hr-HR" dirty="0" err="1" smtClean="0"/>
-              <a:t>Typescript</a:t>
-            </a:r>
-            <a:endParaRPr lang="hr-HR" dirty="0"/>
-          </a:p>
-        </p:txBody>
-      </p:sp>
-      <p:sp>
-        <p:nvSpPr>
-          <p:cNvPr id="3" name="Content Placeholder 2"/>
-          <p:cNvSpPr>
-            <a:spLocks noGrp="1"/>
-          </p:cNvSpPr>
-          <p:nvPr>
-            <p:ph idx="1"/>
-          </p:nvPr>
-        </p:nvSpPr>
-        <p:spPr/>
-        <p:txBody>
-          <a:bodyPr/>
-          <a:lstStyle/>
-          <a:p>
-            <a:r>
-              <a:rPr lang="hr-HR" dirty="0" err="1" smtClean="0"/>
-              <a:t>Tupple</a:t>
-            </a:r>
-            <a:endParaRPr lang="hr-HR" dirty="0" smtClean="0"/>
-          </a:p>
-          <a:p>
-            <a:pPr lvl="1"/>
-            <a:r>
-              <a:rPr lang="hr-HR" dirty="0" err="1" smtClean="0"/>
-              <a:t>Array</a:t>
-            </a:r>
-            <a:r>
-              <a:rPr lang="hr-HR" dirty="0" smtClean="0"/>
-              <a:t> koji u svakom polju može sadržavati više vrijednosti</a:t>
-            </a:r>
-          </a:p>
-          <a:p>
-            <a:pPr lvl="1"/>
-            <a:endParaRPr lang="hr-HR" dirty="0" smtClean="0"/>
-          </a:p>
-        </p:txBody>
-      </p:sp>
-    </p:spTree>
-    <p:extLst>
-      <p:ext uri="{BB962C8B-B14F-4D97-AF65-F5344CB8AC3E}">
-        <p14:creationId xmlns:p14="http://schemas.microsoft.com/office/powerpoint/2010/main" val="1692754962"/>
-      </p:ext>
-    </p:extLst>
-  </p:cSld>
-  <p:clrMapOvr>
-    <a:masterClrMapping/>
-  </p:clrMapOvr>
-</p:sld>
-</file>
-
-<file path=ppt/slides/slide15.xml><?xml version="1.0" encoding="utf-8"?>
-<p:sld xmlns:a="http://schemas.openxmlformats.org/drawingml/2006/main" xmlns:r="http://schemas.openxmlformats.org/officeDocument/2006/relationships" xmlns:p="http://schemas.openxmlformats.org/presentationml/2006/main">
-  <p:cSld>
-    <p:spTree>
-      <p:nvGrpSpPr>
-        <p:cNvPr id="1" name=""/>
-        <p:cNvGrpSpPr/>
-        <p:nvPr/>
-      </p:nvGrpSpPr>
-      <p:grpSpPr>
-        <a:xfrm>
-          <a:off x="0" y="0"/>
-          <a:ext cx="0" cy="0"/>
-          <a:chOff x="0" y="0"/>
-          <a:chExt cx="0" cy="0"/>
-        </a:xfrm>
-      </p:grpSpPr>
-      <p:sp>
-        <p:nvSpPr>
-          <p:cNvPr id="2" name="Title 1"/>
-          <p:cNvSpPr>
-            <a:spLocks noGrp="1"/>
-          </p:cNvSpPr>
-          <p:nvPr>
-            <p:ph type="title"/>
-          </p:nvPr>
-        </p:nvSpPr>
-        <p:spPr/>
-        <p:txBody>
-          <a:bodyPr/>
-          <a:lstStyle/>
-          <a:p>
-            <a:r>
-              <a:rPr lang="hr-HR" dirty="0" err="1" smtClean="0"/>
-              <a:t>Typescript</a:t>
-            </a:r>
-            <a:endParaRPr lang="hr-HR" dirty="0"/>
-          </a:p>
-        </p:txBody>
-      </p:sp>
-      <p:sp>
-        <p:nvSpPr>
-          <p:cNvPr id="3" name="Content Placeholder 2"/>
-          <p:cNvSpPr>
-            <a:spLocks noGrp="1"/>
-          </p:cNvSpPr>
-          <p:nvPr>
-            <p:ph idx="1"/>
-          </p:nvPr>
-        </p:nvSpPr>
-        <p:spPr/>
-        <p:txBody>
-          <a:bodyPr/>
-          <a:lstStyle/>
-          <a:p>
-            <a:r>
-              <a:rPr lang="hr-HR" dirty="0" err="1" smtClean="0"/>
-              <a:t>Await</a:t>
-            </a:r>
-            <a:endParaRPr lang="hr-HR" dirty="0" smtClean="0"/>
-          </a:p>
-          <a:p>
-            <a:pPr lvl="1"/>
-            <a:r>
-              <a:rPr lang="hr-HR" dirty="0" smtClean="0"/>
-              <a:t>Korištenje </a:t>
-            </a:r>
-            <a:r>
-              <a:rPr lang="hr-HR" dirty="0" err="1" smtClean="0"/>
-              <a:t>await</a:t>
-            </a:r>
-            <a:r>
-              <a:rPr lang="hr-HR" dirty="0" smtClean="0"/>
-              <a:t> naredbe umjesto </a:t>
-            </a:r>
-            <a:r>
-              <a:rPr lang="hr-HR" dirty="0" err="1" smtClean="0"/>
-              <a:t>callbacka</a:t>
-            </a:r>
-            <a:r>
-              <a:rPr lang="hr-HR" dirty="0" smtClean="0"/>
-              <a:t> kod asinkronih poziva</a:t>
-            </a:r>
-          </a:p>
-          <a:p>
-            <a:pPr lvl="1"/>
-            <a:endParaRPr lang="hr-HR" dirty="0" smtClean="0"/>
-          </a:p>
-        </p:txBody>
-      </p:sp>
-    </p:spTree>
-    <p:extLst>
-      <p:ext uri="{BB962C8B-B14F-4D97-AF65-F5344CB8AC3E}">
-        <p14:creationId xmlns:p14="http://schemas.microsoft.com/office/powerpoint/2010/main" val="3985967233"/>
-      </p:ext>
-    </p:extLst>
-  </p:cSld>
-  <p:clrMapOvr>
-    <a:masterClrMapping/>
-  </p:clrMapOvr>
-</p:sld>
-</file>
-
-<file path=ppt/slides/slide16.xml><?xml version="1.0" encoding="utf-8"?>
-<p:sld xmlns:a="http://schemas.openxmlformats.org/drawingml/2006/main" xmlns:r="http://schemas.openxmlformats.org/officeDocument/2006/relationships" xmlns:p="http://schemas.openxmlformats.org/presentationml/2006/main">
-  <p:cSld>
-    <p:spTree>
-      <p:nvGrpSpPr>
-        <p:cNvPr id="1" name=""/>
-        <p:cNvGrpSpPr/>
-        <p:nvPr/>
-      </p:nvGrpSpPr>
-      <p:grpSpPr>
-        <a:xfrm>
-          <a:off x="0" y="0"/>
-          <a:ext cx="0" cy="0"/>
-          <a:chOff x="0" y="0"/>
-          <a:chExt cx="0" cy="0"/>
-        </a:xfrm>
-      </p:grpSpPr>
-      <p:sp>
-        <p:nvSpPr>
-          <p:cNvPr id="2" name="Title 1"/>
-          <p:cNvSpPr>
-            <a:spLocks noGrp="1"/>
-          </p:cNvSpPr>
-          <p:nvPr>
-            <p:ph type="title"/>
-          </p:nvPr>
-        </p:nvSpPr>
-        <p:spPr/>
-        <p:txBody>
-          <a:bodyPr/>
-          <a:lstStyle/>
-          <a:p>
-            <a:r>
-              <a:rPr lang="hr-HR" dirty="0" err="1"/>
-              <a:t>Typescript</a:t>
-            </a:r>
-            <a:endParaRPr lang="hr-HR" dirty="0"/>
-          </a:p>
-        </p:txBody>
-      </p:sp>
-      <p:sp>
-        <p:nvSpPr>
-          <p:cNvPr id="3" name="Content Placeholder 2"/>
-          <p:cNvSpPr>
-            <a:spLocks noGrp="1"/>
-          </p:cNvSpPr>
-          <p:nvPr>
-            <p:ph idx="1"/>
-          </p:nvPr>
-        </p:nvSpPr>
-        <p:spPr/>
-        <p:txBody>
-          <a:bodyPr/>
-          <a:lstStyle/>
-          <a:p>
-            <a:r>
-              <a:rPr lang="hr-HR" dirty="0" err="1" smtClean="0"/>
-              <a:t>Class</a:t>
-            </a:r>
-            <a:endParaRPr lang="hr-HR" dirty="0" smtClean="0"/>
-          </a:p>
-          <a:p>
-            <a:pPr lvl="1"/>
-            <a:r>
-              <a:rPr lang="hr-HR" dirty="0" smtClean="0"/>
-              <a:t>Preuzeto iz </a:t>
-            </a:r>
-            <a:r>
-              <a:rPr lang="hr-HR" dirty="0" err="1" smtClean="0"/>
-              <a:t>ECMASripta</a:t>
-            </a:r>
-            <a:r>
-              <a:rPr lang="hr-HR" dirty="0" smtClean="0"/>
-              <a:t> 2015</a:t>
-            </a:r>
-          </a:p>
-          <a:p>
-            <a:pPr lvl="1"/>
-            <a:r>
-              <a:rPr lang="hr-HR" dirty="0" smtClean="0"/>
-              <a:t>Moguće definirati i nasljeđivati klase</a:t>
-            </a:r>
-            <a:endParaRPr lang="hr-HR" dirty="0"/>
-          </a:p>
-        </p:txBody>
-      </p:sp>
-    </p:spTree>
-    <p:extLst>
-      <p:ext uri="{BB962C8B-B14F-4D97-AF65-F5344CB8AC3E}">
-        <p14:creationId xmlns:p14="http://schemas.microsoft.com/office/powerpoint/2010/main" val="2435084005"/>
-      </p:ext>
-    </p:extLst>
-  </p:cSld>
-  <p:clrMapOvr>
-    <a:masterClrMapping/>
-  </p:clrMapOvr>
-</p:sld>
-</file>
-
-<file path=ppt/slides/slide17.xml><?xml version="1.0" encoding="utf-8"?>
-<p:sld xmlns:a="http://schemas.openxmlformats.org/drawingml/2006/main" xmlns:r="http://schemas.openxmlformats.org/officeDocument/2006/relationships" xmlns:p="http://schemas.openxmlformats.org/presentationml/2006/main">
-  <p:cSld>
-    <p:spTree>
-      <p:nvGrpSpPr>
-        <p:cNvPr id="1" name=""/>
-        <p:cNvGrpSpPr/>
-        <p:nvPr/>
-      </p:nvGrpSpPr>
-      <p:grpSpPr>
-        <a:xfrm>
-          <a:off x="0" y="0"/>
-          <a:ext cx="0" cy="0"/>
-          <a:chOff x="0" y="0"/>
-          <a:chExt cx="0" cy="0"/>
-        </a:xfrm>
-      </p:grpSpPr>
-      <p:sp>
-        <p:nvSpPr>
-          <p:cNvPr id="2" name="Title 1"/>
-          <p:cNvSpPr>
-            <a:spLocks noGrp="1"/>
-          </p:cNvSpPr>
-          <p:nvPr>
-            <p:ph type="title"/>
-          </p:nvPr>
-        </p:nvSpPr>
-        <p:spPr/>
-        <p:txBody>
-          <a:bodyPr/>
-          <a:lstStyle/>
-          <a:p>
-            <a:r>
-              <a:rPr lang="hr-HR" dirty="0" err="1"/>
-              <a:t>Typescript</a:t>
-            </a:r>
-            <a:endParaRPr lang="hr-HR" dirty="0"/>
-          </a:p>
-        </p:txBody>
-      </p:sp>
-      <p:sp>
-        <p:nvSpPr>
-          <p:cNvPr id="3" name="Content Placeholder 2"/>
-          <p:cNvSpPr>
-            <a:spLocks noGrp="1"/>
-          </p:cNvSpPr>
-          <p:nvPr>
-            <p:ph idx="1"/>
-          </p:nvPr>
-        </p:nvSpPr>
-        <p:spPr/>
-        <p:txBody>
-          <a:bodyPr/>
-          <a:lstStyle/>
-          <a:p>
-            <a:r>
-              <a:rPr lang="hr-HR" dirty="0" err="1" smtClean="0"/>
-              <a:t>Modules</a:t>
-            </a:r>
-            <a:endParaRPr lang="hr-HR" dirty="0" smtClean="0"/>
-          </a:p>
-          <a:p>
-            <a:pPr lvl="1"/>
-            <a:r>
-              <a:rPr lang="hr-HR" dirty="0" smtClean="0"/>
-              <a:t>Preuzeto iz </a:t>
-            </a:r>
-            <a:r>
-              <a:rPr lang="hr-HR" dirty="0" err="1" smtClean="0"/>
-              <a:t>ECMASripta</a:t>
-            </a:r>
-            <a:r>
-              <a:rPr lang="hr-HR" dirty="0" smtClean="0"/>
-              <a:t> 2015</a:t>
-            </a:r>
-          </a:p>
-          <a:p>
-            <a:pPr lvl="1"/>
-            <a:r>
-              <a:rPr lang="hr-HR" dirty="0" smtClean="0"/>
-              <a:t>Svaki modul ima svoj </a:t>
-            </a:r>
-            <a:r>
-              <a:rPr lang="hr-HR" dirty="0" err="1" smtClean="0"/>
-              <a:t>scope</a:t>
-            </a:r>
-            <a:endParaRPr lang="hr-HR" dirty="0"/>
-          </a:p>
-        </p:txBody>
-      </p:sp>
-    </p:spTree>
-    <p:extLst>
-      <p:ext uri="{BB962C8B-B14F-4D97-AF65-F5344CB8AC3E}">
-        <p14:creationId xmlns:p14="http://schemas.microsoft.com/office/powerpoint/2010/main" val="1034198777"/>
-      </p:ext>
-    </p:extLst>
-  </p:cSld>
-  <p:clrMapOvr>
-    <a:masterClrMapping/>
-  </p:clrMapOvr>
-</p:sld>
-</file>
-
-<file path=ppt/slides/slide18.xml><?xml version="1.0" encoding="utf-8"?>
-<p:sld xmlns:a="http://schemas.openxmlformats.org/drawingml/2006/main" xmlns:r="http://schemas.openxmlformats.org/officeDocument/2006/relationships" xmlns:p="http://schemas.openxmlformats.org/presentationml/2006/main">
-  <p:cSld>
-    <p:spTree>
-      <p:nvGrpSpPr>
-        <p:cNvPr id="1" name=""/>
-        <p:cNvGrpSpPr/>
-        <p:nvPr/>
-      </p:nvGrpSpPr>
-      <p:grpSpPr>
-        <a:xfrm>
-          <a:off x="0" y="0"/>
-          <a:ext cx="0" cy="0"/>
-          <a:chOff x="0" y="0"/>
-          <a:chExt cx="0" cy="0"/>
-        </a:xfrm>
-      </p:grpSpPr>
-      <p:sp>
-        <p:nvSpPr>
-          <p:cNvPr id="2" name="Title 1"/>
-          <p:cNvSpPr>
-            <a:spLocks noGrp="1"/>
-          </p:cNvSpPr>
-          <p:nvPr>
-            <p:ph type="title"/>
-          </p:nvPr>
-        </p:nvSpPr>
-        <p:spPr/>
-        <p:txBody>
-          <a:bodyPr/>
-          <a:lstStyle/>
-          <a:p>
-            <a:r>
-              <a:rPr lang="hr-HR" dirty="0" err="1"/>
-              <a:t>Typescript</a:t>
-            </a:r>
-            <a:endParaRPr lang="hr-HR" dirty="0"/>
-          </a:p>
-        </p:txBody>
-      </p:sp>
-      <p:sp>
-        <p:nvSpPr>
-          <p:cNvPr id="3" name="Content Placeholder 2"/>
-          <p:cNvSpPr>
-            <a:spLocks noGrp="1"/>
-          </p:cNvSpPr>
-          <p:nvPr>
-            <p:ph idx="1"/>
-          </p:nvPr>
-        </p:nvSpPr>
-        <p:spPr/>
-        <p:txBody>
-          <a:bodyPr/>
-          <a:lstStyle/>
-          <a:p>
-            <a:r>
-              <a:rPr lang="hr-HR" dirty="0" err="1" smtClean="0"/>
-              <a:t>Arrow</a:t>
-            </a:r>
-            <a:r>
-              <a:rPr lang="hr-HR" dirty="0" smtClean="0"/>
-              <a:t> </a:t>
-            </a:r>
-            <a:r>
-              <a:rPr lang="hr-HR" dirty="0" err="1" smtClean="0"/>
-              <a:t>notation</a:t>
-            </a:r>
-            <a:r>
-              <a:rPr lang="hr-HR" dirty="0" smtClean="0"/>
-              <a:t> =&gt;</a:t>
-            </a:r>
-          </a:p>
-          <a:p>
-            <a:pPr lvl="1"/>
-            <a:r>
-              <a:rPr lang="hr-HR" dirty="0" smtClean="0"/>
-              <a:t>Preuzeto iz </a:t>
-            </a:r>
-            <a:r>
-              <a:rPr lang="hr-HR" dirty="0" err="1" smtClean="0"/>
-              <a:t>ECMASripta</a:t>
-            </a:r>
-            <a:r>
-              <a:rPr lang="hr-HR" dirty="0" smtClean="0"/>
-              <a:t> 2015</a:t>
-            </a:r>
-          </a:p>
-          <a:p>
-            <a:pPr lvl="1"/>
-            <a:r>
-              <a:rPr lang="hr-HR" dirty="0" smtClean="0"/>
-              <a:t>Skraćeno pisanje anonimnih funkcija</a:t>
-            </a:r>
-            <a:endParaRPr lang="hr-HR" dirty="0"/>
-          </a:p>
-        </p:txBody>
-      </p:sp>
-    </p:spTree>
-    <p:extLst>
-      <p:ext uri="{BB962C8B-B14F-4D97-AF65-F5344CB8AC3E}">
-        <p14:creationId xmlns:p14="http://schemas.microsoft.com/office/powerpoint/2010/main" val="2001850704"/>
-      </p:ext>
-    </p:extLst>
-  </p:cSld>
-  <p:clrMapOvr>
-    <a:masterClrMapping/>
-  </p:clrMapOvr>
-</p:sld>
-</file>
-
-<file path=ppt/slides/slide19.xml><?xml version="1.0" encoding="utf-8"?>
-<p:sld xmlns:a="http://schemas.openxmlformats.org/drawingml/2006/main" xmlns:r="http://schemas.openxmlformats.org/officeDocument/2006/relationships" xmlns:p="http://schemas.openxmlformats.org/presentationml/2006/main">
-  <p:cSld>
-    <p:spTree>
-      <p:nvGrpSpPr>
-        <p:cNvPr id="1" name=""/>
-        <p:cNvGrpSpPr/>
-        <p:nvPr/>
-      </p:nvGrpSpPr>
-      <p:grpSpPr>
-        <a:xfrm>
-          <a:off x="0" y="0"/>
-          <a:ext cx="0" cy="0"/>
-          <a:chOff x="0" y="0"/>
-          <a:chExt cx="0" cy="0"/>
-        </a:xfrm>
-      </p:grpSpPr>
-      <p:sp>
-        <p:nvSpPr>
-          <p:cNvPr id="2" name="Title 1"/>
-          <p:cNvSpPr>
-            <a:spLocks noGrp="1"/>
-          </p:cNvSpPr>
-          <p:nvPr>
-            <p:ph type="title"/>
-          </p:nvPr>
-        </p:nvSpPr>
-        <p:spPr/>
-        <p:txBody>
-          <a:bodyPr/>
-          <a:lstStyle/>
-          <a:p>
-            <a:r>
-              <a:rPr lang="hr-HR" dirty="0" err="1"/>
-              <a:t>Typescript</a:t>
-            </a:r>
-            <a:endParaRPr lang="hr-HR" dirty="0"/>
-          </a:p>
-        </p:txBody>
-      </p:sp>
-      <p:sp>
-        <p:nvSpPr>
-          <p:cNvPr id="3" name="Content Placeholder 2"/>
-          <p:cNvSpPr>
-            <a:spLocks noGrp="1"/>
-          </p:cNvSpPr>
-          <p:nvPr>
-            <p:ph idx="1"/>
-          </p:nvPr>
-        </p:nvSpPr>
-        <p:spPr/>
-        <p:txBody>
-          <a:bodyPr/>
-          <a:lstStyle/>
-          <a:p>
-            <a:r>
-              <a:rPr lang="hr-HR" dirty="0" err="1" smtClean="0"/>
-              <a:t>Default</a:t>
-            </a:r>
-            <a:r>
-              <a:rPr lang="hr-HR" dirty="0" smtClean="0"/>
-              <a:t> / </a:t>
-            </a:r>
-            <a:r>
-              <a:rPr lang="hr-HR" dirty="0" err="1" smtClean="0"/>
-              <a:t>optional</a:t>
-            </a:r>
-            <a:r>
-              <a:rPr lang="hr-HR" dirty="0" smtClean="0"/>
-              <a:t> para</a:t>
-            </a:r>
-          </a:p>
-          <a:p>
-            <a:pPr lvl="1"/>
-            <a:r>
-              <a:rPr lang="hr-HR" dirty="0" smtClean="0"/>
-              <a:t>Preuzeto iz </a:t>
-            </a:r>
-            <a:r>
-              <a:rPr lang="hr-HR" dirty="0" err="1" smtClean="0"/>
-              <a:t>ECMASripta</a:t>
-            </a:r>
-            <a:r>
-              <a:rPr lang="hr-HR" dirty="0" smtClean="0"/>
-              <a:t> 2015</a:t>
-            </a:r>
-          </a:p>
-          <a:p>
-            <a:pPr lvl="1"/>
-            <a:r>
-              <a:rPr lang="hr-HR" dirty="0" smtClean="0"/>
-              <a:t>Mogućnost deklariranja opcionalnih parametara i njihovih </a:t>
-            </a:r>
-            <a:r>
-              <a:rPr lang="hr-HR" dirty="0" err="1" smtClean="0"/>
-              <a:t>defaultnih</a:t>
-            </a:r>
-            <a:r>
-              <a:rPr lang="hr-HR" dirty="0" smtClean="0"/>
-              <a:t> vrijednosti</a:t>
-            </a:r>
-            <a:endParaRPr lang="hr-HR" dirty="0"/>
-          </a:p>
-        </p:txBody>
-      </p:sp>
-    </p:spTree>
-    <p:extLst>
-      <p:ext uri="{BB962C8B-B14F-4D97-AF65-F5344CB8AC3E}">
-        <p14:creationId xmlns:p14="http://schemas.microsoft.com/office/powerpoint/2010/main" val="43592881"/>
       </p:ext>
     </p:extLst>
   </p:cSld>
@@ -4188,983 +3242,51 @@
           <a:lstStyle/>
           <a:p>
             <a:r>
+              <a:rPr lang="hr-HR" dirty="0" smtClean="0"/>
+              <a:t>Struktura </a:t>
+            </a:r>
+            <a:r>
               <a:rPr lang="hr-HR" dirty="0" err="1" smtClean="0"/>
               <a:t>Angular</a:t>
             </a:r>
             <a:r>
               <a:rPr lang="hr-HR" dirty="0" smtClean="0"/>
-              <a:t> povijest</a:t>
+              <a:t> 1 projekta</a:t>
             </a:r>
             <a:endParaRPr lang="hr-HR" dirty="0"/>
           </a:p>
         </p:txBody>
       </p:sp>
-      <p:sp>
-        <p:nvSpPr>
-          <p:cNvPr id="3" name="Content Placeholder 2"/>
-          <p:cNvSpPr>
-            <a:spLocks noGrp="1"/>
-          </p:cNvSpPr>
+      <p:pic>
+        <p:nvPicPr>
+          <p:cNvPr id="4" name="Content Placeholder 3"/>
+          <p:cNvPicPr>
+            <a:picLocks noGrp="1" noChangeAspect="1"/>
+          </p:cNvPicPr>
           <p:nvPr>
             <p:ph idx="1"/>
           </p:nvPr>
-        </p:nvSpPr>
-        <p:spPr/>
-        <p:txBody>
-          <a:bodyPr/>
-          <a:lstStyle/>
-          <a:p>
-            <a:r>
-              <a:rPr lang="hr-HR" dirty="0" smtClean="0"/>
-              <a:t>Od </a:t>
-            </a:r>
-            <a:r>
-              <a:rPr lang="hr-HR" dirty="0" err="1" smtClean="0"/>
-              <a:t>Angulara</a:t>
-            </a:r>
-            <a:r>
-              <a:rPr lang="hr-HR" dirty="0" smtClean="0"/>
-              <a:t> 2 se uvodi novi način </a:t>
-            </a:r>
-            <a:r>
-              <a:rPr lang="hr-HR" dirty="0" err="1" smtClean="0"/>
-              <a:t>verzioniranja</a:t>
-            </a:r>
-            <a:endParaRPr lang="hr-HR" dirty="0" smtClean="0"/>
-          </a:p>
-          <a:p>
-            <a:pPr lvl="1"/>
-            <a:r>
-              <a:rPr lang="hr-HR" dirty="0" err="1" smtClean="0"/>
-              <a:t>AngularJS</a:t>
-            </a:r>
-            <a:r>
-              <a:rPr lang="hr-HR" dirty="0" smtClean="0"/>
-              <a:t> je prva verzija </a:t>
-            </a:r>
-            <a:r>
-              <a:rPr lang="hr-HR" dirty="0" err="1" smtClean="0"/>
-              <a:t>Angulara</a:t>
-            </a:r>
-            <a:endParaRPr lang="hr-HR" dirty="0" smtClean="0"/>
-          </a:p>
-          <a:p>
-            <a:pPr lvl="1"/>
-            <a:r>
-              <a:rPr lang="hr-HR" dirty="0" err="1" smtClean="0"/>
-              <a:t>Angular</a:t>
-            </a:r>
-            <a:r>
-              <a:rPr lang="hr-HR" dirty="0" smtClean="0"/>
-              <a:t> 2 se preimenovao u </a:t>
-            </a:r>
-            <a:r>
-              <a:rPr lang="hr-HR" dirty="0" err="1" smtClean="0"/>
-              <a:t>Angular</a:t>
-            </a:r>
-            <a:r>
-              <a:rPr lang="hr-HR" dirty="0" smtClean="0"/>
-              <a:t> i uveo novi način </a:t>
-            </a:r>
-            <a:r>
-              <a:rPr lang="hr-HR" dirty="0" err="1" smtClean="0"/>
-              <a:t>verzioniranja</a:t>
-            </a:r>
-            <a:endParaRPr lang="hr-HR" dirty="0" smtClean="0"/>
-          </a:p>
-          <a:p>
-            <a:pPr lvl="1"/>
-            <a:r>
-              <a:rPr lang="hr-HR" dirty="0"/>
-              <a:t>X.Y.Z (x – </a:t>
-            </a:r>
-            <a:r>
-              <a:rPr lang="hr-HR" dirty="0" err="1"/>
-              <a:t>breaking</a:t>
-            </a:r>
-            <a:r>
-              <a:rPr lang="hr-HR" dirty="0"/>
-              <a:t> </a:t>
-            </a:r>
-            <a:r>
-              <a:rPr lang="hr-HR" dirty="0" err="1"/>
-              <a:t>change</a:t>
-            </a:r>
-            <a:r>
-              <a:rPr lang="hr-HR" dirty="0"/>
-              <a:t>, y – </a:t>
-            </a:r>
-            <a:r>
-              <a:rPr lang="hr-HR" dirty="0" err="1"/>
-              <a:t>new</a:t>
-            </a:r>
-            <a:r>
-              <a:rPr lang="hr-HR" dirty="0"/>
-              <a:t> </a:t>
-            </a:r>
-            <a:r>
-              <a:rPr lang="hr-HR" dirty="0" err="1"/>
-              <a:t>feature</a:t>
-            </a:r>
-            <a:r>
-              <a:rPr lang="hr-HR" dirty="0"/>
-              <a:t>, z – </a:t>
-            </a:r>
-            <a:r>
-              <a:rPr lang="hr-HR" dirty="0" err="1"/>
-              <a:t>bugfix</a:t>
-            </a:r>
-            <a:r>
-              <a:rPr lang="hr-HR" dirty="0"/>
-              <a:t>)</a:t>
-            </a:r>
-          </a:p>
-          <a:p>
-            <a:pPr lvl="1"/>
-            <a:r>
-              <a:rPr lang="hr-HR" dirty="0"/>
-              <a:t>Trenutačna verzija – </a:t>
-            </a:r>
-            <a:r>
-              <a:rPr lang="hr-HR" dirty="0" err="1"/>
-              <a:t>Angular</a:t>
-            </a:r>
-            <a:r>
-              <a:rPr lang="hr-HR" dirty="0"/>
-              <a:t> </a:t>
-            </a:r>
-            <a:r>
-              <a:rPr lang="hr-HR" dirty="0" smtClean="0"/>
-              <a:t>4.nešto.nešto</a:t>
-            </a:r>
-          </a:p>
-          <a:p>
-            <a:endParaRPr lang="hr-HR" dirty="0"/>
-          </a:p>
-        </p:txBody>
-      </p:sp>
+        </p:nvPicPr>
+        <p:blipFill>
+          <a:blip r:embed="rId2"/>
+          <a:stretch>
+            <a:fillRect/>
+          </a:stretch>
+        </p:blipFill>
+        <p:spPr>
+          <a:xfrm>
+            <a:off x="838200" y="1776046"/>
+            <a:ext cx="10515600" cy="4070839"/>
+          </a:xfrm>
+          <a:prstGeom prst="rect">
+            <a:avLst/>
+          </a:prstGeom>
+        </p:spPr>
+      </p:pic>
     </p:spTree>
     <p:extLst>
       <p:ext uri="{BB962C8B-B14F-4D97-AF65-F5344CB8AC3E}">
-        <p14:creationId xmlns:p14="http://schemas.microsoft.com/office/powerpoint/2010/main" val="1132495292"/>
-      </p:ext>
-    </p:extLst>
-  </p:cSld>
-  <p:clrMapOvr>
-    <a:masterClrMapping/>
-  </p:clrMapOvr>
-</p:sld>
-</file>
-
-<file path=ppt/slides/slide20.xml><?xml version="1.0" encoding="utf-8"?>
-<p:sld xmlns:a="http://schemas.openxmlformats.org/drawingml/2006/main" xmlns:r="http://schemas.openxmlformats.org/officeDocument/2006/relationships" xmlns:p="http://schemas.openxmlformats.org/presentationml/2006/main">
-  <p:cSld>
-    <p:spTree>
-      <p:nvGrpSpPr>
-        <p:cNvPr id="1" name=""/>
-        <p:cNvGrpSpPr/>
-        <p:nvPr/>
-      </p:nvGrpSpPr>
-      <p:grpSpPr>
-        <a:xfrm>
-          <a:off x="0" y="0"/>
-          <a:ext cx="0" cy="0"/>
-          <a:chOff x="0" y="0"/>
-          <a:chExt cx="0" cy="0"/>
-        </a:xfrm>
-      </p:grpSpPr>
-      <p:sp>
-        <p:nvSpPr>
-          <p:cNvPr id="2" name="Title 1"/>
-          <p:cNvSpPr>
-            <a:spLocks noGrp="1"/>
-          </p:cNvSpPr>
-          <p:nvPr>
-            <p:ph type="title"/>
-          </p:nvPr>
-        </p:nvSpPr>
-        <p:spPr/>
-        <p:txBody>
-          <a:bodyPr/>
-          <a:lstStyle/>
-          <a:p>
-            <a:r>
-              <a:rPr lang="hr-HR" dirty="0" err="1" smtClean="0"/>
-              <a:t>Typescript</a:t>
-            </a:r>
-            <a:endParaRPr lang="hr-HR" dirty="0"/>
-          </a:p>
-        </p:txBody>
-      </p:sp>
-      <p:sp>
-        <p:nvSpPr>
-          <p:cNvPr id="3" name="Content Placeholder 2"/>
-          <p:cNvSpPr>
-            <a:spLocks noGrp="1"/>
-          </p:cNvSpPr>
-          <p:nvPr>
-            <p:ph idx="1"/>
-          </p:nvPr>
-        </p:nvSpPr>
-        <p:spPr/>
-        <p:txBody>
-          <a:bodyPr/>
-          <a:lstStyle/>
-          <a:p>
-            <a:r>
-              <a:rPr lang="hr-HR" dirty="0" err="1" smtClean="0"/>
-              <a:t>Tsconfig.json</a:t>
-            </a:r>
-            <a:endParaRPr lang="hr-HR" dirty="0" smtClean="0"/>
-          </a:p>
-          <a:p>
-            <a:pPr lvl="1"/>
-            <a:r>
-              <a:rPr lang="hr-HR" dirty="0" smtClean="0"/>
-              <a:t>Konfiguracijska datoteka</a:t>
-            </a:r>
-          </a:p>
-          <a:p>
-            <a:pPr lvl="1"/>
-            <a:r>
-              <a:rPr lang="hr-HR" dirty="0" smtClean="0"/>
-              <a:t>Omogućuje </a:t>
-            </a:r>
-            <a:r>
-              <a:rPr lang="hr-HR" dirty="0" err="1" smtClean="0"/>
-              <a:t>transpilaciju</a:t>
-            </a:r>
-            <a:r>
-              <a:rPr lang="hr-HR" dirty="0" smtClean="0"/>
-              <a:t> u različite verzije </a:t>
-            </a:r>
-            <a:r>
-              <a:rPr lang="hr-HR" dirty="0" err="1" smtClean="0"/>
-              <a:t>ECMAScripta</a:t>
-            </a:r>
-            <a:endParaRPr lang="hr-HR" dirty="0" smtClean="0"/>
-          </a:p>
-          <a:p>
-            <a:pPr lvl="1"/>
-            <a:r>
-              <a:rPr lang="hr-HR" dirty="0" smtClean="0"/>
-              <a:t>Omogućuje automatsko kreiranja .</a:t>
-            </a:r>
-            <a:r>
-              <a:rPr lang="hr-HR" dirty="0" err="1" smtClean="0"/>
-              <a:t>map</a:t>
-            </a:r>
-            <a:r>
-              <a:rPr lang="hr-HR" dirty="0" smtClean="0"/>
-              <a:t> datoteka</a:t>
-            </a:r>
-            <a:endParaRPr lang="hr-HR" dirty="0"/>
-          </a:p>
-        </p:txBody>
-      </p:sp>
-    </p:spTree>
-    <p:extLst>
-      <p:ext uri="{BB962C8B-B14F-4D97-AF65-F5344CB8AC3E}">
-        <p14:creationId xmlns:p14="http://schemas.microsoft.com/office/powerpoint/2010/main" val="2718096268"/>
-      </p:ext>
-    </p:extLst>
-  </p:cSld>
-  <p:clrMapOvr>
-    <a:masterClrMapping/>
-  </p:clrMapOvr>
-</p:sld>
-</file>
-
-<file path=ppt/slides/slide21.xml><?xml version="1.0" encoding="utf-8"?>
-<p:sld xmlns:a="http://schemas.openxmlformats.org/drawingml/2006/main" xmlns:r="http://schemas.openxmlformats.org/officeDocument/2006/relationships" xmlns:p="http://schemas.openxmlformats.org/presentationml/2006/main">
-  <p:cSld>
-    <p:spTree>
-      <p:nvGrpSpPr>
-        <p:cNvPr id="1" name=""/>
-        <p:cNvGrpSpPr/>
-        <p:nvPr/>
-      </p:nvGrpSpPr>
-      <p:grpSpPr>
-        <a:xfrm>
-          <a:off x="0" y="0"/>
-          <a:ext cx="0" cy="0"/>
-          <a:chOff x="0" y="0"/>
-          <a:chExt cx="0" cy="0"/>
-        </a:xfrm>
-      </p:grpSpPr>
-      <p:sp>
-        <p:nvSpPr>
-          <p:cNvPr id="2" name="Title 1"/>
-          <p:cNvSpPr>
-            <a:spLocks noGrp="1"/>
-          </p:cNvSpPr>
-          <p:nvPr>
-            <p:ph type="title"/>
-          </p:nvPr>
-        </p:nvSpPr>
-        <p:spPr/>
-        <p:txBody>
-          <a:bodyPr/>
-          <a:lstStyle/>
-          <a:p>
-            <a:r>
-              <a:rPr lang="hr-HR" dirty="0" err="1" smtClean="0"/>
-              <a:t>Typescript</a:t>
-            </a:r>
-            <a:endParaRPr lang="hr-HR" dirty="0"/>
-          </a:p>
-        </p:txBody>
-      </p:sp>
-      <p:sp>
-        <p:nvSpPr>
-          <p:cNvPr id="3" name="Content Placeholder 2"/>
-          <p:cNvSpPr>
-            <a:spLocks noGrp="1"/>
-          </p:cNvSpPr>
-          <p:nvPr>
-            <p:ph idx="1"/>
-          </p:nvPr>
-        </p:nvSpPr>
-        <p:spPr/>
-        <p:txBody>
-          <a:bodyPr/>
-          <a:lstStyle/>
-          <a:p>
-            <a:r>
-              <a:rPr lang="hr-HR" dirty="0" smtClean="0"/>
-              <a:t>.</a:t>
-            </a:r>
-            <a:r>
-              <a:rPr lang="hr-HR" dirty="0" err="1" smtClean="0"/>
-              <a:t>map</a:t>
-            </a:r>
-            <a:r>
-              <a:rPr lang="hr-HR" dirty="0" smtClean="0"/>
-              <a:t> datoteka</a:t>
-            </a:r>
-          </a:p>
-          <a:p>
-            <a:pPr lvl="1"/>
-            <a:r>
-              <a:rPr lang="hr-HR" dirty="0" smtClean="0"/>
-              <a:t>Omogućava </a:t>
-            </a:r>
-            <a:r>
-              <a:rPr lang="hr-HR" dirty="0" err="1" smtClean="0"/>
-              <a:t>debugiranje</a:t>
-            </a:r>
-            <a:r>
-              <a:rPr lang="hr-HR" dirty="0" smtClean="0"/>
-              <a:t> direktno u </a:t>
-            </a:r>
-            <a:r>
-              <a:rPr lang="hr-HR" dirty="0" err="1" smtClean="0"/>
-              <a:t>typescriptu</a:t>
-            </a:r>
-            <a:endParaRPr lang="hr-HR" dirty="0" smtClean="0"/>
-          </a:p>
-          <a:p>
-            <a:pPr lvl="1"/>
-            <a:r>
-              <a:rPr lang="hr-HR" dirty="0" smtClean="0"/>
-              <a:t>Moguće </a:t>
-            </a:r>
-            <a:r>
-              <a:rPr lang="hr-HR" dirty="0" err="1" smtClean="0"/>
-              <a:t>debugirati</a:t>
-            </a:r>
-            <a:r>
-              <a:rPr lang="hr-HR" dirty="0" smtClean="0"/>
-              <a:t> u browserima i VS </a:t>
-            </a:r>
-            <a:r>
-              <a:rPr lang="hr-HR" dirty="0" err="1" smtClean="0"/>
-              <a:t>Codeu</a:t>
-            </a:r>
-            <a:endParaRPr lang="hr-HR" dirty="0"/>
-          </a:p>
-        </p:txBody>
-      </p:sp>
-    </p:spTree>
-    <p:extLst>
-      <p:ext uri="{BB962C8B-B14F-4D97-AF65-F5344CB8AC3E}">
-        <p14:creationId xmlns:p14="http://schemas.microsoft.com/office/powerpoint/2010/main" val="3550574930"/>
-      </p:ext>
-    </p:extLst>
-  </p:cSld>
-  <p:clrMapOvr>
-    <a:masterClrMapping/>
-  </p:clrMapOvr>
-</p:sld>
-</file>
-
-<file path=ppt/slides/slide22.xml><?xml version="1.0" encoding="utf-8"?>
-<p:sld xmlns:a="http://schemas.openxmlformats.org/drawingml/2006/main" xmlns:r="http://schemas.openxmlformats.org/officeDocument/2006/relationships" xmlns:p="http://schemas.openxmlformats.org/presentationml/2006/main">
-  <p:cSld>
-    <p:spTree>
-      <p:nvGrpSpPr>
-        <p:cNvPr id="1" name=""/>
-        <p:cNvGrpSpPr/>
-        <p:nvPr/>
-      </p:nvGrpSpPr>
-      <p:grpSpPr>
-        <a:xfrm>
-          <a:off x="0" y="0"/>
-          <a:ext cx="0" cy="0"/>
-          <a:chOff x="0" y="0"/>
-          <a:chExt cx="0" cy="0"/>
-        </a:xfrm>
-      </p:grpSpPr>
-      <p:sp>
-        <p:nvSpPr>
-          <p:cNvPr id="2" name="Title 1"/>
-          <p:cNvSpPr>
-            <a:spLocks noGrp="1"/>
-          </p:cNvSpPr>
-          <p:nvPr>
-            <p:ph type="title"/>
-          </p:nvPr>
-        </p:nvSpPr>
-        <p:spPr/>
-        <p:txBody>
-          <a:bodyPr/>
-          <a:lstStyle/>
-          <a:p>
-            <a:r>
-              <a:rPr lang="hr-HR" dirty="0" err="1" smtClean="0"/>
-              <a:t>Typescript</a:t>
-            </a:r>
-            <a:endParaRPr lang="hr-HR" dirty="0"/>
-          </a:p>
-        </p:txBody>
-      </p:sp>
-      <p:sp>
-        <p:nvSpPr>
-          <p:cNvPr id="3" name="Content Placeholder 2"/>
-          <p:cNvSpPr>
-            <a:spLocks noGrp="1"/>
-          </p:cNvSpPr>
-          <p:nvPr>
-            <p:ph idx="1"/>
-          </p:nvPr>
-        </p:nvSpPr>
-        <p:spPr/>
-        <p:txBody>
-          <a:bodyPr/>
-          <a:lstStyle/>
-          <a:p>
-            <a:r>
-              <a:rPr lang="hr-HR" dirty="0" err="1" smtClean="0"/>
-              <a:t>ECMAScript</a:t>
-            </a:r>
-            <a:endParaRPr lang="hr-HR" dirty="0" smtClean="0"/>
-          </a:p>
-          <a:p>
-            <a:pPr lvl="1"/>
-            <a:r>
-              <a:rPr lang="hr-HR" dirty="0" smtClean="0"/>
-              <a:t>Verzije </a:t>
-            </a:r>
-            <a:r>
-              <a:rPr lang="hr-HR" dirty="0" err="1" smtClean="0"/>
-              <a:t>Javascripta</a:t>
-            </a:r>
-            <a:endParaRPr lang="hr-HR" dirty="0" smtClean="0"/>
-          </a:p>
-          <a:p>
-            <a:pPr lvl="2"/>
-            <a:r>
-              <a:rPr lang="hr-HR" dirty="0" smtClean="0"/>
-              <a:t>Trenutno podržana verzija ES5</a:t>
-            </a:r>
-          </a:p>
-          <a:p>
-            <a:pPr lvl="2"/>
-            <a:r>
-              <a:rPr lang="hr-HR" dirty="0" smtClean="0"/>
-              <a:t>ES6 (ES 2015) podržan u </a:t>
-            </a:r>
-            <a:r>
-              <a:rPr lang="hr-HR" dirty="0" err="1" smtClean="0"/>
-              <a:t>Chromeu</a:t>
-            </a:r>
-            <a:r>
-              <a:rPr lang="hr-HR" dirty="0" smtClean="0"/>
-              <a:t> i Firefoxu, ali ne i na mobilnim uređajima</a:t>
-            </a:r>
-          </a:p>
-          <a:p>
-            <a:pPr lvl="1"/>
-            <a:r>
-              <a:rPr lang="hr-HR" dirty="0">
-                <a:hlinkClick r:id="rId2"/>
-              </a:rPr>
-              <a:t>http://kangax.github.io/compat-table/es6/</a:t>
-            </a:r>
-            <a:endParaRPr lang="hr-HR" dirty="0"/>
-          </a:p>
-          <a:p>
-            <a:pPr lvl="1"/>
-            <a:endParaRPr lang="hr-HR" dirty="0"/>
-          </a:p>
-        </p:txBody>
-      </p:sp>
-    </p:spTree>
-    <p:extLst>
-      <p:ext uri="{BB962C8B-B14F-4D97-AF65-F5344CB8AC3E}">
-        <p14:creationId xmlns:p14="http://schemas.microsoft.com/office/powerpoint/2010/main" val="4122024576"/>
-      </p:ext>
-    </p:extLst>
-  </p:cSld>
-  <p:clrMapOvr>
-    <a:masterClrMapping/>
-  </p:clrMapOvr>
-</p:sld>
-</file>
-
-<file path=ppt/slides/slide23.xml><?xml version="1.0" encoding="utf-8"?>
-<p:sld xmlns:a="http://schemas.openxmlformats.org/drawingml/2006/main" xmlns:r="http://schemas.openxmlformats.org/officeDocument/2006/relationships" xmlns:p="http://schemas.openxmlformats.org/presentationml/2006/main">
-  <p:cSld>
-    <p:spTree>
-      <p:nvGrpSpPr>
-        <p:cNvPr id="1" name=""/>
-        <p:cNvGrpSpPr/>
-        <p:nvPr/>
-      </p:nvGrpSpPr>
-      <p:grpSpPr>
-        <a:xfrm>
-          <a:off x="0" y="0"/>
-          <a:ext cx="0" cy="0"/>
-          <a:chOff x="0" y="0"/>
-          <a:chExt cx="0" cy="0"/>
-        </a:xfrm>
-      </p:grpSpPr>
-      <p:sp>
-        <p:nvSpPr>
-          <p:cNvPr id="2" name="Title 1"/>
-          <p:cNvSpPr>
-            <a:spLocks noGrp="1"/>
-          </p:cNvSpPr>
-          <p:nvPr>
-            <p:ph type="title"/>
-          </p:nvPr>
-        </p:nvSpPr>
-        <p:spPr/>
-        <p:txBody>
-          <a:bodyPr/>
-          <a:lstStyle/>
-          <a:p>
-            <a:r>
-              <a:rPr lang="hr-HR" dirty="0" err="1" smtClean="0"/>
-              <a:t>Visual</a:t>
-            </a:r>
-            <a:r>
-              <a:rPr lang="hr-HR" dirty="0" smtClean="0"/>
-              <a:t> Studio </a:t>
-            </a:r>
-            <a:r>
-              <a:rPr lang="hr-HR" dirty="0" err="1" smtClean="0"/>
-              <a:t>Code</a:t>
-            </a:r>
-            <a:endParaRPr lang="hr-HR" dirty="0"/>
-          </a:p>
-        </p:txBody>
-      </p:sp>
-      <p:sp>
-        <p:nvSpPr>
-          <p:cNvPr id="3" name="Content Placeholder 2"/>
-          <p:cNvSpPr>
-            <a:spLocks noGrp="1"/>
-          </p:cNvSpPr>
-          <p:nvPr>
-            <p:ph idx="1"/>
-          </p:nvPr>
-        </p:nvSpPr>
-        <p:spPr/>
-        <p:txBody>
-          <a:bodyPr/>
-          <a:lstStyle/>
-          <a:p>
-            <a:r>
-              <a:rPr lang="hr-HR" dirty="0" smtClean="0"/>
-              <a:t>Besplatan alat</a:t>
-            </a:r>
-          </a:p>
-          <a:p>
-            <a:r>
-              <a:rPr lang="hr-HR" dirty="0" smtClean="0"/>
-              <a:t>Brži i specijaliziraniji za razvoj SPA aplikacija od </a:t>
-            </a:r>
-            <a:r>
-              <a:rPr lang="hr-HR" dirty="0" err="1" smtClean="0"/>
-              <a:t>Visual</a:t>
-            </a:r>
-            <a:r>
-              <a:rPr lang="hr-HR" dirty="0" smtClean="0"/>
-              <a:t> </a:t>
-            </a:r>
-            <a:r>
-              <a:rPr lang="hr-HR" dirty="0" err="1" smtClean="0"/>
-              <a:t>Studia</a:t>
-            </a:r>
-            <a:endParaRPr lang="hr-HR" dirty="0" smtClean="0"/>
-          </a:p>
-          <a:p>
-            <a:r>
-              <a:rPr lang="hr-HR" dirty="0" smtClean="0"/>
-              <a:t>Postoje Linux i </a:t>
-            </a:r>
-            <a:r>
-              <a:rPr lang="hr-HR" dirty="0" err="1" smtClean="0"/>
-              <a:t>MacOs</a:t>
-            </a:r>
-            <a:r>
-              <a:rPr lang="hr-HR" dirty="0" smtClean="0"/>
-              <a:t> verzije</a:t>
-            </a:r>
-            <a:endParaRPr lang="hr-HR" dirty="0"/>
-          </a:p>
-        </p:txBody>
-      </p:sp>
-    </p:spTree>
-    <p:extLst>
-      <p:ext uri="{BB962C8B-B14F-4D97-AF65-F5344CB8AC3E}">
-        <p14:creationId xmlns:p14="http://schemas.microsoft.com/office/powerpoint/2010/main" val="2861777299"/>
-      </p:ext>
-    </p:extLst>
-  </p:cSld>
-  <p:clrMapOvr>
-    <a:masterClrMapping/>
-  </p:clrMapOvr>
-</p:sld>
-</file>
-
-<file path=ppt/slides/slide24.xml><?xml version="1.0" encoding="utf-8"?>
-<p:sld xmlns:a="http://schemas.openxmlformats.org/drawingml/2006/main" xmlns:r="http://schemas.openxmlformats.org/officeDocument/2006/relationships" xmlns:p="http://schemas.openxmlformats.org/presentationml/2006/main">
-  <p:cSld>
-    <p:spTree>
-      <p:nvGrpSpPr>
-        <p:cNvPr id="1" name=""/>
-        <p:cNvGrpSpPr/>
-        <p:nvPr/>
-      </p:nvGrpSpPr>
-      <p:grpSpPr>
-        <a:xfrm>
-          <a:off x="0" y="0"/>
-          <a:ext cx="0" cy="0"/>
-          <a:chOff x="0" y="0"/>
-          <a:chExt cx="0" cy="0"/>
-        </a:xfrm>
-      </p:grpSpPr>
-      <p:sp>
-        <p:nvSpPr>
-          <p:cNvPr id="2" name="Title 1"/>
-          <p:cNvSpPr>
-            <a:spLocks noGrp="1"/>
-          </p:cNvSpPr>
-          <p:nvPr>
-            <p:ph type="title"/>
-          </p:nvPr>
-        </p:nvSpPr>
-        <p:spPr/>
-        <p:txBody>
-          <a:bodyPr/>
-          <a:lstStyle/>
-          <a:p>
-            <a:r>
-              <a:rPr lang="hr-HR" dirty="0" err="1" smtClean="0"/>
-              <a:t>Angular</a:t>
-            </a:r>
-            <a:r>
-              <a:rPr lang="hr-HR" dirty="0" smtClean="0"/>
-              <a:t> arhitektura</a:t>
-            </a:r>
-            <a:endParaRPr lang="hr-HR" dirty="0"/>
-          </a:p>
-        </p:txBody>
-      </p:sp>
-      <p:sp>
-        <p:nvSpPr>
-          <p:cNvPr id="3" name="Content Placeholder 2"/>
-          <p:cNvSpPr>
-            <a:spLocks noGrp="1"/>
-          </p:cNvSpPr>
-          <p:nvPr>
-            <p:ph idx="1"/>
-          </p:nvPr>
-        </p:nvSpPr>
-        <p:spPr/>
-        <p:txBody>
-          <a:bodyPr/>
-          <a:lstStyle/>
-          <a:p>
-            <a:r>
-              <a:rPr lang="hr-HR" dirty="0" smtClean="0"/>
-              <a:t>Nazivlje datoteka:</a:t>
-            </a:r>
-          </a:p>
-          <a:p>
-            <a:pPr lvl="1"/>
-            <a:r>
-              <a:rPr lang="hr-HR" dirty="0" smtClean="0"/>
-              <a:t>Komponente – </a:t>
-            </a:r>
-            <a:r>
-              <a:rPr lang="hr-HR" dirty="0" err="1" smtClean="0"/>
-              <a:t>ime.component.ts</a:t>
-            </a:r>
-            <a:endParaRPr lang="hr-HR" dirty="0" smtClean="0"/>
-          </a:p>
-          <a:p>
-            <a:pPr lvl="1"/>
-            <a:r>
-              <a:rPr lang="hr-HR" dirty="0" smtClean="0"/>
-              <a:t>Template – ime.component.html</a:t>
-            </a:r>
-          </a:p>
-          <a:p>
-            <a:pPr lvl="1"/>
-            <a:r>
-              <a:rPr lang="hr-HR" dirty="0" smtClean="0"/>
-              <a:t>Model – </a:t>
-            </a:r>
-            <a:r>
-              <a:rPr lang="hr-HR" dirty="0" err="1" smtClean="0"/>
-              <a:t>ime.model.ts</a:t>
-            </a:r>
-            <a:endParaRPr lang="hr-HR" dirty="0" smtClean="0"/>
-          </a:p>
-          <a:p>
-            <a:pPr lvl="1"/>
-            <a:r>
-              <a:rPr lang="hr-HR" dirty="0" smtClean="0"/>
-              <a:t>Direktive – </a:t>
-            </a:r>
-            <a:r>
-              <a:rPr lang="hr-HR" dirty="0" err="1" smtClean="0"/>
-              <a:t>ime.directive.ts</a:t>
-            </a:r>
-            <a:endParaRPr lang="hr-HR" dirty="0" smtClean="0"/>
-          </a:p>
-          <a:p>
-            <a:pPr lvl="1"/>
-            <a:r>
-              <a:rPr lang="hr-HR" dirty="0" smtClean="0"/>
-              <a:t>Pipe – </a:t>
-            </a:r>
-            <a:r>
-              <a:rPr lang="hr-HR" dirty="0" err="1" smtClean="0"/>
-              <a:t>ime.pipe.ts</a:t>
-            </a:r>
-            <a:endParaRPr lang="hr-HR" dirty="0" smtClean="0"/>
-          </a:p>
-          <a:p>
-            <a:pPr lvl="1"/>
-            <a:r>
-              <a:rPr lang="hr-HR" dirty="0" smtClean="0"/>
-              <a:t>Modul – </a:t>
-            </a:r>
-            <a:r>
-              <a:rPr lang="hr-HR" dirty="0" err="1" smtClean="0"/>
-              <a:t>ime.module.ts</a:t>
-            </a:r>
-            <a:endParaRPr lang="hr-HR" dirty="0" smtClean="0"/>
-          </a:p>
-          <a:p>
-            <a:r>
-              <a:rPr lang="hr-HR" dirty="0" smtClean="0"/>
-              <a:t>Dva načina podijele datoteka:</a:t>
-            </a:r>
-          </a:p>
-          <a:p>
-            <a:pPr lvl="1"/>
-            <a:r>
-              <a:rPr lang="hr-HR" dirty="0" smtClean="0"/>
-              <a:t>Po tipu</a:t>
-            </a:r>
-          </a:p>
-          <a:p>
-            <a:pPr lvl="1"/>
-            <a:r>
-              <a:rPr lang="hr-HR" dirty="0" smtClean="0"/>
-              <a:t>Po cjelini</a:t>
-            </a:r>
-            <a:endParaRPr lang="hr-HR" dirty="0"/>
-          </a:p>
-        </p:txBody>
-      </p:sp>
-    </p:spTree>
-    <p:extLst>
-      <p:ext uri="{BB962C8B-B14F-4D97-AF65-F5344CB8AC3E}">
-        <p14:creationId xmlns:p14="http://schemas.microsoft.com/office/powerpoint/2010/main" val="2000338973"/>
-      </p:ext>
-    </p:extLst>
-  </p:cSld>
-  <p:clrMapOvr>
-    <a:masterClrMapping/>
-  </p:clrMapOvr>
-</p:sld>
-</file>
-
-<file path=ppt/slides/slide25.xml><?xml version="1.0" encoding="utf-8"?>
-<p:sld xmlns:a="http://schemas.openxmlformats.org/drawingml/2006/main" xmlns:r="http://schemas.openxmlformats.org/officeDocument/2006/relationships" xmlns:p="http://schemas.openxmlformats.org/presentationml/2006/main">
-  <p:cSld>
-    <p:spTree>
-      <p:nvGrpSpPr>
-        <p:cNvPr id="1" name=""/>
-        <p:cNvGrpSpPr/>
-        <p:nvPr/>
-      </p:nvGrpSpPr>
-      <p:grpSpPr>
-        <a:xfrm>
-          <a:off x="0" y="0"/>
-          <a:ext cx="0" cy="0"/>
-          <a:chOff x="0" y="0"/>
-          <a:chExt cx="0" cy="0"/>
-        </a:xfrm>
-      </p:grpSpPr>
-      <p:sp>
-        <p:nvSpPr>
-          <p:cNvPr id="2" name="Title 1"/>
-          <p:cNvSpPr>
-            <a:spLocks noGrp="1"/>
-          </p:cNvSpPr>
-          <p:nvPr>
-            <p:ph type="title"/>
-          </p:nvPr>
-        </p:nvSpPr>
-        <p:spPr/>
-        <p:txBody>
-          <a:bodyPr/>
-          <a:lstStyle/>
-          <a:p>
-            <a:r>
-              <a:rPr lang="hr-HR" dirty="0" err="1" smtClean="0"/>
-              <a:t>Angular</a:t>
-            </a:r>
-            <a:r>
-              <a:rPr lang="hr-HR" dirty="0" smtClean="0"/>
-              <a:t> arhitektura</a:t>
-            </a:r>
-            <a:endParaRPr lang="hr-HR" dirty="0"/>
-          </a:p>
-        </p:txBody>
-      </p:sp>
-      <p:sp>
-        <p:nvSpPr>
-          <p:cNvPr id="3" name="Content Placeholder 2"/>
-          <p:cNvSpPr>
-            <a:spLocks noGrp="1"/>
-          </p:cNvSpPr>
-          <p:nvPr>
-            <p:ph idx="1"/>
-          </p:nvPr>
-        </p:nvSpPr>
-        <p:spPr/>
-        <p:txBody>
-          <a:bodyPr/>
-          <a:lstStyle/>
-          <a:p>
-            <a:r>
-              <a:rPr lang="hr-HR" dirty="0" err="1" smtClean="0"/>
-              <a:t>Podijela</a:t>
-            </a:r>
-            <a:r>
-              <a:rPr lang="hr-HR" dirty="0" smtClean="0"/>
-              <a:t> datoteka po tipu</a:t>
-            </a:r>
-            <a:endParaRPr lang="hr-HR" dirty="0"/>
-          </a:p>
-        </p:txBody>
-      </p:sp>
-    </p:spTree>
-    <p:extLst>
-      <p:ext uri="{BB962C8B-B14F-4D97-AF65-F5344CB8AC3E}">
-        <p14:creationId xmlns:p14="http://schemas.microsoft.com/office/powerpoint/2010/main" val="851098862"/>
-      </p:ext>
-    </p:extLst>
-  </p:cSld>
-  <p:clrMapOvr>
-    <a:masterClrMapping/>
-  </p:clrMapOvr>
-</p:sld>
-</file>
-
-<file path=ppt/slides/slide26.xml><?xml version="1.0" encoding="utf-8"?>
-<p:sld xmlns:a="http://schemas.openxmlformats.org/drawingml/2006/main" xmlns:r="http://schemas.openxmlformats.org/officeDocument/2006/relationships" xmlns:p="http://schemas.openxmlformats.org/presentationml/2006/main">
-  <p:cSld>
-    <p:spTree>
-      <p:nvGrpSpPr>
-        <p:cNvPr id="1" name=""/>
-        <p:cNvGrpSpPr/>
-        <p:nvPr/>
-      </p:nvGrpSpPr>
-      <p:grpSpPr>
-        <a:xfrm>
-          <a:off x="0" y="0"/>
-          <a:ext cx="0" cy="0"/>
-          <a:chOff x="0" y="0"/>
-          <a:chExt cx="0" cy="0"/>
-        </a:xfrm>
-      </p:grpSpPr>
-      <p:sp>
-        <p:nvSpPr>
-          <p:cNvPr id="2" name="Title 1"/>
-          <p:cNvSpPr>
-            <a:spLocks noGrp="1"/>
-          </p:cNvSpPr>
-          <p:nvPr>
-            <p:ph type="title"/>
-          </p:nvPr>
-        </p:nvSpPr>
-        <p:spPr/>
-        <p:txBody>
-          <a:bodyPr/>
-          <a:lstStyle/>
-          <a:p>
-            <a:r>
-              <a:rPr lang="hr-HR" dirty="0" err="1" smtClean="0"/>
-              <a:t>Angular</a:t>
-            </a:r>
-            <a:r>
-              <a:rPr lang="hr-HR" dirty="0" smtClean="0"/>
-              <a:t> arhitektura</a:t>
-            </a:r>
-            <a:endParaRPr lang="hr-HR" dirty="0"/>
-          </a:p>
-        </p:txBody>
-      </p:sp>
-      <p:sp>
-        <p:nvSpPr>
-          <p:cNvPr id="3" name="Content Placeholder 2"/>
-          <p:cNvSpPr>
-            <a:spLocks noGrp="1"/>
-          </p:cNvSpPr>
-          <p:nvPr>
-            <p:ph idx="1"/>
-          </p:nvPr>
-        </p:nvSpPr>
-        <p:spPr/>
-        <p:txBody>
-          <a:bodyPr/>
-          <a:lstStyle/>
-          <a:p>
-            <a:r>
-              <a:rPr lang="hr-HR" dirty="0" err="1" smtClean="0"/>
-              <a:t>Podijela</a:t>
-            </a:r>
-            <a:r>
-              <a:rPr lang="hr-HR" dirty="0" smtClean="0"/>
-              <a:t> datoteka po cjelini</a:t>
-            </a:r>
-            <a:endParaRPr lang="hr-HR" dirty="0"/>
-          </a:p>
-        </p:txBody>
-      </p:sp>
-    </p:spTree>
-    <p:extLst>
-      <p:ext uri="{BB962C8B-B14F-4D97-AF65-F5344CB8AC3E}">
-        <p14:creationId xmlns:p14="http://schemas.microsoft.com/office/powerpoint/2010/main" val="1862285598"/>
+        <p14:creationId xmlns:p14="http://schemas.microsoft.com/office/powerpoint/2010/main" val="1410410338"/>
       </p:ext>
     </p:extLst>
   </p:cSld>
@@ -5208,105 +3330,42 @@
           <a:p>
             <a:r>
               <a:rPr lang="hr-HR" dirty="0" err="1" smtClean="0"/>
-              <a:t>Angular</a:t>
+              <a:t>Controllers</a:t>
             </a:r>
             <a:endParaRPr lang="hr-HR" dirty="0"/>
           </a:p>
         </p:txBody>
       </p:sp>
-      <p:sp>
-        <p:nvSpPr>
-          <p:cNvPr id="3" name="Content Placeholder 2"/>
-          <p:cNvSpPr>
-            <a:spLocks noGrp="1"/>
-          </p:cNvSpPr>
+      <p:pic>
+        <p:nvPicPr>
+          <p:cNvPr id="4" name="Content Placeholder 3"/>
+          <p:cNvPicPr>
+            <a:picLocks noGrp="1" noChangeAspect="1"/>
+          </p:cNvPicPr>
           <p:nvPr>
             <p:ph idx="1"/>
           </p:nvPr>
-        </p:nvSpPr>
-        <p:spPr/>
-        <p:txBody>
-          <a:bodyPr/>
-          <a:lstStyle/>
-          <a:p>
-            <a:r>
-              <a:rPr lang="hr-HR" dirty="0"/>
-              <a:t>Razvijan u </a:t>
-            </a:r>
-            <a:r>
-              <a:rPr lang="hr-HR" dirty="0" err="1" smtClean="0"/>
-              <a:t>Typescriptu</a:t>
-            </a:r>
-            <a:endParaRPr lang="hr-HR" dirty="0" smtClean="0"/>
-          </a:p>
-          <a:p>
-            <a:pPr lvl="1"/>
-            <a:r>
-              <a:rPr lang="hr-HR" dirty="0" smtClean="0"/>
-              <a:t>Zašto Google razvija tehnologiju u MS jeziku?</a:t>
-            </a:r>
-            <a:endParaRPr lang="hr-HR" dirty="0"/>
-          </a:p>
-          <a:p>
-            <a:r>
-              <a:rPr lang="hr-HR" dirty="0"/>
-              <a:t>Bolji </a:t>
-            </a:r>
-            <a:r>
-              <a:rPr lang="hr-HR" dirty="0" err="1"/>
-              <a:t>mobile</a:t>
-            </a:r>
-            <a:r>
-              <a:rPr lang="hr-HR" dirty="0"/>
-              <a:t> </a:t>
-            </a:r>
-            <a:r>
-              <a:rPr lang="hr-HR" dirty="0" err="1"/>
-              <a:t>support</a:t>
-            </a:r>
-            <a:endParaRPr lang="hr-HR" dirty="0"/>
-          </a:p>
-          <a:p>
-            <a:r>
-              <a:rPr lang="hr-HR" dirty="0"/>
-              <a:t>Posvećena veća pažnja na performanse</a:t>
-            </a:r>
-          </a:p>
-          <a:p>
-            <a:r>
-              <a:rPr lang="hr-HR" dirty="0" err="1"/>
-              <a:t>Code</a:t>
-            </a:r>
-            <a:r>
-              <a:rPr lang="hr-HR" dirty="0"/>
-              <a:t> </a:t>
-            </a:r>
-            <a:r>
-              <a:rPr lang="hr-HR" dirty="0" err="1" smtClean="0"/>
-              <a:t>splitting</a:t>
-            </a:r>
-            <a:endParaRPr lang="hr-HR" dirty="0" smtClean="0"/>
-          </a:p>
-          <a:p>
-            <a:pPr lvl="1"/>
-            <a:r>
-              <a:rPr lang="hr-HR" dirty="0" smtClean="0"/>
-              <a:t>Lako i pregledno se aplikacija može rasporediti u zasebne datoteke</a:t>
-            </a:r>
-            <a:endParaRPr lang="hr-HR" dirty="0"/>
-          </a:p>
-          <a:p>
-            <a:pPr marL="0" indent="0">
-              <a:buNone/>
-            </a:pPr>
-            <a:endParaRPr lang="hr-HR" dirty="0"/>
-          </a:p>
-        </p:txBody>
-      </p:sp>
+        </p:nvPicPr>
+        <p:blipFill>
+          <a:blip r:embed="rId2"/>
+          <a:stretch>
+            <a:fillRect/>
+          </a:stretch>
+        </p:blipFill>
+        <p:spPr>
+          <a:xfrm>
+            <a:off x="1120225" y="1825625"/>
+            <a:ext cx="9951549" cy="4351338"/>
+          </a:xfrm>
+          <a:prstGeom prst="rect">
+            <a:avLst/>
+          </a:prstGeom>
+        </p:spPr>
+      </p:pic>
     </p:spTree>
     <p:extLst>
       <p:ext uri="{BB962C8B-B14F-4D97-AF65-F5344CB8AC3E}">
-        <p14:creationId xmlns:p14="http://schemas.microsoft.com/office/powerpoint/2010/main" val="837461600"/>
+        <p14:creationId xmlns:p14="http://schemas.microsoft.com/office/powerpoint/2010/main" val="3530272536"/>
       </p:ext>
     </p:extLst>
   </p:cSld>
@@ -5350,236 +3409,42 @@
           <a:p>
             <a:r>
               <a:rPr lang="hr-HR" dirty="0" err="1" smtClean="0"/>
-              <a:t>Angular</a:t>
+              <a:t>Views</a:t>
             </a:r>
             <a:endParaRPr lang="hr-HR" dirty="0"/>
           </a:p>
         </p:txBody>
       </p:sp>
-      <p:sp>
-        <p:nvSpPr>
-          <p:cNvPr id="3" name="Content Placeholder 2"/>
-          <p:cNvSpPr>
-            <a:spLocks noGrp="1"/>
-          </p:cNvSpPr>
+      <p:pic>
+        <p:nvPicPr>
+          <p:cNvPr id="4" name="Content Placeholder 3"/>
+          <p:cNvPicPr>
+            <a:picLocks noGrp="1" noChangeAspect="1"/>
+          </p:cNvPicPr>
           <p:nvPr>
             <p:ph idx="1"/>
           </p:nvPr>
-        </p:nvSpPr>
-        <p:spPr/>
-        <p:txBody>
-          <a:bodyPr>
-            <a:normAutofit/>
-          </a:bodyPr>
-          <a:lstStyle/>
-          <a:p>
-            <a:r>
-              <a:rPr lang="hr-HR" dirty="0" err="1" smtClean="0"/>
-              <a:t>Testing</a:t>
-            </a:r>
-            <a:r>
-              <a:rPr lang="hr-HR" dirty="0"/>
-              <a:t> </a:t>
-            </a:r>
-            <a:r>
-              <a:rPr lang="hr-HR" dirty="0" smtClean="0"/>
-              <a:t>- od </a:t>
-            </a:r>
-            <a:r>
-              <a:rPr lang="hr-HR" dirty="0" err="1" smtClean="0"/>
-              <a:t>Angulara</a:t>
-            </a:r>
-            <a:r>
-              <a:rPr lang="hr-HR" dirty="0" smtClean="0"/>
-              <a:t> 4.0.0 </a:t>
-            </a:r>
-            <a:r>
-              <a:rPr lang="hr-HR" dirty="0" err="1" smtClean="0"/>
-              <a:t>quickstart</a:t>
-            </a:r>
-            <a:r>
-              <a:rPr lang="hr-HR" dirty="0" smtClean="0"/>
-              <a:t> projekt dolazi sa:</a:t>
-            </a:r>
-          </a:p>
-          <a:p>
-            <a:pPr lvl="1"/>
-            <a:r>
-              <a:rPr lang="hr-HR" dirty="0" err="1" smtClean="0"/>
-              <a:t>angular</a:t>
-            </a:r>
-            <a:r>
-              <a:rPr lang="hr-HR" dirty="0" smtClean="0"/>
-              <a:t>-</a:t>
-            </a:r>
-            <a:r>
-              <a:rPr lang="hr-HR" dirty="0" err="1" smtClean="0"/>
-              <a:t>in</a:t>
-            </a:r>
-            <a:r>
-              <a:rPr lang="hr-HR" dirty="0" smtClean="0"/>
-              <a:t>-</a:t>
-            </a:r>
-            <a:r>
-              <a:rPr lang="hr-HR" dirty="0" err="1" smtClean="0"/>
-              <a:t>memory</a:t>
-            </a:r>
-            <a:r>
-              <a:rPr lang="hr-HR" dirty="0" smtClean="0"/>
-              <a:t>-web-</a:t>
-            </a:r>
-            <a:r>
-              <a:rPr lang="hr-HR" dirty="0" err="1" smtClean="0"/>
-              <a:t>api</a:t>
-            </a:r>
-            <a:endParaRPr lang="hr-HR" dirty="0" smtClean="0"/>
-          </a:p>
-          <a:p>
-            <a:pPr lvl="2"/>
-            <a:r>
-              <a:rPr lang="hr-HR" dirty="0" err="1" smtClean="0"/>
-              <a:t>Mockanje</a:t>
-            </a:r>
-            <a:r>
-              <a:rPr lang="hr-HR" dirty="0" smtClean="0"/>
-              <a:t> API servisa</a:t>
-            </a:r>
-          </a:p>
-          <a:p>
-            <a:pPr lvl="1"/>
-            <a:r>
-              <a:rPr lang="hr-HR" dirty="0" err="1"/>
-              <a:t>Angular</a:t>
-            </a:r>
-            <a:r>
-              <a:rPr lang="hr-HR" dirty="0"/>
-              <a:t> </a:t>
-            </a:r>
-            <a:r>
-              <a:rPr lang="hr-HR" dirty="0" err="1"/>
-              <a:t>testing</a:t>
-            </a:r>
-            <a:r>
-              <a:rPr lang="hr-HR" dirty="0"/>
-              <a:t> </a:t>
-            </a:r>
-            <a:r>
-              <a:rPr lang="hr-HR" dirty="0" err="1" smtClean="0"/>
-              <a:t>utilities</a:t>
-            </a:r>
-            <a:endParaRPr lang="hr-HR" dirty="0" smtClean="0"/>
-          </a:p>
-          <a:p>
-            <a:pPr lvl="2"/>
-            <a:r>
-              <a:rPr lang="hr-HR" dirty="0" err="1" smtClean="0"/>
-              <a:t>TestBed</a:t>
-            </a:r>
-            <a:r>
-              <a:rPr lang="hr-HR" dirty="0" smtClean="0"/>
-              <a:t> – testiranje komponenata, direktiva i sl.</a:t>
-            </a:r>
-          </a:p>
-          <a:p>
-            <a:pPr lvl="2"/>
-            <a:r>
-              <a:rPr lang="hr-HR" dirty="0" smtClean="0"/>
-              <a:t>DI – testiranje servisa i ostalih @</a:t>
-            </a:r>
-            <a:r>
-              <a:rPr lang="hr-HR" dirty="0" err="1" smtClean="0"/>
-              <a:t>Injectable</a:t>
-            </a:r>
-            <a:r>
-              <a:rPr lang="hr-HR" dirty="0" smtClean="0"/>
-              <a:t> jednostavno deklariranjem </a:t>
-            </a:r>
-            <a:r>
-              <a:rPr lang="hr-HR" dirty="0" err="1" smtClean="0"/>
-              <a:t>mock</a:t>
-            </a:r>
-            <a:r>
-              <a:rPr lang="hr-HR" dirty="0" smtClean="0"/>
-              <a:t> klasa umjesto pravih</a:t>
-            </a:r>
-          </a:p>
-          <a:p>
-            <a:pPr lvl="1"/>
-            <a:r>
-              <a:rPr lang="hr-HR" dirty="0" smtClean="0"/>
-              <a:t>Karma</a:t>
-            </a:r>
-          </a:p>
-          <a:p>
-            <a:pPr lvl="2"/>
-            <a:r>
-              <a:rPr lang="hr-HR" dirty="0" err="1" smtClean="0"/>
-              <a:t>Unit</a:t>
-            </a:r>
-            <a:r>
-              <a:rPr lang="hr-HR" dirty="0" smtClean="0"/>
-              <a:t> </a:t>
-            </a:r>
-            <a:r>
-              <a:rPr lang="hr-HR" dirty="0" err="1" smtClean="0"/>
-              <a:t>testing</a:t>
-            </a:r>
-            <a:r>
-              <a:rPr lang="hr-HR" dirty="0" smtClean="0"/>
-              <a:t> </a:t>
-            </a:r>
-            <a:r>
-              <a:rPr lang="hr-HR" dirty="0" err="1" smtClean="0"/>
-              <a:t>framework</a:t>
-            </a:r>
-            <a:endParaRPr lang="hr-HR" dirty="0" smtClean="0"/>
-          </a:p>
-          <a:p>
-            <a:pPr lvl="1"/>
-            <a:r>
-              <a:rPr lang="hr-HR" dirty="0" err="1" smtClean="0"/>
-              <a:t>Protractor</a:t>
-            </a:r>
-            <a:endParaRPr lang="hr-HR" dirty="0" smtClean="0"/>
-          </a:p>
-          <a:p>
-            <a:pPr lvl="2"/>
-            <a:r>
-              <a:rPr lang="hr-HR" dirty="0" err="1" smtClean="0"/>
-              <a:t>end</a:t>
-            </a:r>
-            <a:r>
-              <a:rPr lang="hr-HR" dirty="0" smtClean="0"/>
-              <a:t>-to-</a:t>
-            </a:r>
-            <a:r>
-              <a:rPr lang="hr-HR" dirty="0" err="1" smtClean="0"/>
-              <a:t>end</a:t>
-            </a:r>
-            <a:r>
-              <a:rPr lang="hr-HR" dirty="0" smtClean="0"/>
-              <a:t> </a:t>
-            </a:r>
-            <a:r>
-              <a:rPr lang="hr-HR" dirty="0" err="1" smtClean="0"/>
-              <a:t>testing</a:t>
-            </a:r>
-            <a:endParaRPr lang="hr-HR" dirty="0" smtClean="0"/>
-          </a:p>
-          <a:p>
-            <a:pPr lvl="2"/>
-            <a:r>
-              <a:rPr lang="hr-HR" dirty="0" smtClean="0"/>
-              <a:t>Testiranje samog UI-a kroz browser</a:t>
-            </a:r>
-            <a:endParaRPr lang="hr-HR" dirty="0"/>
-          </a:p>
-        </p:txBody>
-      </p:sp>
+        </p:nvPicPr>
+        <p:blipFill>
+          <a:blip r:embed="rId2"/>
+          <a:stretch>
+            <a:fillRect/>
+          </a:stretch>
+        </p:blipFill>
+        <p:spPr>
+          <a:xfrm>
+            <a:off x="1148055" y="1825625"/>
+            <a:ext cx="9895889" cy="4351338"/>
+          </a:xfrm>
+          <a:prstGeom prst="rect">
+            <a:avLst/>
+          </a:prstGeom>
+        </p:spPr>
+      </p:pic>
     </p:spTree>
     <p:extLst>
       <p:ext uri="{BB962C8B-B14F-4D97-AF65-F5344CB8AC3E}">
-        <p14:creationId xmlns:p14="http://schemas.microsoft.com/office/powerpoint/2010/main" val="576602786"/>
+        <p14:creationId xmlns:p14="http://schemas.microsoft.com/office/powerpoint/2010/main" val="1641810989"/>
       </p:ext>
     </p:extLst>
   </p:cSld>
@@ -5623,102 +3488,42 @@
           <a:p>
             <a:r>
               <a:rPr lang="hr-HR" dirty="0" err="1" smtClean="0"/>
-              <a:t>Angular</a:t>
+              <a:t>Services</a:t>
             </a:r>
             <a:endParaRPr lang="hr-HR" dirty="0"/>
           </a:p>
         </p:txBody>
       </p:sp>
-      <p:sp>
-        <p:nvSpPr>
-          <p:cNvPr id="3" name="Content Placeholder 2"/>
-          <p:cNvSpPr>
-            <a:spLocks noGrp="1"/>
-          </p:cNvSpPr>
+      <p:pic>
+        <p:nvPicPr>
+          <p:cNvPr id="4" name="Content Placeholder 3"/>
+          <p:cNvPicPr>
+            <a:picLocks noGrp="1" noChangeAspect="1"/>
+          </p:cNvPicPr>
           <p:nvPr>
             <p:ph idx="1"/>
           </p:nvPr>
-        </p:nvSpPr>
-        <p:spPr/>
-        <p:txBody>
-          <a:bodyPr/>
-          <a:lstStyle/>
-          <a:p>
-            <a:r>
-              <a:rPr lang="hr-HR" dirty="0" err="1"/>
-              <a:t>Animation</a:t>
-            </a:r>
-            <a:r>
-              <a:rPr lang="hr-HR" dirty="0"/>
-              <a:t> </a:t>
-            </a:r>
-            <a:r>
-              <a:rPr lang="hr-HR" dirty="0" smtClean="0"/>
-              <a:t>API</a:t>
-            </a:r>
-          </a:p>
-          <a:p>
-            <a:pPr lvl="1"/>
-            <a:r>
-              <a:rPr lang="hr-HR" dirty="0" smtClean="0"/>
-              <a:t>Mogućnosti pisanja animacija za komponente i direktive kroz </a:t>
-            </a:r>
-            <a:r>
-              <a:rPr lang="hr-HR" dirty="0" err="1" smtClean="0"/>
-              <a:t>Typescript</a:t>
-            </a:r>
-            <a:endParaRPr lang="hr-HR" dirty="0" smtClean="0"/>
-          </a:p>
-          <a:p>
-            <a:pPr lvl="1"/>
-            <a:r>
-              <a:rPr lang="hr-HR" dirty="0" smtClean="0"/>
-              <a:t>Podržava </a:t>
-            </a:r>
-            <a:r>
-              <a:rPr lang="hr-HR" dirty="0" err="1" smtClean="0"/>
-              <a:t>stateove</a:t>
-            </a:r>
-            <a:r>
-              <a:rPr lang="hr-HR" dirty="0" smtClean="0"/>
-              <a:t> i njihove prelaze</a:t>
-            </a:r>
-          </a:p>
-          <a:p>
-            <a:pPr lvl="1"/>
-            <a:r>
-              <a:rPr lang="hr-HR" dirty="0">
-                <a:hlinkClick r:id="rId2"/>
-              </a:rPr>
-              <a:t>https://</a:t>
-            </a:r>
-            <a:r>
-              <a:rPr lang="hr-HR" dirty="0" smtClean="0">
-                <a:hlinkClick r:id="rId2"/>
-              </a:rPr>
-              <a:t>angular.io/docs/ts/latest/guide/animations.html</a:t>
-            </a:r>
-            <a:endParaRPr lang="hr-HR" dirty="0" smtClean="0"/>
-          </a:p>
-          <a:p>
-            <a:pPr marL="457200" lvl="1" indent="0">
-              <a:buNone/>
-            </a:pPr>
-            <a:endParaRPr lang="hr-HR" dirty="0" smtClean="0"/>
-          </a:p>
-          <a:p>
-            <a:pPr lvl="1"/>
-            <a:endParaRPr lang="hr-HR" dirty="0"/>
-          </a:p>
-          <a:p>
-            <a:endParaRPr lang="hr-HR" dirty="0"/>
-          </a:p>
-        </p:txBody>
-      </p:sp>
+        </p:nvPicPr>
+        <p:blipFill>
+          <a:blip r:embed="rId2"/>
+          <a:stretch>
+            <a:fillRect/>
+          </a:stretch>
+        </p:blipFill>
+        <p:spPr>
+          <a:xfrm>
+            <a:off x="995117" y="1825625"/>
+            <a:ext cx="10201765" cy="4351338"/>
+          </a:xfrm>
+          <a:prstGeom prst="rect">
+            <a:avLst/>
+          </a:prstGeom>
+        </p:spPr>
+      </p:pic>
     </p:spTree>
     <p:extLst>
       <p:ext uri="{BB962C8B-B14F-4D97-AF65-F5344CB8AC3E}">
-        <p14:creationId xmlns:p14="http://schemas.microsoft.com/office/powerpoint/2010/main" val="2279058776"/>
+        <p14:creationId xmlns:p14="http://schemas.microsoft.com/office/powerpoint/2010/main" val="2702584543"/>
       </p:ext>
     </p:extLst>
   </p:cSld>
@@ -5762,7 +3567,7 @@
           <a:p>
             <a:r>
               <a:rPr lang="hr-HR" dirty="0" err="1" smtClean="0"/>
-              <a:t>Typescript</a:t>
+              <a:t>Directives</a:t>
             </a:r>
             <a:endParaRPr lang="hr-HR" dirty="0"/>
           </a:p>
@@ -5770,7 +3575,7 @@
       </p:sp>
       <p:sp>
         <p:nvSpPr>
-          <p:cNvPr id="3" name="Content Placeholder 2"/>
+          <p:cNvPr id="6" name="Content Placeholder 5"/>
           <p:cNvSpPr>
             <a:spLocks noGrp="1"/>
           </p:cNvSpPr>
@@ -5783,362 +3588,38 @@
           <a:bodyPr/>
           <a:lstStyle/>
           <a:p>
-            <a:r>
-              <a:rPr lang="hr-HR" dirty="0" smtClean="0"/>
-              <a:t>Microsoftovo rješenje za problem koji predstavlja </a:t>
-            </a:r>
-            <a:r>
-              <a:rPr lang="hr-HR" dirty="0" err="1" smtClean="0"/>
-              <a:t>Javascript</a:t>
-            </a:r>
-            <a:endParaRPr lang="hr-HR" dirty="0" smtClean="0"/>
-          </a:p>
-          <a:p>
-            <a:r>
-              <a:rPr lang="hr-HR" dirty="0" err="1" smtClean="0"/>
-              <a:t>Nadskup</a:t>
-            </a:r>
-            <a:r>
-              <a:rPr lang="hr-HR" dirty="0" smtClean="0"/>
-              <a:t> </a:t>
-            </a:r>
-            <a:r>
-              <a:rPr lang="hr-HR" dirty="0" err="1" smtClean="0"/>
-              <a:t>Javascripta</a:t>
-            </a:r>
-            <a:endParaRPr lang="hr-HR" dirty="0" smtClean="0"/>
-          </a:p>
-          <a:p>
-            <a:pPr lvl="1"/>
-            <a:r>
-              <a:rPr lang="hr-HR" dirty="0" smtClean="0"/>
-              <a:t>Bilo koja ispravna .</a:t>
-            </a:r>
-            <a:r>
-              <a:rPr lang="hr-HR" dirty="0" err="1" smtClean="0"/>
-              <a:t>js</a:t>
-            </a:r>
-            <a:r>
-              <a:rPr lang="hr-HR" dirty="0" smtClean="0"/>
-              <a:t> datoteka je odmah i ispravna .</a:t>
-            </a:r>
-            <a:r>
-              <a:rPr lang="hr-HR" dirty="0" err="1" smtClean="0"/>
-              <a:t>ts</a:t>
-            </a:r>
-            <a:r>
-              <a:rPr lang="hr-HR" dirty="0" smtClean="0"/>
-              <a:t> datoteka</a:t>
-            </a:r>
-          </a:p>
-        </p:txBody>
-      </p:sp>
+            <a:endParaRPr lang="hr-HR"/>
+          </a:p>
+        </p:txBody>
+      </p:sp>
+      <p:pic>
+        <p:nvPicPr>
+          <p:cNvPr id="7" name="Picture 6"/>
+          <p:cNvPicPr>
+            <a:picLocks noChangeAspect="1"/>
+          </p:cNvPicPr>
+          <p:nvPr/>
+        </p:nvPicPr>
+        <p:blipFill>
+          <a:blip r:embed="rId2"/>
+          <a:stretch>
+            <a:fillRect/>
+          </a:stretch>
+        </p:blipFill>
+        <p:spPr>
+          <a:xfrm>
+            <a:off x="838199" y="1825625"/>
+            <a:ext cx="10515601" cy="4351338"/>
+          </a:xfrm>
+          <a:prstGeom prst="rect">
+            <a:avLst/>
+          </a:prstGeom>
+        </p:spPr>
+      </p:pic>
     </p:spTree>
     <p:extLst>
       <p:ext uri="{BB962C8B-B14F-4D97-AF65-F5344CB8AC3E}">
-        <p14:creationId xmlns:p14="http://schemas.microsoft.com/office/powerpoint/2010/main" val="3168182095"/>
-      </p:ext>
-    </p:extLst>
-  </p:cSld>
-  <p:clrMapOvr>
-    <a:masterClrMapping/>
-  </p:clrMapOvr>
-</p:sld>
-</file>
-
-<file path=ppt/slides/slide7.xml><?xml version="1.0" encoding="utf-8"?>
-<p:sld xmlns:a="http://schemas.openxmlformats.org/drawingml/2006/main" xmlns:r="http://schemas.openxmlformats.org/officeDocument/2006/relationships" xmlns:p="http://schemas.openxmlformats.org/presentationml/2006/main">
-  <p:cSld>
-    <p:spTree>
-      <p:nvGrpSpPr>
-        <p:cNvPr id="1" name=""/>
-        <p:cNvGrpSpPr/>
-        <p:nvPr/>
-      </p:nvGrpSpPr>
-      <p:grpSpPr>
-        <a:xfrm>
-          <a:off x="0" y="0"/>
-          <a:ext cx="0" cy="0"/>
-          <a:chOff x="0" y="0"/>
-          <a:chExt cx="0" cy="0"/>
-        </a:xfrm>
-      </p:grpSpPr>
-      <p:sp>
-        <p:nvSpPr>
-          <p:cNvPr id="2" name="Title 1"/>
-          <p:cNvSpPr>
-            <a:spLocks noGrp="1"/>
-          </p:cNvSpPr>
-          <p:nvPr>
-            <p:ph type="title"/>
-          </p:nvPr>
-        </p:nvSpPr>
-        <p:spPr/>
-        <p:txBody>
-          <a:bodyPr/>
-          <a:lstStyle/>
-          <a:p>
-            <a:r>
-              <a:rPr lang="hr-HR" dirty="0" err="1" smtClean="0"/>
-              <a:t>Typescript</a:t>
-            </a:r>
-            <a:endParaRPr lang="hr-HR" dirty="0"/>
-          </a:p>
-        </p:txBody>
-      </p:sp>
-      <p:sp>
-        <p:nvSpPr>
-          <p:cNvPr id="3" name="Content Placeholder 2"/>
-          <p:cNvSpPr>
-            <a:spLocks noGrp="1"/>
-          </p:cNvSpPr>
-          <p:nvPr>
-            <p:ph idx="1"/>
-          </p:nvPr>
-        </p:nvSpPr>
-        <p:spPr/>
-        <p:txBody>
-          <a:bodyPr/>
-          <a:lstStyle/>
-          <a:p>
-            <a:r>
-              <a:rPr lang="hr-HR" dirty="0" err="1" smtClean="0"/>
-              <a:t>Type</a:t>
-            </a:r>
-            <a:r>
-              <a:rPr lang="hr-HR" dirty="0" smtClean="0"/>
-              <a:t> </a:t>
-            </a:r>
-            <a:r>
-              <a:rPr lang="hr-HR" dirty="0" err="1" smtClean="0"/>
-              <a:t>anotations</a:t>
-            </a:r>
-            <a:endParaRPr lang="hr-HR" dirty="0" smtClean="0"/>
-          </a:p>
-          <a:p>
-            <a:pPr lvl="1"/>
-            <a:r>
-              <a:rPr lang="hr-HR" dirty="0" smtClean="0"/>
-              <a:t>Moguće definirati tip varijable</a:t>
-            </a:r>
-          </a:p>
-          <a:p>
-            <a:pPr lvl="1"/>
-            <a:r>
-              <a:rPr lang="hr-HR" dirty="0" smtClean="0"/>
-              <a:t>Tipovi se evaluiraju prilikom kompiliranja</a:t>
-            </a:r>
-          </a:p>
-          <a:p>
-            <a:endParaRPr lang="hr-HR" dirty="0"/>
-          </a:p>
-        </p:txBody>
-      </p:sp>
-    </p:spTree>
-    <p:extLst>
-      <p:ext uri="{BB962C8B-B14F-4D97-AF65-F5344CB8AC3E}">
-        <p14:creationId xmlns:p14="http://schemas.microsoft.com/office/powerpoint/2010/main" val="3296107832"/>
-      </p:ext>
-    </p:extLst>
-  </p:cSld>
-  <p:clrMapOvr>
-    <a:masterClrMapping/>
-  </p:clrMapOvr>
-</p:sld>
-</file>
-
-<file path=ppt/slides/slide8.xml><?xml version="1.0" encoding="utf-8"?>
-<p:sld xmlns:a="http://schemas.openxmlformats.org/drawingml/2006/main" xmlns:r="http://schemas.openxmlformats.org/officeDocument/2006/relationships" xmlns:p="http://schemas.openxmlformats.org/presentationml/2006/main">
-  <p:cSld>
-    <p:spTree>
-      <p:nvGrpSpPr>
-        <p:cNvPr id="1" name=""/>
-        <p:cNvGrpSpPr/>
-        <p:nvPr/>
-      </p:nvGrpSpPr>
-      <p:grpSpPr>
-        <a:xfrm>
-          <a:off x="0" y="0"/>
-          <a:ext cx="0" cy="0"/>
-          <a:chOff x="0" y="0"/>
-          <a:chExt cx="0" cy="0"/>
-        </a:xfrm>
-      </p:grpSpPr>
-      <p:sp>
-        <p:nvSpPr>
-          <p:cNvPr id="2" name="Title 1"/>
-          <p:cNvSpPr>
-            <a:spLocks noGrp="1"/>
-          </p:cNvSpPr>
-          <p:nvPr>
-            <p:ph type="title"/>
-          </p:nvPr>
-        </p:nvSpPr>
-        <p:spPr/>
-        <p:txBody>
-          <a:bodyPr/>
-          <a:lstStyle/>
-          <a:p>
-            <a:r>
-              <a:rPr lang="hr-HR" dirty="0" err="1" smtClean="0"/>
-              <a:t>Typescript</a:t>
-            </a:r>
-            <a:endParaRPr lang="hr-HR" dirty="0"/>
-          </a:p>
-        </p:txBody>
-      </p:sp>
-      <p:sp>
-        <p:nvSpPr>
-          <p:cNvPr id="3" name="Content Placeholder 2"/>
-          <p:cNvSpPr>
-            <a:spLocks noGrp="1"/>
-          </p:cNvSpPr>
-          <p:nvPr>
-            <p:ph idx="1"/>
-          </p:nvPr>
-        </p:nvSpPr>
-        <p:spPr/>
-        <p:txBody>
-          <a:bodyPr/>
-          <a:lstStyle/>
-          <a:p>
-            <a:r>
-              <a:rPr lang="hr-HR" dirty="0" err="1" smtClean="0"/>
-              <a:t>Type</a:t>
-            </a:r>
-            <a:r>
-              <a:rPr lang="hr-HR" dirty="0" smtClean="0"/>
-              <a:t> </a:t>
-            </a:r>
-            <a:r>
-              <a:rPr lang="hr-HR" dirty="0" err="1" smtClean="0"/>
-              <a:t>inference</a:t>
-            </a:r>
-            <a:endParaRPr lang="hr-HR" dirty="0" smtClean="0"/>
-          </a:p>
-          <a:p>
-            <a:pPr lvl="1"/>
-            <a:r>
-              <a:rPr lang="hr-HR" dirty="0" smtClean="0"/>
-              <a:t>Sposobnost deduciranja tipa varijable</a:t>
-            </a:r>
-          </a:p>
-          <a:p>
-            <a:r>
-              <a:rPr lang="hr-HR" dirty="0" err="1" smtClean="0"/>
-              <a:t>Type</a:t>
-            </a:r>
-            <a:r>
-              <a:rPr lang="hr-HR" dirty="0" smtClean="0"/>
-              <a:t> </a:t>
-            </a:r>
-            <a:r>
-              <a:rPr lang="hr-HR" dirty="0" err="1" smtClean="0"/>
-              <a:t>erasure</a:t>
-            </a:r>
-            <a:endParaRPr lang="hr-HR" dirty="0" smtClean="0"/>
-          </a:p>
-          <a:p>
-            <a:pPr lvl="1"/>
-            <a:r>
-              <a:rPr lang="hr-HR" dirty="0" smtClean="0"/>
-              <a:t>Prilikom kompiliranja se maknu sve informacije o tipovima varijabli</a:t>
-            </a:r>
-          </a:p>
-        </p:txBody>
-      </p:sp>
-    </p:spTree>
-    <p:extLst>
-      <p:ext uri="{BB962C8B-B14F-4D97-AF65-F5344CB8AC3E}">
-        <p14:creationId xmlns:p14="http://schemas.microsoft.com/office/powerpoint/2010/main" val="2054894523"/>
-      </p:ext>
-    </p:extLst>
-  </p:cSld>
-  <p:clrMapOvr>
-    <a:masterClrMapping/>
-  </p:clrMapOvr>
-</p:sld>
-</file>
-
-<file path=ppt/slides/slide9.xml><?xml version="1.0" encoding="utf-8"?>
-<p:sld xmlns:a="http://schemas.openxmlformats.org/drawingml/2006/main" xmlns:r="http://schemas.openxmlformats.org/officeDocument/2006/relationships" xmlns:p="http://schemas.openxmlformats.org/presentationml/2006/main">
-  <p:cSld>
-    <p:spTree>
-      <p:nvGrpSpPr>
-        <p:cNvPr id="1" name=""/>
-        <p:cNvGrpSpPr/>
-        <p:nvPr/>
-      </p:nvGrpSpPr>
-      <p:grpSpPr>
-        <a:xfrm>
-          <a:off x="0" y="0"/>
-          <a:ext cx="0" cy="0"/>
-          <a:chOff x="0" y="0"/>
-          <a:chExt cx="0" cy="0"/>
-        </a:xfrm>
-      </p:grpSpPr>
-      <p:sp>
-        <p:nvSpPr>
-          <p:cNvPr id="2" name="Title 1"/>
-          <p:cNvSpPr>
-            <a:spLocks noGrp="1"/>
-          </p:cNvSpPr>
-          <p:nvPr>
-            <p:ph type="title"/>
-          </p:nvPr>
-        </p:nvSpPr>
-        <p:spPr/>
-        <p:txBody>
-          <a:bodyPr/>
-          <a:lstStyle/>
-          <a:p>
-            <a:r>
-              <a:rPr lang="hr-HR" dirty="0" err="1" smtClean="0"/>
-              <a:t>Typescript</a:t>
-            </a:r>
-            <a:endParaRPr lang="hr-HR" dirty="0"/>
-          </a:p>
-        </p:txBody>
-      </p:sp>
-      <p:sp>
-        <p:nvSpPr>
-          <p:cNvPr id="3" name="Content Placeholder 2"/>
-          <p:cNvSpPr>
-            <a:spLocks noGrp="1"/>
-          </p:cNvSpPr>
-          <p:nvPr>
-            <p:ph idx="1"/>
-          </p:nvPr>
-        </p:nvSpPr>
-        <p:spPr/>
-        <p:txBody>
-          <a:bodyPr/>
-          <a:lstStyle/>
-          <a:p>
-            <a:r>
-              <a:rPr lang="hr-HR" dirty="0" err="1" smtClean="0"/>
-              <a:t>Interface</a:t>
-            </a:r>
-            <a:endParaRPr lang="hr-HR" dirty="0" smtClean="0"/>
-          </a:p>
-          <a:p>
-            <a:pPr lvl="1"/>
-            <a:r>
-              <a:rPr lang="hr-HR" dirty="0" smtClean="0"/>
-              <a:t>Mogućnost deklariranja i implementiranja </a:t>
-            </a:r>
-            <a:r>
-              <a:rPr lang="hr-HR" dirty="0" err="1" smtClean="0"/>
-              <a:t>interfaceova</a:t>
-            </a:r>
-            <a:endParaRPr lang="hr-HR" dirty="0" smtClean="0"/>
-          </a:p>
-        </p:txBody>
-      </p:sp>
-    </p:spTree>
-    <p:extLst>
-      <p:ext uri="{BB962C8B-B14F-4D97-AF65-F5344CB8AC3E}">
-        <p14:creationId xmlns:p14="http://schemas.microsoft.com/office/powerpoint/2010/main" val="3866243763"/>
+        <p14:creationId xmlns:p14="http://schemas.microsoft.com/office/powerpoint/2010/main" val="3291828144"/>
       </p:ext>
     </p:extLst>
   </p:cSld>

--- a/prezentacije/1-4 Angular povijest.pptx
+++ b/prezentacije/1-4 Angular povijest.pptx
@@ -5,12 +5,15 @@
     <p:sldMasterId id="2147483648" r:id="rId1"/>
   </p:sldMasterIdLst>
   <p:sldIdLst>
-    <p:sldId id="257" r:id="rId2"/>
-    <p:sldId id="258" r:id="rId3"/>
-    <p:sldId id="259" r:id="rId4"/>
-    <p:sldId id="260" r:id="rId5"/>
-    <p:sldId id="261" r:id="rId6"/>
-    <p:sldId id="262" r:id="rId7"/>
+    <p:sldId id="263" r:id="rId2"/>
+    <p:sldId id="257" r:id="rId3"/>
+    <p:sldId id="258" r:id="rId4"/>
+    <p:sldId id="259" r:id="rId5"/>
+    <p:sldId id="260" r:id="rId6"/>
+    <p:sldId id="261" r:id="rId7"/>
+    <p:sldId id="264" r:id="rId8"/>
+    <p:sldId id="262" r:id="rId9"/>
+    <p:sldId id="265" r:id="rId10"/>
   </p:sldIdLst>
   <p:sldSz cx="12192000" cy="6858000"/>
   <p:notesSz cx="6858000" cy="9144000"/>
@@ -2974,6 +2977,29 @@
           <a:chExt cx="0" cy="0"/>
         </a:xfrm>
       </p:grpSpPr>
+      <p:pic>
+        <p:nvPicPr>
+          <p:cNvPr id="7" name="Picture 6"/>
+          <p:cNvPicPr>
+            <a:picLocks noChangeAspect="1"/>
+          </p:cNvPicPr>
+          <p:nvPr/>
+        </p:nvPicPr>
+        <p:blipFill rotWithShape="1">
+          <a:blip r:embed="rId2"/>
+          <a:srcRect l="27535" t="4176" r="27697" b="2733"/>
+          <a:stretch/>
+        </p:blipFill>
+        <p:spPr>
+          <a:xfrm>
+            <a:off x="3158836" y="2616273"/>
+            <a:ext cx="1625696" cy="1690255"/>
+          </a:xfrm>
+          <a:prstGeom prst="rect">
+            <a:avLst/>
+          </a:prstGeom>
+        </p:spPr>
+      </p:pic>
       <p:sp>
         <p:nvSpPr>
           <p:cNvPr id="2" name="Title 1"/>
@@ -2981,14 +3007,23 @@
             <a:spLocks noGrp="1"/>
           </p:cNvSpPr>
           <p:nvPr>
-            <p:ph type="title"/>
-          </p:nvPr>
-        </p:nvSpPr>
-        <p:spPr/>
+            <p:ph type="ctrTitle"/>
+          </p:nvPr>
+        </p:nvSpPr>
+        <p:spPr>
+          <a:xfrm>
+            <a:off x="1524000" y="171595"/>
+            <a:ext cx="9144000" cy="2387600"/>
+          </a:xfrm>
+        </p:spPr>
         <p:txBody>
           <a:bodyPr/>
           <a:lstStyle/>
           <a:p>
+            <a:r>
+              <a:rPr lang="hr-HR" dirty="0" smtClean="0"/>
+              <a:t>1-2 </a:t>
+            </a:r>
             <a:r>
               <a:rPr lang="hr-HR" dirty="0" err="1" smtClean="0"/>
               <a:t>Angular</a:t>
@@ -3003,15 +3038,20 @@
       </p:sp>
       <p:sp>
         <p:nvSpPr>
-          <p:cNvPr id="3" name="Content Placeholder 2"/>
-          <p:cNvSpPr>
-            <a:spLocks noGrp="1"/>
-          </p:cNvSpPr>
-          <p:nvPr>
-            <p:ph idx="1"/>
-          </p:nvPr>
-        </p:nvSpPr>
-        <p:spPr/>
+          <p:cNvPr id="3" name="Subtitle 2"/>
+          <p:cNvSpPr>
+            <a:spLocks noGrp="1"/>
+          </p:cNvSpPr>
+          <p:nvPr>
+            <p:ph type="subTitle" idx="1"/>
+          </p:nvPr>
+        </p:nvSpPr>
+        <p:spPr>
+          <a:xfrm>
+            <a:off x="1524000" y="4802765"/>
+            <a:ext cx="9144000" cy="1655762"/>
+          </a:xfrm>
+        </p:spPr>
         <p:txBody>
           <a:bodyPr>
             <a:normAutofit lnSpcReduction="10000"/>
@@ -3019,6 +3059,126 @@
           <a:lstStyle/>
           <a:p>
             <a:r>
+              <a:rPr lang="hr-HR" dirty="0" smtClean="0"/>
+              <a:t>Maro Marčinko</a:t>
+            </a:r>
+          </a:p>
+          <a:p>
+            <a:r>
+              <a:rPr lang="hr-HR" dirty="0" smtClean="0"/>
+              <a:t>Matija Hrženjak</a:t>
+            </a:r>
+          </a:p>
+          <a:p>
+            <a:endParaRPr lang="hr-HR" dirty="0"/>
+          </a:p>
+          <a:p>
+            <a:r>
+              <a:rPr lang="hr-HR" dirty="0" smtClean="0"/>
+              <a:t>IN2, 2017.</a:t>
+            </a:r>
+            <a:endParaRPr lang="hr-HR" dirty="0"/>
+          </a:p>
+        </p:txBody>
+      </p:sp>
+      <p:pic>
+        <p:nvPicPr>
+          <p:cNvPr id="8" name="Picture 7"/>
+          <p:cNvPicPr>
+            <a:picLocks noChangeAspect="1"/>
+          </p:cNvPicPr>
+          <p:nvPr/>
+        </p:nvPicPr>
+        <p:blipFill rotWithShape="1">
+          <a:blip r:embed="rId3"/>
+          <a:srcRect t="37740" b="36771"/>
+          <a:stretch/>
+        </p:blipFill>
+        <p:spPr>
+          <a:xfrm>
+            <a:off x="5418556" y="2950876"/>
+            <a:ext cx="4005820" cy="1021050"/>
+          </a:xfrm>
+          <a:prstGeom prst="rect">
+            <a:avLst/>
+          </a:prstGeom>
+        </p:spPr>
+      </p:pic>
+    </p:spTree>
+    <p:extLst>
+      <p:ext uri="{BB962C8B-B14F-4D97-AF65-F5344CB8AC3E}">
+        <p14:creationId xmlns:p14="http://schemas.microsoft.com/office/powerpoint/2010/main" val="2773154899"/>
+      </p:ext>
+    </p:extLst>
+  </p:cSld>
+  <p:clrMapOvr>
+    <a:masterClrMapping/>
+  </p:clrMapOvr>
+</p:sld>
+</file>
+
+<file path=ppt/slides/slide2.xml><?xml version="1.0" encoding="utf-8"?>
+<p:sld xmlns:a="http://schemas.openxmlformats.org/drawingml/2006/main" xmlns:r="http://schemas.openxmlformats.org/officeDocument/2006/relationships" xmlns:p="http://schemas.openxmlformats.org/presentationml/2006/main">
+  <p:cSld>
+    <p:spTree>
+      <p:nvGrpSpPr>
+        <p:cNvPr id="1" name=""/>
+        <p:cNvGrpSpPr/>
+        <p:nvPr/>
+      </p:nvGrpSpPr>
+      <p:grpSpPr>
+        <a:xfrm>
+          <a:off x="0" y="0"/>
+          <a:ext cx="0" cy="0"/>
+          <a:chOff x="0" y="0"/>
+          <a:chExt cx="0" cy="0"/>
+        </a:xfrm>
+      </p:grpSpPr>
+      <p:sp>
+        <p:nvSpPr>
+          <p:cNvPr id="2" name="Title 1"/>
+          <p:cNvSpPr>
+            <a:spLocks noGrp="1"/>
+          </p:cNvSpPr>
+          <p:nvPr>
+            <p:ph type="title"/>
+          </p:nvPr>
+        </p:nvSpPr>
+        <p:spPr/>
+        <p:txBody>
+          <a:bodyPr/>
+          <a:lstStyle/>
+          <a:p>
+            <a:r>
+              <a:rPr lang="hr-HR" dirty="0" err="1" smtClean="0"/>
+              <a:t>Angular</a:t>
+            </a:r>
+            <a:r>
+              <a:rPr lang="hr-HR" dirty="0" smtClean="0"/>
+              <a:t> povijest</a:t>
+            </a:r>
+            <a:endParaRPr lang="hr-HR" dirty="0"/>
+          </a:p>
+        </p:txBody>
+      </p:sp>
+      <p:sp>
+        <p:nvSpPr>
+          <p:cNvPr id="3" name="Content Placeholder 2"/>
+          <p:cNvSpPr>
+            <a:spLocks noGrp="1"/>
+          </p:cNvSpPr>
+          <p:nvPr>
+            <p:ph idx="1"/>
+          </p:nvPr>
+        </p:nvSpPr>
+        <p:spPr/>
+        <p:txBody>
+          <a:bodyPr>
+            <a:normAutofit lnSpcReduction="10000"/>
+          </a:bodyPr>
+          <a:lstStyle/>
+          <a:p>
+            <a:r>
               <a:rPr lang="en-US" dirty="0"/>
               <a:t>AngularJS </a:t>
             </a:r>
@@ -3118,11 +3278,7 @@
           <a:p>
             <a:r>
               <a:rPr lang="hr-HR" dirty="0" smtClean="0"/>
-              <a:t>SPA aplikacija-Dinamičke </a:t>
-            </a:r>
-            <a:r>
-              <a:rPr lang="hr-HR" dirty="0" smtClean="0"/>
-              <a:t>web stranice</a:t>
+              <a:t>SPA aplikacija-Dinamičke web stranice</a:t>
             </a:r>
           </a:p>
           <a:p>
@@ -3139,7 +3295,7 @@
           <a:p>
             <a:r>
               <a:rPr lang="hr-HR" dirty="0" smtClean="0"/>
-              <a:t>MVC - MVW </a:t>
+              <a:t>MVC </a:t>
             </a:r>
             <a:r>
               <a:rPr lang="hr-HR" dirty="0" err="1" smtClean="0"/>
@@ -3149,6 +3305,25 @@
           </a:p>
           <a:p>
             <a:r>
+              <a:rPr lang="hr-HR" dirty="0"/>
+              <a:t>Ugrađena podrška za testiranje (vlastiti </a:t>
+            </a:r>
+            <a:r>
+              <a:rPr lang="hr-HR" dirty="0" err="1"/>
+              <a:t>IoC</a:t>
+            </a:r>
+            <a:r>
+              <a:rPr lang="hr-HR" dirty="0"/>
+              <a:t> - DI</a:t>
+            </a:r>
+            <a:r>
+              <a:rPr lang="hr-HR" dirty="0" smtClean="0"/>
+              <a:t>)</a:t>
+            </a:r>
+            <a:endParaRPr lang="hr-HR" dirty="0" smtClean="0"/>
+          </a:p>
+          <a:p>
+            <a:r>
               <a:rPr lang="hr-HR" dirty="0" smtClean="0"/>
               <a:t>Podrška za </a:t>
             </a:r>
@@ -3160,25 +3335,6 @@
               <a:rPr lang="hr-HR" dirty="0" smtClean="0"/>
               <a:t> validaciju</a:t>
             </a:r>
-            <a:endParaRPr lang="hr-HR" dirty="0" smtClean="0"/>
-          </a:p>
-          <a:p>
-            <a:r>
-              <a:rPr lang="hr-HR" dirty="0" smtClean="0"/>
-              <a:t>Ugrađena podrška za testiranje (vlastiti </a:t>
-            </a:r>
-            <a:r>
-              <a:rPr lang="hr-HR" dirty="0" err="1" smtClean="0"/>
-              <a:t>IoC</a:t>
-            </a:r>
-            <a:r>
-              <a:rPr lang="hr-HR" dirty="0" smtClean="0"/>
-              <a:t> - DI</a:t>
-            </a:r>
-            <a:r>
-              <a:rPr lang="hr-HR" dirty="0" smtClean="0"/>
-              <a:t>)</a:t>
-            </a:r>
           </a:p>
           <a:p>
             <a:r>
@@ -3196,6 +3352,47 @@
           </a:p>
         </p:txBody>
       </p:sp>
+      <p:pic>
+        <p:nvPicPr>
+          <p:cNvPr id="1026" name="Picture 2" descr="Slikovni rezultat za angular 1"/>
+          <p:cNvPicPr>
+            <a:picLocks noChangeAspect="1" noChangeArrowheads="1"/>
+          </p:cNvPicPr>
+          <p:nvPr/>
+        </p:nvPicPr>
+        <p:blipFill>
+          <a:blip r:embed="rId2">
+            <a:extLst>
+              <a:ext uri="{28A0092B-C50C-407E-A947-70E740481C1C}">
+                <a14:useLocalDpi xmlns:a14="http://schemas.microsoft.com/office/drawing/2010/main" val="0"/>
+              </a:ext>
+            </a:extLst>
+          </a:blip>
+          <a:srcRect/>
+          <a:stretch>
+            <a:fillRect/>
+          </a:stretch>
+        </p:blipFill>
+        <p:spPr bwMode="auto">
+          <a:xfrm>
+            <a:off x="8254546" y="2897460"/>
+            <a:ext cx="2438400" cy="1371601"/>
+          </a:xfrm>
+          <a:prstGeom prst="rect">
+            <a:avLst/>
+          </a:prstGeom>
+          <a:noFill/>
+          <a:extLst>
+            <a:ext uri="{909E8E84-426E-40DD-AFC4-6F175D3DCCD1}">
+              <a14:hiddenFill xmlns:a14="http://schemas.microsoft.com/office/drawing/2010/main">
+                <a:solidFill>
+                  <a:srgbClr val="FFFFFF"/>
+                </a:solidFill>
+              </a14:hiddenFill>
+            </a:ext>
+          </a:extLst>
+        </p:spPr>
+      </p:pic>
     </p:spTree>
     <p:extLst>
       <p:ext uri="{BB962C8B-B14F-4D97-AF65-F5344CB8AC3E}">
@@ -3209,7 +3406,7 @@
 </p:sld>
 </file>
 
-<file path=ppt/slides/slide2.xml><?xml version="1.0" encoding="utf-8"?>
+<file path=ppt/slides/slide3.xml><?xml version="1.0" encoding="utf-8"?>
 <p:sld xmlns:a="http://schemas.openxmlformats.org/drawingml/2006/main" xmlns:r="http://schemas.openxmlformats.org/officeDocument/2006/relationships" xmlns:p="http://schemas.openxmlformats.org/presentationml/2006/main">
   <p:cSld>
     <p:spTree>
@@ -3296,7 +3493,7 @@
 </p:sld>
 </file>
 
-<file path=ppt/slides/slide3.xml><?xml version="1.0" encoding="utf-8"?>
+<file path=ppt/slides/slide4.xml><?xml version="1.0" encoding="utf-8"?>
 <p:sld xmlns:a="http://schemas.openxmlformats.org/drawingml/2006/main" xmlns:r="http://schemas.openxmlformats.org/officeDocument/2006/relationships" xmlns:p="http://schemas.openxmlformats.org/presentationml/2006/main">
   <p:cSld>
     <p:spTree>
@@ -3375,7 +3572,7 @@
 </p:sld>
 </file>
 
-<file path=ppt/slides/slide4.xml><?xml version="1.0" encoding="utf-8"?>
+<file path=ppt/slides/slide5.xml><?xml version="1.0" encoding="utf-8"?>
 <p:sld xmlns:a="http://schemas.openxmlformats.org/drawingml/2006/main" xmlns:r="http://schemas.openxmlformats.org/officeDocument/2006/relationships" xmlns:p="http://schemas.openxmlformats.org/presentationml/2006/main">
   <p:cSld>
     <p:spTree>
@@ -3454,7 +3651,7 @@
 </p:sld>
 </file>
 
-<file path=ppt/slides/slide5.xml><?xml version="1.0" encoding="utf-8"?>
+<file path=ppt/slides/slide6.xml><?xml version="1.0" encoding="utf-8"?>
 <p:sld xmlns:a="http://schemas.openxmlformats.org/drawingml/2006/main" xmlns:r="http://schemas.openxmlformats.org/officeDocument/2006/relationships" xmlns:p="http://schemas.openxmlformats.org/presentationml/2006/main">
   <p:cSld>
     <p:spTree>
@@ -3533,7 +3730,430 @@
 </p:sld>
 </file>
 
-<file path=ppt/slides/slide6.xml><?xml version="1.0" encoding="utf-8"?>
+<file path=ppt/slides/slide7.xml><?xml version="1.0" encoding="utf-8"?>
+<p:sld xmlns:a="http://schemas.openxmlformats.org/drawingml/2006/main" xmlns:r="http://schemas.openxmlformats.org/officeDocument/2006/relationships" xmlns:p="http://schemas.openxmlformats.org/presentationml/2006/main">
+  <p:cSld>
+    <p:spTree>
+      <p:nvGrpSpPr>
+        <p:cNvPr id="1" name=""/>
+        <p:cNvGrpSpPr/>
+        <p:nvPr/>
+      </p:nvGrpSpPr>
+      <p:grpSpPr>
+        <a:xfrm>
+          <a:off x="0" y="0"/>
+          <a:ext cx="0" cy="0"/>
+          <a:chOff x="0" y="0"/>
+          <a:chExt cx="0" cy="0"/>
+        </a:xfrm>
+      </p:grpSpPr>
+      <p:sp>
+        <p:nvSpPr>
+          <p:cNvPr id="2" name="Title 1"/>
+          <p:cNvSpPr>
+            <a:spLocks noGrp="1"/>
+          </p:cNvSpPr>
+          <p:nvPr>
+            <p:ph type="title"/>
+          </p:nvPr>
+        </p:nvSpPr>
+        <p:spPr/>
+        <p:txBody>
+          <a:bodyPr/>
+          <a:lstStyle/>
+          <a:p>
+            <a:r>
+              <a:rPr lang="hr-HR" dirty="0" err="1" smtClean="0"/>
+              <a:t>Services</a:t>
+            </a:r>
+            <a:endParaRPr lang="hr-HR" dirty="0"/>
+          </a:p>
+        </p:txBody>
+      </p:sp>
+      <p:sp>
+        <p:nvSpPr>
+          <p:cNvPr id="3" name="Content Placeholder 2"/>
+          <p:cNvSpPr>
+            <a:spLocks noGrp="1"/>
+          </p:cNvSpPr>
+          <p:nvPr>
+            <p:ph idx="1"/>
+          </p:nvPr>
+        </p:nvSpPr>
+        <p:spPr>
+          <a:xfrm>
+            <a:off x="838200" y="1825625"/>
+            <a:ext cx="10515600" cy="1840684"/>
+          </a:xfrm>
+        </p:spPr>
+        <p:txBody>
+          <a:bodyPr>
+            <a:normAutofit fontScale="92500" lnSpcReduction="20000"/>
+          </a:bodyPr>
+          <a:lstStyle/>
+          <a:p>
+            <a:r>
+              <a:rPr lang="hr-HR" dirty="0" smtClean="0"/>
+              <a:t>Q biblioteka – </a:t>
+            </a:r>
+            <a:r>
+              <a:rPr lang="hr-HR" dirty="0" err="1" smtClean="0"/>
+              <a:t>Promises</a:t>
+            </a:r>
+            <a:r>
+              <a:rPr lang="hr-HR" dirty="0" smtClean="0"/>
+              <a:t/>
+            </a:r>
+            <a:br>
+              <a:rPr lang="hr-HR" dirty="0" smtClean="0"/>
+            </a:br>
+            <a:r>
+              <a:rPr lang="hr-HR" dirty="0" smtClean="0"/>
+              <a:t>*</a:t>
+            </a:r>
+            <a:r>
+              <a:rPr lang="hr-HR" dirty="0" err="1" smtClean="0"/>
+              <a:t>then</a:t>
+            </a:r>
+            <a:r>
+              <a:rPr lang="hr-HR" dirty="0" smtClean="0"/>
+              <a:t>(</a:t>
+            </a:r>
+            <a:r>
+              <a:rPr lang="hr-HR" dirty="0" err="1" smtClean="0"/>
+              <a:t>successCallback</a:t>
+            </a:r>
+            <a:r>
+              <a:rPr lang="hr-HR" dirty="0" smtClean="0"/>
+              <a:t>, [</a:t>
+            </a:r>
+            <a:r>
+              <a:rPr lang="hr-HR" dirty="0" err="1" smtClean="0"/>
+              <a:t>errorCallback</a:t>
+            </a:r>
+            <a:r>
+              <a:rPr lang="hr-HR" dirty="0" smtClean="0"/>
+              <a:t>], [</a:t>
+            </a:r>
+            <a:r>
+              <a:rPr lang="hr-HR" dirty="0" err="1" smtClean="0"/>
+              <a:t>notifyCallback</a:t>
+            </a:r>
+            <a:r>
+              <a:rPr lang="hr-HR" dirty="0" smtClean="0"/>
+              <a:t>])</a:t>
+            </a:r>
+            <a:br>
+              <a:rPr lang="hr-HR" dirty="0" smtClean="0"/>
+            </a:br>
+            <a:r>
+              <a:rPr lang="hr-HR" dirty="0" smtClean="0"/>
+              <a:t>vs</a:t>
+            </a:r>
+            <a:br>
+              <a:rPr lang="hr-HR" dirty="0" smtClean="0"/>
+            </a:br>
+            <a:r>
+              <a:rPr lang="hr-HR" dirty="0" smtClean="0"/>
+              <a:t>*</a:t>
+            </a:r>
+            <a:r>
+              <a:rPr lang="hr-HR" dirty="0" err="1" smtClean="0"/>
+              <a:t>success</a:t>
+            </a:r>
+            <a:r>
+              <a:rPr lang="hr-HR" dirty="0" smtClean="0"/>
+              <a:t>(x).</a:t>
+            </a:r>
+            <a:r>
+              <a:rPr lang="hr-HR" dirty="0" err="1" smtClean="0"/>
+              <a:t>error</a:t>
+            </a:r>
+            <a:r>
+              <a:rPr lang="hr-HR" dirty="0" smtClean="0"/>
+              <a:t>(*)</a:t>
+            </a:r>
+            <a:br>
+              <a:rPr lang="hr-HR" dirty="0" smtClean="0"/>
+            </a:br>
+            <a:r>
+              <a:rPr lang="hr-HR" dirty="0" smtClean="0"/>
+              <a:t/>
+            </a:r>
+            <a:br>
+              <a:rPr lang="hr-HR" dirty="0" smtClean="0"/>
+            </a:br>
+            <a:endParaRPr lang="hr-HR" dirty="0"/>
+          </a:p>
+        </p:txBody>
+      </p:sp>
+      <p:sp>
+        <p:nvSpPr>
+          <p:cNvPr id="4" name="Rectangle 3"/>
+          <p:cNvSpPr/>
+          <p:nvPr/>
+        </p:nvSpPr>
+        <p:spPr>
+          <a:xfrm>
+            <a:off x="838200" y="2966169"/>
+            <a:ext cx="10515600" cy="3108543"/>
+          </a:xfrm>
+          <a:prstGeom prst="rect">
+            <a:avLst/>
+          </a:prstGeom>
+        </p:spPr>
+        <p:txBody>
+          <a:bodyPr wrap="square">
+            <a:spAutoFit/>
+          </a:bodyPr>
+          <a:lstStyle/>
+          <a:p>
+            <a:r>
+              <a:rPr lang="hr-HR" sz="1400" dirty="0"/>
+              <a:t>$</a:t>
+            </a:r>
+            <a:r>
+              <a:rPr lang="hr-HR" sz="1400" dirty="0" err="1"/>
+              <a:t>scope.loadCategory</a:t>
+            </a:r>
+            <a:r>
+              <a:rPr lang="hr-HR" sz="1400" dirty="0"/>
+              <a:t> = </a:t>
+            </a:r>
+            <a:r>
+              <a:rPr lang="hr-HR" sz="1400" dirty="0" err="1"/>
+              <a:t>function</a:t>
+            </a:r>
+            <a:r>
+              <a:rPr lang="hr-HR" sz="1400" dirty="0"/>
+              <a:t> () {</a:t>
+            </a:r>
+          </a:p>
+          <a:p>
+            <a:endParaRPr lang="hr-HR" sz="1400" dirty="0"/>
+          </a:p>
+          <a:p>
+            <a:r>
+              <a:rPr lang="hr-HR" sz="1400" dirty="0"/>
+              <a:t>	    </a:t>
+            </a:r>
+            <a:r>
+              <a:rPr lang="hr-HR" sz="1400" dirty="0" err="1"/>
+              <a:t>if</a:t>
+            </a:r>
+            <a:r>
+              <a:rPr lang="hr-HR" sz="1400" dirty="0"/>
+              <a:t> ($</a:t>
+            </a:r>
+            <a:r>
+              <a:rPr lang="hr-HR" sz="1400" dirty="0" err="1"/>
+              <a:t>scope.categoryUrl</a:t>
+            </a:r>
+            <a:r>
+              <a:rPr lang="hr-HR" sz="1400" dirty="0"/>
+              <a:t> == "</a:t>
+            </a:r>
+            <a:r>
+              <a:rPr lang="hr-HR" sz="1400" dirty="0" err="1"/>
+              <a:t>unknown</a:t>
+            </a:r>
+            <a:r>
+              <a:rPr lang="hr-HR" sz="1400" dirty="0"/>
+              <a:t>") {</a:t>
+            </a:r>
+          </a:p>
+          <a:p>
+            <a:r>
+              <a:rPr lang="hr-HR" sz="1400" dirty="0"/>
+              <a:t>	        $</a:t>
+            </a:r>
+            <a:r>
+              <a:rPr lang="hr-HR" sz="1400" dirty="0" err="1"/>
+              <a:t>scope.wrongUrl</a:t>
+            </a:r>
+            <a:r>
+              <a:rPr lang="hr-HR" sz="1400" dirty="0"/>
+              <a:t> = </a:t>
+            </a:r>
+            <a:r>
+              <a:rPr lang="hr-HR" sz="1400" dirty="0" err="1"/>
+              <a:t>true</a:t>
+            </a:r>
+            <a:r>
+              <a:rPr lang="hr-HR" sz="1400" dirty="0"/>
+              <a:t>;</a:t>
+            </a:r>
+          </a:p>
+          <a:p>
+            <a:r>
+              <a:rPr lang="hr-HR" sz="1400" dirty="0"/>
+              <a:t>	        </a:t>
+            </a:r>
+            <a:r>
+              <a:rPr lang="hr-HR" sz="1400" dirty="0" err="1"/>
+              <a:t>return</a:t>
+            </a:r>
+            <a:r>
+              <a:rPr lang="hr-HR" sz="1400" dirty="0"/>
+              <a:t>;</a:t>
+            </a:r>
+          </a:p>
+          <a:p>
+            <a:r>
+              <a:rPr lang="hr-HR" sz="1400" dirty="0"/>
+              <a:t>	    }</a:t>
+            </a:r>
+          </a:p>
+          <a:p>
+            <a:endParaRPr lang="hr-HR" sz="1400" dirty="0"/>
+          </a:p>
+          <a:p>
+            <a:r>
+              <a:rPr lang="hr-HR" sz="1400" dirty="0"/>
+              <a:t>	    </a:t>
+            </a:r>
+            <a:r>
+              <a:rPr lang="hr-HR" sz="1400" dirty="0" err="1"/>
+              <a:t>categoryService.getProducts</a:t>
+            </a:r>
+            <a:r>
+              <a:rPr lang="hr-HR" sz="1400" dirty="0"/>
+              <a:t>($</a:t>
+            </a:r>
+            <a:r>
+              <a:rPr lang="hr-HR" sz="1400" dirty="0" err="1"/>
+              <a:t>scope.categoryUrl</a:t>
+            </a:r>
+            <a:r>
+              <a:rPr lang="hr-HR" sz="1400" dirty="0"/>
+              <a:t>, </a:t>
+            </a:r>
+            <a:r>
+              <a:rPr lang="hr-HR" sz="1400" dirty="0" smtClean="0"/>
+              <a:t/>
+            </a:r>
+            <a:br>
+              <a:rPr lang="hr-HR" sz="1400" dirty="0" smtClean="0"/>
+            </a:br>
+            <a:r>
+              <a:rPr lang="hr-HR" sz="1400" dirty="0" smtClean="0"/>
+              <a:t>				$</a:t>
+            </a:r>
+            <a:r>
+              <a:rPr lang="hr-HR" sz="1400" dirty="0" err="1"/>
+              <a:t>scope.currentPage</a:t>
+            </a:r>
+            <a:r>
+              <a:rPr lang="hr-HR" sz="1400" dirty="0"/>
+              <a:t>, </a:t>
+            </a:r>
+            <a:r>
+              <a:rPr lang="hr-HR" sz="1400" dirty="0" smtClean="0"/>
+              <a:t/>
+            </a:r>
+            <a:br>
+              <a:rPr lang="hr-HR" sz="1400" dirty="0" smtClean="0"/>
+            </a:br>
+            <a:r>
+              <a:rPr lang="hr-HR" sz="1400" dirty="0" smtClean="0"/>
+              <a:t>				$</a:t>
+            </a:r>
+            <a:r>
+              <a:rPr lang="hr-HR" sz="1400" dirty="0" err="1"/>
+              <a:t>scope.sortOrder</a:t>
+            </a:r>
+            <a:r>
+              <a:rPr lang="hr-HR" sz="1400" dirty="0"/>
+              <a:t>, </a:t>
+            </a:r>
+            <a:r>
+              <a:rPr lang="hr-HR" sz="1400" dirty="0" smtClean="0"/>
+              <a:t/>
+            </a:r>
+            <a:br>
+              <a:rPr lang="hr-HR" sz="1400" dirty="0" smtClean="0"/>
+            </a:br>
+            <a:r>
+              <a:rPr lang="hr-HR" sz="1400" dirty="0" smtClean="0"/>
+              <a:t>				$</a:t>
+            </a:r>
+            <a:r>
+              <a:rPr lang="hr-HR" sz="1400" dirty="0" err="1"/>
+              <a:t>scope.filters</a:t>
+            </a:r>
+            <a:r>
+              <a:rPr lang="hr-HR" sz="1400" dirty="0" smtClean="0"/>
+              <a:t>)</a:t>
+            </a:r>
+            <a:br>
+              <a:rPr lang="hr-HR" sz="1400" dirty="0" smtClean="0"/>
+            </a:br>
+            <a:r>
+              <a:rPr lang="hr-HR" sz="1400" dirty="0" smtClean="0"/>
+              <a:t>		.</a:t>
+            </a:r>
+            <a:r>
+              <a:rPr lang="hr-HR" sz="1400" dirty="0" err="1"/>
+              <a:t>success</a:t>
+            </a:r>
+            <a:r>
+              <a:rPr lang="hr-HR" sz="1400" dirty="0"/>
+              <a:t>(</a:t>
+            </a:r>
+            <a:r>
+              <a:rPr lang="hr-HR" sz="1400" dirty="0" err="1"/>
+              <a:t>getItemsSuccessCallback</a:t>
+            </a:r>
+            <a:r>
+              <a:rPr lang="hr-HR" sz="1400" dirty="0" smtClean="0"/>
+              <a:t>)</a:t>
+            </a:r>
+            <a:br>
+              <a:rPr lang="hr-HR" sz="1400" dirty="0" smtClean="0"/>
+            </a:br>
+            <a:r>
+              <a:rPr lang="hr-HR" sz="1400" dirty="0" smtClean="0"/>
+              <a:t>		.</a:t>
+            </a:r>
+            <a:r>
+              <a:rPr lang="hr-HR" sz="1400" dirty="0" err="1"/>
+              <a:t>error</a:t>
+            </a:r>
+            <a:r>
+              <a:rPr lang="hr-HR" sz="1400" dirty="0"/>
+              <a:t>(</a:t>
+            </a:r>
+            <a:r>
+              <a:rPr lang="hr-HR" sz="1400" dirty="0" err="1"/>
+              <a:t>errorCallback</a:t>
+            </a:r>
+            <a:r>
+              <a:rPr lang="hr-HR" sz="1400" dirty="0"/>
+              <a:t>);</a:t>
+            </a:r>
+          </a:p>
+          <a:p>
+            <a:r>
+              <a:rPr lang="hr-HR" sz="1400" dirty="0"/>
+              <a:t>	};</a:t>
+            </a:r>
+          </a:p>
+        </p:txBody>
+      </p:sp>
+    </p:spTree>
+    <p:extLst>
+      <p:ext uri="{BB962C8B-B14F-4D97-AF65-F5344CB8AC3E}">
+        <p14:creationId xmlns:p14="http://schemas.microsoft.com/office/powerpoint/2010/main" val="3979194873"/>
+      </p:ext>
+    </p:extLst>
+  </p:cSld>
+  <p:clrMapOvr>
+    <a:masterClrMapping/>
+  </p:clrMapOvr>
+</p:sld>
+</file>
+
+<file path=ppt/slides/slide8.xml><?xml version="1.0" encoding="utf-8"?>
 <p:sld xmlns:a="http://schemas.openxmlformats.org/drawingml/2006/main" xmlns:r="http://schemas.openxmlformats.org/officeDocument/2006/relationships" xmlns:p="http://schemas.openxmlformats.org/presentationml/2006/main">
   <p:cSld>
     <p:spTree>
@@ -3620,6 +4240,1362 @@
     <p:extLst>
       <p:ext uri="{BB962C8B-B14F-4D97-AF65-F5344CB8AC3E}">
         <p14:creationId xmlns:p14="http://schemas.microsoft.com/office/powerpoint/2010/main" val="3291828144"/>
+      </p:ext>
+    </p:extLst>
+  </p:cSld>
+  <p:clrMapOvr>
+    <a:masterClrMapping/>
+  </p:clrMapOvr>
+</p:sld>
+</file>
+
+<file path=ppt/slides/slide9.xml><?xml version="1.0" encoding="utf-8"?>
+<p:sld xmlns:a="http://schemas.openxmlformats.org/drawingml/2006/main" xmlns:r="http://schemas.openxmlformats.org/officeDocument/2006/relationships" xmlns:p="http://schemas.openxmlformats.org/presentationml/2006/main">
+  <p:cSld>
+    <p:spTree>
+      <p:nvGrpSpPr>
+        <p:cNvPr id="1" name=""/>
+        <p:cNvGrpSpPr/>
+        <p:nvPr/>
+      </p:nvGrpSpPr>
+      <p:grpSpPr>
+        <a:xfrm>
+          <a:off x="0" y="0"/>
+          <a:ext cx="0" cy="0"/>
+          <a:chOff x="0" y="0"/>
+          <a:chExt cx="0" cy="0"/>
+        </a:xfrm>
+      </p:grpSpPr>
+      <p:sp>
+        <p:nvSpPr>
+          <p:cNvPr id="2" name="Title 1"/>
+          <p:cNvSpPr>
+            <a:spLocks noGrp="1"/>
+          </p:cNvSpPr>
+          <p:nvPr>
+            <p:ph type="title"/>
+          </p:nvPr>
+        </p:nvSpPr>
+        <p:spPr/>
+        <p:txBody>
+          <a:bodyPr/>
+          <a:lstStyle/>
+          <a:p>
+            <a:r>
+              <a:rPr lang="hr-HR" dirty="0" err="1" smtClean="0"/>
+              <a:t>Filters</a:t>
+            </a:r>
+            <a:endParaRPr lang="hr-HR" dirty="0"/>
+          </a:p>
+        </p:txBody>
+      </p:sp>
+      <p:graphicFrame>
+        <p:nvGraphicFramePr>
+          <p:cNvPr id="4" name="Content Placeholder 3"/>
+          <p:cNvGraphicFramePr>
+            <a:graphicFrameLocks noGrp="1"/>
+          </p:cNvGraphicFramePr>
+          <p:nvPr>
+            <p:ph idx="1"/>
+            <p:extLst>
+              <p:ext uri="{D42A27DB-BD31-4B8C-83A1-F6EECF244321}">
+                <p14:modId xmlns:p14="http://schemas.microsoft.com/office/powerpoint/2010/main" val="2405306803"/>
+              </p:ext>
+            </p:extLst>
+          </p:nvPr>
+        </p:nvGraphicFramePr>
+        <p:xfrm>
+          <a:off x="838200" y="1393371"/>
+          <a:ext cx="10515600" cy="4783593"/>
+        </p:xfrm>
+        <a:graphic>
+          <a:graphicData uri="http://schemas.openxmlformats.org/drawingml/2006/table">
+            <a:tbl>
+              <a:tblPr/>
+              <a:tblGrid>
+                <a:gridCol w="5257800"/>
+                <a:gridCol w="5257800"/>
+              </a:tblGrid>
+              <a:tr h="210268">
+                <a:tc>
+                  <a:txBody>
+                    <a:bodyPr/>
+                    <a:lstStyle/>
+                    <a:p>
+                      <a:pPr algn="l"/>
+                      <a:r>
+                        <a:rPr lang="hr-HR" sz="900">
+                          <a:effectLst/>
+                        </a:rPr>
+                        <a:t>Name</a:t>
+                      </a:r>
+                    </a:p>
+                  </a:txBody>
+                  <a:tcPr marL="47817" marR="47817" marT="23908" marB="23908" anchor="ctr">
+                    <a:lnL>
+                      <a:noFill/>
+                    </a:lnL>
+                    <a:lnR>
+                      <a:noFill/>
+                    </a:lnR>
+                    <a:lnT>
+                      <a:noFill/>
+                    </a:lnT>
+                    <a:lnB w="9525" cap="flat" cmpd="sng" algn="ctr">
+                      <a:solidFill>
+                        <a:srgbClr val="EEEEEE"/>
+                      </a:solidFill>
+                      <a:prstDash val="solid"/>
+                      <a:round/>
+                      <a:headEnd type="none" w="med" len="med"/>
+                      <a:tailEnd type="none" w="med" len="med"/>
+                    </a:lnB>
+                    <a:solidFill>
+                      <a:srgbClr val="FFFFFF"/>
+                    </a:solidFill>
+                  </a:tcPr>
+                </a:tc>
+                <a:tc>
+                  <a:txBody>
+                    <a:bodyPr/>
+                    <a:lstStyle/>
+                    <a:p>
+                      <a:pPr algn="l"/>
+                      <a:r>
+                        <a:rPr lang="hr-HR" sz="900">
+                          <a:effectLst/>
+                        </a:rPr>
+                        <a:t>Description</a:t>
+                      </a:r>
+                    </a:p>
+                  </a:txBody>
+                  <a:tcPr marL="47817" marR="47817" marT="23908" marB="23908" anchor="ctr">
+                    <a:lnL>
+                      <a:noFill/>
+                    </a:lnL>
+                    <a:lnR>
+                      <a:noFill/>
+                    </a:lnR>
+                    <a:lnT>
+                      <a:noFill/>
+                    </a:lnT>
+                    <a:lnB w="9525" cap="flat" cmpd="sng" algn="ctr">
+                      <a:solidFill>
+                        <a:srgbClr val="EEEEEE"/>
+                      </a:solidFill>
+                      <a:prstDash val="solid"/>
+                      <a:round/>
+                      <a:headEnd type="none" w="med" len="med"/>
+                      <a:tailEnd type="none" w="med" len="med"/>
+                    </a:lnB>
+                    <a:solidFill>
+                      <a:srgbClr val="FFFFFF"/>
+                    </a:solidFill>
+                  </a:tcPr>
+                </a:tc>
+              </a:tr>
+              <a:tr h="403013">
+                <a:tc>
+                  <a:txBody>
+                    <a:bodyPr/>
+                    <a:lstStyle/>
+                    <a:p>
+                      <a:pPr fontAlgn="t"/>
+                      <a:r>
+                        <a:rPr lang="hr-HR" sz="900" u="none" strike="noStrike">
+                          <a:solidFill>
+                            <a:srgbClr val="428BCA"/>
+                          </a:solidFill>
+                          <a:effectLst/>
+                          <a:hlinkClick r:id="rId2"/>
+                        </a:rPr>
+                        <a:t>filter</a:t>
+                      </a:r>
+                      <a:endParaRPr lang="hr-HR" sz="900">
+                        <a:effectLst/>
+                      </a:endParaRPr>
+                    </a:p>
+                  </a:txBody>
+                  <a:tcPr marL="39847" marR="39847" marT="39847" marB="39847">
+                    <a:lnL w="9525" cap="flat" cmpd="sng" algn="ctr">
+                      <a:solidFill>
+                        <a:srgbClr val="EEEEEE"/>
+                      </a:solidFill>
+                      <a:prstDash val="solid"/>
+                      <a:round/>
+                      <a:headEnd type="none" w="med" len="med"/>
+                      <a:tailEnd type="none" w="med" len="med"/>
+                    </a:lnL>
+                    <a:lnR w="9525" cap="flat" cmpd="sng" algn="ctr">
+                      <a:solidFill>
+                        <a:srgbClr val="EEEEEE"/>
+                      </a:solidFill>
+                      <a:prstDash val="solid"/>
+                      <a:round/>
+                      <a:headEnd type="none" w="med" len="med"/>
+                      <a:tailEnd type="none" w="med" len="med"/>
+                    </a:lnR>
+                    <a:lnT w="9525" cap="flat" cmpd="sng" algn="ctr">
+                      <a:solidFill>
+                        <a:srgbClr val="EEEEEE"/>
+                      </a:solidFill>
+                      <a:prstDash val="solid"/>
+                      <a:round/>
+                      <a:headEnd type="none" w="med" len="med"/>
+                      <a:tailEnd type="none" w="med" len="med"/>
+                    </a:lnT>
+                    <a:lnB w="9525" cap="flat" cmpd="sng" algn="ctr">
+                      <a:solidFill>
+                        <a:srgbClr val="EEEEEE"/>
+                      </a:solidFill>
+                      <a:prstDash val="solid"/>
+                      <a:round/>
+                      <a:headEnd type="none" w="med" len="med"/>
+                      <a:tailEnd type="none" w="med" len="med"/>
+                    </a:lnB>
+                    <a:solidFill>
+                      <a:srgbClr val="FFFFFF"/>
+                    </a:solidFill>
+                  </a:tcPr>
+                </a:tc>
+                <a:tc>
+                  <a:txBody>
+                    <a:bodyPr/>
+                    <a:lstStyle/>
+                    <a:p>
+                      <a:pPr fontAlgn="t"/>
+                      <a:r>
+                        <a:rPr lang="en-US" sz="900">
+                          <a:effectLst/>
+                        </a:rPr>
+                        <a:t>Selects a subset of items from </a:t>
+                      </a:r>
+                      <a:r>
+                        <a:rPr lang="en-US" sz="900">
+                          <a:solidFill>
+                            <a:srgbClr val="333333"/>
+                          </a:solidFill>
+                          <a:effectLst/>
+                        </a:rPr>
+                        <a:t>array</a:t>
+                      </a:r>
+                      <a:r>
+                        <a:rPr lang="en-US" sz="900">
+                          <a:effectLst/>
+                        </a:rPr>
+                        <a:t> and returns it as a new array.</a:t>
+                      </a:r>
+                    </a:p>
+                  </a:txBody>
+                  <a:tcPr marL="39847" marR="39847" marT="39847" marB="39847">
+                    <a:lnL w="9525" cap="flat" cmpd="sng" algn="ctr">
+                      <a:solidFill>
+                        <a:srgbClr val="EEEEEE"/>
+                      </a:solidFill>
+                      <a:prstDash val="solid"/>
+                      <a:round/>
+                      <a:headEnd type="none" w="med" len="med"/>
+                      <a:tailEnd type="none" w="med" len="med"/>
+                    </a:lnL>
+                    <a:lnR w="9525" cap="flat" cmpd="sng" algn="ctr">
+                      <a:solidFill>
+                        <a:srgbClr val="EEEEEE"/>
+                      </a:solidFill>
+                      <a:prstDash val="solid"/>
+                      <a:round/>
+                      <a:headEnd type="none" w="med" len="med"/>
+                      <a:tailEnd type="none" w="med" len="med"/>
+                    </a:lnR>
+                    <a:lnT w="9525" cap="flat" cmpd="sng" algn="ctr">
+                      <a:solidFill>
+                        <a:srgbClr val="EEEEEE"/>
+                      </a:solidFill>
+                      <a:prstDash val="solid"/>
+                      <a:round/>
+                      <a:headEnd type="none" w="med" len="med"/>
+                      <a:tailEnd type="none" w="med" len="med"/>
+                    </a:lnT>
+                    <a:lnB w="9525" cap="flat" cmpd="sng" algn="ctr">
+                      <a:solidFill>
+                        <a:srgbClr val="EEEEEE"/>
+                      </a:solidFill>
+                      <a:prstDash val="solid"/>
+                      <a:round/>
+                      <a:headEnd type="none" w="med" len="med"/>
+                      <a:tailEnd type="none" w="med" len="med"/>
+                    </a:lnB>
+                    <a:solidFill>
+                      <a:srgbClr val="FFFFFF"/>
+                    </a:solidFill>
+                  </a:tcPr>
+                </a:tc>
+              </a:tr>
+              <a:tr h="560714">
+                <a:tc>
+                  <a:txBody>
+                    <a:bodyPr/>
+                    <a:lstStyle/>
+                    <a:p>
+                      <a:pPr fontAlgn="t"/>
+                      <a:r>
+                        <a:rPr lang="hr-HR" sz="900" u="none" strike="noStrike">
+                          <a:solidFill>
+                            <a:srgbClr val="428BCA"/>
+                          </a:solidFill>
+                          <a:effectLst/>
+                          <a:hlinkClick r:id="rId3"/>
+                        </a:rPr>
+                        <a:t>currency</a:t>
+                      </a:r>
+                      <a:endParaRPr lang="hr-HR" sz="900">
+                        <a:effectLst/>
+                      </a:endParaRPr>
+                    </a:p>
+                  </a:txBody>
+                  <a:tcPr marL="39847" marR="39847" marT="39847" marB="39847">
+                    <a:lnL w="9525" cap="flat" cmpd="sng" algn="ctr">
+                      <a:solidFill>
+                        <a:srgbClr val="EEEEEE"/>
+                      </a:solidFill>
+                      <a:prstDash val="solid"/>
+                      <a:round/>
+                      <a:headEnd type="none" w="med" len="med"/>
+                      <a:tailEnd type="none" w="med" len="med"/>
+                    </a:lnL>
+                    <a:lnR w="9525" cap="flat" cmpd="sng" algn="ctr">
+                      <a:solidFill>
+                        <a:srgbClr val="EEEEEE"/>
+                      </a:solidFill>
+                      <a:prstDash val="solid"/>
+                      <a:round/>
+                      <a:headEnd type="none" w="med" len="med"/>
+                      <a:tailEnd type="none" w="med" len="med"/>
+                    </a:lnR>
+                    <a:lnT w="9525" cap="flat" cmpd="sng" algn="ctr">
+                      <a:solidFill>
+                        <a:srgbClr val="EEEEEE"/>
+                      </a:solidFill>
+                      <a:prstDash val="solid"/>
+                      <a:round/>
+                      <a:headEnd type="none" w="med" len="med"/>
+                      <a:tailEnd type="none" w="med" len="med"/>
+                    </a:lnT>
+                    <a:lnB w="9525" cap="flat" cmpd="sng" algn="ctr">
+                      <a:solidFill>
+                        <a:srgbClr val="EEEEEE"/>
+                      </a:solidFill>
+                      <a:prstDash val="solid"/>
+                      <a:round/>
+                      <a:headEnd type="none" w="med" len="med"/>
+                      <a:tailEnd type="none" w="med" len="med"/>
+                    </a:lnB>
+                    <a:solidFill>
+                      <a:srgbClr val="FFFFFF"/>
+                    </a:solidFill>
+                  </a:tcPr>
+                </a:tc>
+                <a:tc>
+                  <a:txBody>
+                    <a:bodyPr/>
+                    <a:lstStyle/>
+                    <a:p>
+                      <a:pPr fontAlgn="t"/>
+                      <a:r>
+                        <a:rPr lang="en-US" sz="900">
+                          <a:effectLst/>
+                        </a:rPr>
+                        <a:t>Formats a number as a currency (ie $1,234.56). When no currency symbol is provided, default symbol for current locale is used.</a:t>
+                      </a:r>
+                    </a:p>
+                  </a:txBody>
+                  <a:tcPr marL="39847" marR="39847" marT="39847" marB="39847">
+                    <a:lnL w="9525" cap="flat" cmpd="sng" algn="ctr">
+                      <a:solidFill>
+                        <a:srgbClr val="EEEEEE"/>
+                      </a:solidFill>
+                      <a:prstDash val="solid"/>
+                      <a:round/>
+                      <a:headEnd type="none" w="med" len="med"/>
+                      <a:tailEnd type="none" w="med" len="med"/>
+                    </a:lnL>
+                    <a:lnR w="9525" cap="flat" cmpd="sng" algn="ctr">
+                      <a:solidFill>
+                        <a:srgbClr val="EEEEEE"/>
+                      </a:solidFill>
+                      <a:prstDash val="solid"/>
+                      <a:round/>
+                      <a:headEnd type="none" w="med" len="med"/>
+                      <a:tailEnd type="none" w="med" len="med"/>
+                    </a:lnR>
+                    <a:lnT w="9525" cap="flat" cmpd="sng" algn="ctr">
+                      <a:solidFill>
+                        <a:srgbClr val="EEEEEE"/>
+                      </a:solidFill>
+                      <a:prstDash val="solid"/>
+                      <a:round/>
+                      <a:headEnd type="none" w="med" len="med"/>
+                      <a:tailEnd type="none" w="med" len="med"/>
+                    </a:lnT>
+                    <a:lnB w="9525" cap="flat" cmpd="sng" algn="ctr">
+                      <a:solidFill>
+                        <a:srgbClr val="EEEEEE"/>
+                      </a:solidFill>
+                      <a:prstDash val="solid"/>
+                      <a:round/>
+                      <a:headEnd type="none" w="med" len="med"/>
+                      <a:tailEnd type="none" w="med" len="med"/>
+                    </a:lnB>
+                    <a:solidFill>
+                      <a:srgbClr val="FFFFFF"/>
+                    </a:solidFill>
+                  </a:tcPr>
+                </a:tc>
+              </a:tr>
+              <a:tr h="245313">
+                <a:tc>
+                  <a:txBody>
+                    <a:bodyPr/>
+                    <a:lstStyle/>
+                    <a:p>
+                      <a:pPr fontAlgn="t"/>
+                      <a:r>
+                        <a:rPr lang="hr-HR" sz="900" u="none" strike="noStrike">
+                          <a:solidFill>
+                            <a:srgbClr val="428BCA"/>
+                          </a:solidFill>
+                          <a:effectLst/>
+                          <a:hlinkClick r:id="rId4"/>
+                        </a:rPr>
+                        <a:t>number</a:t>
+                      </a:r>
+                      <a:endParaRPr lang="hr-HR" sz="900">
+                        <a:effectLst/>
+                      </a:endParaRPr>
+                    </a:p>
+                  </a:txBody>
+                  <a:tcPr marL="39847" marR="39847" marT="39847" marB="39847">
+                    <a:lnL w="9525" cap="flat" cmpd="sng" algn="ctr">
+                      <a:solidFill>
+                        <a:srgbClr val="EEEEEE"/>
+                      </a:solidFill>
+                      <a:prstDash val="solid"/>
+                      <a:round/>
+                      <a:headEnd type="none" w="med" len="med"/>
+                      <a:tailEnd type="none" w="med" len="med"/>
+                    </a:lnL>
+                    <a:lnR w="9525" cap="flat" cmpd="sng" algn="ctr">
+                      <a:solidFill>
+                        <a:srgbClr val="EEEEEE"/>
+                      </a:solidFill>
+                      <a:prstDash val="solid"/>
+                      <a:round/>
+                      <a:headEnd type="none" w="med" len="med"/>
+                      <a:tailEnd type="none" w="med" len="med"/>
+                    </a:lnR>
+                    <a:lnT w="9525" cap="flat" cmpd="sng" algn="ctr">
+                      <a:solidFill>
+                        <a:srgbClr val="EEEEEE"/>
+                      </a:solidFill>
+                      <a:prstDash val="solid"/>
+                      <a:round/>
+                      <a:headEnd type="none" w="med" len="med"/>
+                      <a:tailEnd type="none" w="med" len="med"/>
+                    </a:lnT>
+                    <a:lnB w="9525" cap="flat" cmpd="sng" algn="ctr">
+                      <a:solidFill>
+                        <a:srgbClr val="EEEEEE"/>
+                      </a:solidFill>
+                      <a:prstDash val="solid"/>
+                      <a:round/>
+                      <a:headEnd type="none" w="med" len="med"/>
+                      <a:tailEnd type="none" w="med" len="med"/>
+                    </a:lnB>
+                    <a:solidFill>
+                      <a:srgbClr val="FFFFFF"/>
+                    </a:solidFill>
+                  </a:tcPr>
+                </a:tc>
+                <a:tc>
+                  <a:txBody>
+                    <a:bodyPr/>
+                    <a:lstStyle/>
+                    <a:p>
+                      <a:pPr fontAlgn="t"/>
+                      <a:r>
+                        <a:rPr lang="en-US" sz="900">
+                          <a:effectLst/>
+                        </a:rPr>
+                        <a:t>Formats a number as text.</a:t>
+                      </a:r>
+                    </a:p>
+                  </a:txBody>
+                  <a:tcPr marL="39847" marR="39847" marT="39847" marB="39847">
+                    <a:lnL w="9525" cap="flat" cmpd="sng" algn="ctr">
+                      <a:solidFill>
+                        <a:srgbClr val="EEEEEE"/>
+                      </a:solidFill>
+                      <a:prstDash val="solid"/>
+                      <a:round/>
+                      <a:headEnd type="none" w="med" len="med"/>
+                      <a:tailEnd type="none" w="med" len="med"/>
+                    </a:lnL>
+                    <a:lnR w="9525" cap="flat" cmpd="sng" algn="ctr">
+                      <a:solidFill>
+                        <a:srgbClr val="EEEEEE"/>
+                      </a:solidFill>
+                      <a:prstDash val="solid"/>
+                      <a:round/>
+                      <a:headEnd type="none" w="med" len="med"/>
+                      <a:tailEnd type="none" w="med" len="med"/>
+                    </a:lnR>
+                    <a:lnT w="9525" cap="flat" cmpd="sng" algn="ctr">
+                      <a:solidFill>
+                        <a:srgbClr val="EEEEEE"/>
+                      </a:solidFill>
+                      <a:prstDash val="solid"/>
+                      <a:round/>
+                      <a:headEnd type="none" w="med" len="med"/>
+                      <a:tailEnd type="none" w="med" len="med"/>
+                    </a:lnT>
+                    <a:lnB w="9525" cap="flat" cmpd="sng" algn="ctr">
+                      <a:solidFill>
+                        <a:srgbClr val="EEEEEE"/>
+                      </a:solidFill>
+                      <a:prstDash val="solid"/>
+                      <a:round/>
+                      <a:headEnd type="none" w="med" len="med"/>
+                      <a:tailEnd type="none" w="med" len="med"/>
+                    </a:lnB>
+                    <a:solidFill>
+                      <a:srgbClr val="FFFFFF"/>
+                    </a:solidFill>
+                  </a:tcPr>
+                </a:tc>
+              </a:tr>
+              <a:tr h="403013">
+                <a:tc>
+                  <a:txBody>
+                    <a:bodyPr/>
+                    <a:lstStyle/>
+                    <a:p>
+                      <a:pPr fontAlgn="t"/>
+                      <a:r>
+                        <a:rPr lang="hr-HR" sz="900" u="none" strike="noStrike">
+                          <a:solidFill>
+                            <a:srgbClr val="428BCA"/>
+                          </a:solidFill>
+                          <a:effectLst/>
+                          <a:hlinkClick r:id="rId5"/>
+                        </a:rPr>
+                        <a:t>date</a:t>
+                      </a:r>
+                      <a:endParaRPr lang="hr-HR" sz="900">
+                        <a:effectLst/>
+                      </a:endParaRPr>
+                    </a:p>
+                  </a:txBody>
+                  <a:tcPr marL="39847" marR="39847" marT="39847" marB="39847">
+                    <a:lnL w="9525" cap="flat" cmpd="sng" algn="ctr">
+                      <a:solidFill>
+                        <a:srgbClr val="EEEEEE"/>
+                      </a:solidFill>
+                      <a:prstDash val="solid"/>
+                      <a:round/>
+                      <a:headEnd type="none" w="med" len="med"/>
+                      <a:tailEnd type="none" w="med" len="med"/>
+                    </a:lnL>
+                    <a:lnR w="9525" cap="flat" cmpd="sng" algn="ctr">
+                      <a:solidFill>
+                        <a:srgbClr val="EEEEEE"/>
+                      </a:solidFill>
+                      <a:prstDash val="solid"/>
+                      <a:round/>
+                      <a:headEnd type="none" w="med" len="med"/>
+                      <a:tailEnd type="none" w="med" len="med"/>
+                    </a:lnR>
+                    <a:lnT w="9525" cap="flat" cmpd="sng" algn="ctr">
+                      <a:solidFill>
+                        <a:srgbClr val="EEEEEE"/>
+                      </a:solidFill>
+                      <a:prstDash val="solid"/>
+                      <a:round/>
+                      <a:headEnd type="none" w="med" len="med"/>
+                      <a:tailEnd type="none" w="med" len="med"/>
+                    </a:lnT>
+                    <a:lnB w="9525" cap="flat" cmpd="sng" algn="ctr">
+                      <a:solidFill>
+                        <a:srgbClr val="EEEEEE"/>
+                      </a:solidFill>
+                      <a:prstDash val="solid"/>
+                      <a:round/>
+                      <a:headEnd type="none" w="med" len="med"/>
+                      <a:tailEnd type="none" w="med" len="med"/>
+                    </a:lnB>
+                    <a:solidFill>
+                      <a:srgbClr val="FFFFFF"/>
+                    </a:solidFill>
+                  </a:tcPr>
+                </a:tc>
+                <a:tc>
+                  <a:txBody>
+                    <a:bodyPr/>
+                    <a:lstStyle/>
+                    <a:p>
+                      <a:pPr fontAlgn="t"/>
+                      <a:r>
+                        <a:rPr lang="en-US" sz="900">
+                          <a:effectLst/>
+                        </a:rPr>
+                        <a:t>Formats </a:t>
+                      </a:r>
+                      <a:r>
+                        <a:rPr lang="en-US" sz="900">
+                          <a:solidFill>
+                            <a:srgbClr val="333333"/>
+                          </a:solidFill>
+                          <a:effectLst/>
+                        </a:rPr>
+                        <a:t>date</a:t>
+                      </a:r>
+                      <a:r>
+                        <a:rPr lang="en-US" sz="900">
+                          <a:effectLst/>
+                        </a:rPr>
+                        <a:t> to a string based on the requested </a:t>
+                      </a:r>
+                      <a:r>
+                        <a:rPr lang="en-US" sz="900">
+                          <a:solidFill>
+                            <a:srgbClr val="333333"/>
+                          </a:solidFill>
+                          <a:effectLst/>
+                        </a:rPr>
+                        <a:t>format</a:t>
+                      </a:r>
+                      <a:r>
+                        <a:rPr lang="en-US" sz="900">
+                          <a:effectLst/>
+                        </a:rPr>
+                        <a:t>.</a:t>
+                      </a:r>
+                    </a:p>
+                  </a:txBody>
+                  <a:tcPr marL="39847" marR="39847" marT="39847" marB="39847">
+                    <a:lnL w="9525" cap="flat" cmpd="sng" algn="ctr">
+                      <a:solidFill>
+                        <a:srgbClr val="EEEEEE"/>
+                      </a:solidFill>
+                      <a:prstDash val="solid"/>
+                      <a:round/>
+                      <a:headEnd type="none" w="med" len="med"/>
+                      <a:tailEnd type="none" w="med" len="med"/>
+                    </a:lnL>
+                    <a:lnR w="9525" cap="flat" cmpd="sng" algn="ctr">
+                      <a:solidFill>
+                        <a:srgbClr val="EEEEEE"/>
+                      </a:solidFill>
+                      <a:prstDash val="solid"/>
+                      <a:round/>
+                      <a:headEnd type="none" w="med" len="med"/>
+                      <a:tailEnd type="none" w="med" len="med"/>
+                    </a:lnR>
+                    <a:lnT w="9525" cap="flat" cmpd="sng" algn="ctr">
+                      <a:solidFill>
+                        <a:srgbClr val="EEEEEE"/>
+                      </a:solidFill>
+                      <a:prstDash val="solid"/>
+                      <a:round/>
+                      <a:headEnd type="none" w="med" len="med"/>
+                      <a:tailEnd type="none" w="med" len="med"/>
+                    </a:lnT>
+                    <a:lnB w="9525" cap="flat" cmpd="sng" algn="ctr">
+                      <a:solidFill>
+                        <a:srgbClr val="EEEEEE"/>
+                      </a:solidFill>
+                      <a:prstDash val="solid"/>
+                      <a:round/>
+                      <a:headEnd type="none" w="med" len="med"/>
+                      <a:tailEnd type="none" w="med" len="med"/>
+                    </a:lnB>
+                    <a:solidFill>
+                      <a:srgbClr val="FFFFFF"/>
+                    </a:solidFill>
+                  </a:tcPr>
+                </a:tc>
+              </a:tr>
+              <a:tr h="403013">
+                <a:tc>
+                  <a:txBody>
+                    <a:bodyPr/>
+                    <a:lstStyle/>
+                    <a:p>
+                      <a:pPr fontAlgn="t"/>
+                      <a:r>
+                        <a:rPr lang="hr-HR" sz="900" u="none" strike="noStrike">
+                          <a:solidFill>
+                            <a:srgbClr val="428BCA"/>
+                          </a:solidFill>
+                          <a:effectLst/>
+                          <a:hlinkClick r:id="rId6"/>
+                        </a:rPr>
+                        <a:t>json</a:t>
+                      </a:r>
+                      <a:endParaRPr lang="hr-HR" sz="900">
+                        <a:effectLst/>
+                      </a:endParaRPr>
+                    </a:p>
+                  </a:txBody>
+                  <a:tcPr marL="39847" marR="39847" marT="39847" marB="39847">
+                    <a:lnL w="9525" cap="flat" cmpd="sng" algn="ctr">
+                      <a:solidFill>
+                        <a:srgbClr val="EEEEEE"/>
+                      </a:solidFill>
+                      <a:prstDash val="solid"/>
+                      <a:round/>
+                      <a:headEnd type="none" w="med" len="med"/>
+                      <a:tailEnd type="none" w="med" len="med"/>
+                    </a:lnL>
+                    <a:lnR w="9525" cap="flat" cmpd="sng" algn="ctr">
+                      <a:solidFill>
+                        <a:srgbClr val="EEEEEE"/>
+                      </a:solidFill>
+                      <a:prstDash val="solid"/>
+                      <a:round/>
+                      <a:headEnd type="none" w="med" len="med"/>
+                      <a:tailEnd type="none" w="med" len="med"/>
+                    </a:lnR>
+                    <a:lnT w="9525" cap="flat" cmpd="sng" algn="ctr">
+                      <a:solidFill>
+                        <a:srgbClr val="EEEEEE"/>
+                      </a:solidFill>
+                      <a:prstDash val="solid"/>
+                      <a:round/>
+                      <a:headEnd type="none" w="med" len="med"/>
+                      <a:tailEnd type="none" w="med" len="med"/>
+                    </a:lnT>
+                    <a:lnB w="9525" cap="flat" cmpd="sng" algn="ctr">
+                      <a:solidFill>
+                        <a:srgbClr val="EEEEEE"/>
+                      </a:solidFill>
+                      <a:prstDash val="solid"/>
+                      <a:round/>
+                      <a:headEnd type="none" w="med" len="med"/>
+                      <a:tailEnd type="none" w="med" len="med"/>
+                    </a:lnB>
+                    <a:solidFill>
+                      <a:srgbClr val="FFFFFF"/>
+                    </a:solidFill>
+                  </a:tcPr>
+                </a:tc>
+                <a:tc>
+                  <a:txBody>
+                    <a:bodyPr/>
+                    <a:lstStyle/>
+                    <a:p>
+                      <a:pPr fontAlgn="t"/>
+                      <a:r>
+                        <a:rPr lang="en-US" sz="900">
+                          <a:effectLst/>
+                        </a:rPr>
+                        <a:t>Allows you to convert a JavaScript object into JSON string.</a:t>
+                      </a:r>
+                    </a:p>
+                  </a:txBody>
+                  <a:tcPr marL="39847" marR="39847" marT="39847" marB="39847">
+                    <a:lnL w="9525" cap="flat" cmpd="sng" algn="ctr">
+                      <a:solidFill>
+                        <a:srgbClr val="EEEEEE"/>
+                      </a:solidFill>
+                      <a:prstDash val="solid"/>
+                      <a:round/>
+                      <a:headEnd type="none" w="med" len="med"/>
+                      <a:tailEnd type="none" w="med" len="med"/>
+                    </a:lnL>
+                    <a:lnR w="9525" cap="flat" cmpd="sng" algn="ctr">
+                      <a:solidFill>
+                        <a:srgbClr val="EEEEEE"/>
+                      </a:solidFill>
+                      <a:prstDash val="solid"/>
+                      <a:round/>
+                      <a:headEnd type="none" w="med" len="med"/>
+                      <a:tailEnd type="none" w="med" len="med"/>
+                    </a:lnR>
+                    <a:lnT w="9525" cap="flat" cmpd="sng" algn="ctr">
+                      <a:solidFill>
+                        <a:srgbClr val="EEEEEE"/>
+                      </a:solidFill>
+                      <a:prstDash val="solid"/>
+                      <a:round/>
+                      <a:headEnd type="none" w="med" len="med"/>
+                      <a:tailEnd type="none" w="med" len="med"/>
+                    </a:lnT>
+                    <a:lnB w="9525" cap="flat" cmpd="sng" algn="ctr">
+                      <a:solidFill>
+                        <a:srgbClr val="EEEEEE"/>
+                      </a:solidFill>
+                      <a:prstDash val="solid"/>
+                      <a:round/>
+                      <a:headEnd type="none" w="med" len="med"/>
+                      <a:tailEnd type="none" w="med" len="med"/>
+                    </a:lnB>
+                    <a:solidFill>
+                      <a:srgbClr val="FFFFFF"/>
+                    </a:solidFill>
+                  </a:tcPr>
+                </a:tc>
+              </a:tr>
+              <a:tr h="245313">
+                <a:tc>
+                  <a:txBody>
+                    <a:bodyPr/>
+                    <a:lstStyle/>
+                    <a:p>
+                      <a:pPr fontAlgn="t"/>
+                      <a:r>
+                        <a:rPr lang="hr-HR" sz="900" u="none" strike="noStrike">
+                          <a:solidFill>
+                            <a:srgbClr val="428BCA"/>
+                          </a:solidFill>
+                          <a:effectLst/>
+                          <a:hlinkClick r:id="rId7"/>
+                        </a:rPr>
+                        <a:t>lowercase</a:t>
+                      </a:r>
+                      <a:endParaRPr lang="hr-HR" sz="900">
+                        <a:effectLst/>
+                      </a:endParaRPr>
+                    </a:p>
+                  </a:txBody>
+                  <a:tcPr marL="39847" marR="39847" marT="39847" marB="39847">
+                    <a:lnL w="9525" cap="flat" cmpd="sng" algn="ctr">
+                      <a:solidFill>
+                        <a:srgbClr val="EEEEEE"/>
+                      </a:solidFill>
+                      <a:prstDash val="solid"/>
+                      <a:round/>
+                      <a:headEnd type="none" w="med" len="med"/>
+                      <a:tailEnd type="none" w="med" len="med"/>
+                    </a:lnL>
+                    <a:lnR w="9525" cap="flat" cmpd="sng" algn="ctr">
+                      <a:solidFill>
+                        <a:srgbClr val="EEEEEE"/>
+                      </a:solidFill>
+                      <a:prstDash val="solid"/>
+                      <a:round/>
+                      <a:headEnd type="none" w="med" len="med"/>
+                      <a:tailEnd type="none" w="med" len="med"/>
+                    </a:lnR>
+                    <a:lnT w="9525" cap="flat" cmpd="sng" algn="ctr">
+                      <a:solidFill>
+                        <a:srgbClr val="EEEEEE"/>
+                      </a:solidFill>
+                      <a:prstDash val="solid"/>
+                      <a:round/>
+                      <a:headEnd type="none" w="med" len="med"/>
+                      <a:tailEnd type="none" w="med" len="med"/>
+                    </a:lnT>
+                    <a:lnB w="9525" cap="flat" cmpd="sng" algn="ctr">
+                      <a:solidFill>
+                        <a:srgbClr val="EEEEEE"/>
+                      </a:solidFill>
+                      <a:prstDash val="solid"/>
+                      <a:round/>
+                      <a:headEnd type="none" w="med" len="med"/>
+                      <a:tailEnd type="none" w="med" len="med"/>
+                    </a:lnB>
+                    <a:solidFill>
+                      <a:srgbClr val="FFFFFF"/>
+                    </a:solidFill>
+                  </a:tcPr>
+                </a:tc>
+                <a:tc>
+                  <a:txBody>
+                    <a:bodyPr/>
+                    <a:lstStyle/>
+                    <a:p>
+                      <a:pPr fontAlgn="t"/>
+                      <a:r>
+                        <a:rPr lang="hr-HR" sz="900">
+                          <a:effectLst/>
+                        </a:rPr>
+                        <a:t>Converts string to lowercase.</a:t>
+                      </a:r>
+                    </a:p>
+                  </a:txBody>
+                  <a:tcPr marL="39847" marR="39847" marT="39847" marB="39847">
+                    <a:lnL w="9525" cap="flat" cmpd="sng" algn="ctr">
+                      <a:solidFill>
+                        <a:srgbClr val="EEEEEE"/>
+                      </a:solidFill>
+                      <a:prstDash val="solid"/>
+                      <a:round/>
+                      <a:headEnd type="none" w="med" len="med"/>
+                      <a:tailEnd type="none" w="med" len="med"/>
+                    </a:lnL>
+                    <a:lnR w="9525" cap="flat" cmpd="sng" algn="ctr">
+                      <a:solidFill>
+                        <a:srgbClr val="EEEEEE"/>
+                      </a:solidFill>
+                      <a:prstDash val="solid"/>
+                      <a:round/>
+                      <a:headEnd type="none" w="med" len="med"/>
+                      <a:tailEnd type="none" w="med" len="med"/>
+                    </a:lnR>
+                    <a:lnT w="9525" cap="flat" cmpd="sng" algn="ctr">
+                      <a:solidFill>
+                        <a:srgbClr val="EEEEEE"/>
+                      </a:solidFill>
+                      <a:prstDash val="solid"/>
+                      <a:round/>
+                      <a:headEnd type="none" w="med" len="med"/>
+                      <a:tailEnd type="none" w="med" len="med"/>
+                    </a:lnT>
+                    <a:lnB w="9525" cap="flat" cmpd="sng" algn="ctr">
+                      <a:solidFill>
+                        <a:srgbClr val="EEEEEE"/>
+                      </a:solidFill>
+                      <a:prstDash val="solid"/>
+                      <a:round/>
+                      <a:headEnd type="none" w="med" len="med"/>
+                      <a:tailEnd type="none" w="med" len="med"/>
+                    </a:lnB>
+                    <a:solidFill>
+                      <a:srgbClr val="FFFFFF"/>
+                    </a:solidFill>
+                  </a:tcPr>
+                </a:tc>
+              </a:tr>
+              <a:tr h="245313">
+                <a:tc>
+                  <a:txBody>
+                    <a:bodyPr/>
+                    <a:lstStyle/>
+                    <a:p>
+                      <a:pPr fontAlgn="t"/>
+                      <a:r>
+                        <a:rPr lang="hr-HR" sz="900" u="none" strike="noStrike">
+                          <a:solidFill>
+                            <a:srgbClr val="428BCA"/>
+                          </a:solidFill>
+                          <a:effectLst/>
+                          <a:hlinkClick r:id="rId8"/>
+                        </a:rPr>
+                        <a:t>uppercase</a:t>
+                      </a:r>
+                      <a:endParaRPr lang="hr-HR" sz="900">
+                        <a:effectLst/>
+                      </a:endParaRPr>
+                    </a:p>
+                  </a:txBody>
+                  <a:tcPr marL="39847" marR="39847" marT="39847" marB="39847">
+                    <a:lnL w="9525" cap="flat" cmpd="sng" algn="ctr">
+                      <a:solidFill>
+                        <a:srgbClr val="EEEEEE"/>
+                      </a:solidFill>
+                      <a:prstDash val="solid"/>
+                      <a:round/>
+                      <a:headEnd type="none" w="med" len="med"/>
+                      <a:tailEnd type="none" w="med" len="med"/>
+                    </a:lnL>
+                    <a:lnR w="9525" cap="flat" cmpd="sng" algn="ctr">
+                      <a:solidFill>
+                        <a:srgbClr val="EEEEEE"/>
+                      </a:solidFill>
+                      <a:prstDash val="solid"/>
+                      <a:round/>
+                      <a:headEnd type="none" w="med" len="med"/>
+                      <a:tailEnd type="none" w="med" len="med"/>
+                    </a:lnR>
+                    <a:lnT w="9525" cap="flat" cmpd="sng" algn="ctr">
+                      <a:solidFill>
+                        <a:srgbClr val="EEEEEE"/>
+                      </a:solidFill>
+                      <a:prstDash val="solid"/>
+                      <a:round/>
+                      <a:headEnd type="none" w="med" len="med"/>
+                      <a:tailEnd type="none" w="med" len="med"/>
+                    </a:lnT>
+                    <a:lnB w="9525" cap="flat" cmpd="sng" algn="ctr">
+                      <a:solidFill>
+                        <a:srgbClr val="EEEEEE"/>
+                      </a:solidFill>
+                      <a:prstDash val="solid"/>
+                      <a:round/>
+                      <a:headEnd type="none" w="med" len="med"/>
+                      <a:tailEnd type="none" w="med" len="med"/>
+                    </a:lnB>
+                    <a:solidFill>
+                      <a:srgbClr val="FFFFFF"/>
+                    </a:solidFill>
+                  </a:tcPr>
+                </a:tc>
+                <a:tc>
+                  <a:txBody>
+                    <a:bodyPr/>
+                    <a:lstStyle/>
+                    <a:p>
+                      <a:pPr fontAlgn="t"/>
+                      <a:r>
+                        <a:rPr lang="hr-HR" sz="900">
+                          <a:effectLst/>
+                        </a:rPr>
+                        <a:t>Converts string to uppercase.</a:t>
+                      </a:r>
+                    </a:p>
+                  </a:txBody>
+                  <a:tcPr marL="39847" marR="39847" marT="39847" marB="39847">
+                    <a:lnL w="9525" cap="flat" cmpd="sng" algn="ctr">
+                      <a:solidFill>
+                        <a:srgbClr val="EEEEEE"/>
+                      </a:solidFill>
+                      <a:prstDash val="solid"/>
+                      <a:round/>
+                      <a:headEnd type="none" w="med" len="med"/>
+                      <a:tailEnd type="none" w="med" len="med"/>
+                    </a:lnL>
+                    <a:lnR w="9525" cap="flat" cmpd="sng" algn="ctr">
+                      <a:solidFill>
+                        <a:srgbClr val="EEEEEE"/>
+                      </a:solidFill>
+                      <a:prstDash val="solid"/>
+                      <a:round/>
+                      <a:headEnd type="none" w="med" len="med"/>
+                      <a:tailEnd type="none" w="med" len="med"/>
+                    </a:lnR>
+                    <a:lnT w="9525" cap="flat" cmpd="sng" algn="ctr">
+                      <a:solidFill>
+                        <a:srgbClr val="EEEEEE"/>
+                      </a:solidFill>
+                      <a:prstDash val="solid"/>
+                      <a:round/>
+                      <a:headEnd type="none" w="med" len="med"/>
+                      <a:tailEnd type="none" w="med" len="med"/>
+                    </a:lnT>
+                    <a:lnB w="9525" cap="flat" cmpd="sng" algn="ctr">
+                      <a:solidFill>
+                        <a:srgbClr val="EEEEEE"/>
+                      </a:solidFill>
+                      <a:prstDash val="solid"/>
+                      <a:round/>
+                      <a:headEnd type="none" w="med" len="med"/>
+                      <a:tailEnd type="none" w="med" len="med"/>
+                    </a:lnB>
+                    <a:solidFill>
+                      <a:srgbClr val="FFFFFF"/>
+                    </a:solidFill>
+                  </a:tcPr>
+                </a:tc>
+              </a:tr>
+              <a:tr h="1349218">
+                <a:tc>
+                  <a:txBody>
+                    <a:bodyPr/>
+                    <a:lstStyle/>
+                    <a:p>
+                      <a:pPr fontAlgn="t"/>
+                      <a:r>
+                        <a:rPr lang="hr-HR" sz="900" u="none" strike="noStrike">
+                          <a:solidFill>
+                            <a:srgbClr val="428BCA"/>
+                          </a:solidFill>
+                          <a:effectLst/>
+                          <a:hlinkClick r:id="rId9"/>
+                        </a:rPr>
+                        <a:t>limitTo</a:t>
+                      </a:r>
+                      <a:endParaRPr lang="hr-HR" sz="900">
+                        <a:effectLst/>
+                      </a:endParaRPr>
+                    </a:p>
+                  </a:txBody>
+                  <a:tcPr marL="39847" marR="39847" marT="39847" marB="39847">
+                    <a:lnL w="9525" cap="flat" cmpd="sng" algn="ctr">
+                      <a:solidFill>
+                        <a:srgbClr val="EEEEEE"/>
+                      </a:solidFill>
+                      <a:prstDash val="solid"/>
+                      <a:round/>
+                      <a:headEnd type="none" w="med" len="med"/>
+                      <a:tailEnd type="none" w="med" len="med"/>
+                    </a:lnL>
+                    <a:lnR w="9525" cap="flat" cmpd="sng" algn="ctr">
+                      <a:solidFill>
+                        <a:srgbClr val="EEEEEE"/>
+                      </a:solidFill>
+                      <a:prstDash val="solid"/>
+                      <a:round/>
+                      <a:headEnd type="none" w="med" len="med"/>
+                      <a:tailEnd type="none" w="med" len="med"/>
+                    </a:lnR>
+                    <a:lnT w="9525" cap="flat" cmpd="sng" algn="ctr">
+                      <a:solidFill>
+                        <a:srgbClr val="EEEEEE"/>
+                      </a:solidFill>
+                      <a:prstDash val="solid"/>
+                      <a:round/>
+                      <a:headEnd type="none" w="med" len="med"/>
+                      <a:tailEnd type="none" w="med" len="med"/>
+                    </a:lnT>
+                    <a:lnB w="9525" cap="flat" cmpd="sng" algn="ctr">
+                      <a:solidFill>
+                        <a:srgbClr val="EEEEEE"/>
+                      </a:solidFill>
+                      <a:prstDash val="solid"/>
+                      <a:round/>
+                      <a:headEnd type="none" w="med" len="med"/>
+                      <a:tailEnd type="none" w="med" len="med"/>
+                    </a:lnB>
+                    <a:solidFill>
+                      <a:srgbClr val="FFFFFF"/>
+                    </a:solidFill>
+                  </a:tcPr>
+                </a:tc>
+                <a:tc>
+                  <a:txBody>
+                    <a:bodyPr/>
+                    <a:lstStyle/>
+                    <a:p>
+                      <a:pPr fontAlgn="t"/>
+                      <a:r>
+                        <a:rPr lang="en-US" sz="900">
+                          <a:effectLst/>
+                        </a:rPr>
+                        <a:t>Creates a new array or string containing only a specified number of elements. The elements are taken from either the beginning or the end of the source array, string or number, as specified by the value and sign (positive or negative) of </a:t>
+                      </a:r>
+                      <a:r>
+                        <a:rPr lang="en-US" sz="900">
+                          <a:solidFill>
+                            <a:srgbClr val="333333"/>
+                          </a:solidFill>
+                          <a:effectLst/>
+                        </a:rPr>
+                        <a:t>limit</a:t>
+                      </a:r>
+                      <a:r>
+                        <a:rPr lang="en-US" sz="900">
+                          <a:effectLst/>
+                        </a:rPr>
+                        <a:t>. Other array-like objects are also supported (e.g. array subclasses, NodeLists, jqLite/jQuery collections etc). If a number is used as input, it is converted to a string.</a:t>
+                      </a:r>
+                    </a:p>
+                  </a:txBody>
+                  <a:tcPr marL="39847" marR="39847" marT="39847" marB="39847">
+                    <a:lnL w="9525" cap="flat" cmpd="sng" algn="ctr">
+                      <a:solidFill>
+                        <a:srgbClr val="EEEEEE"/>
+                      </a:solidFill>
+                      <a:prstDash val="solid"/>
+                      <a:round/>
+                      <a:headEnd type="none" w="med" len="med"/>
+                      <a:tailEnd type="none" w="med" len="med"/>
+                    </a:lnL>
+                    <a:lnR w="9525" cap="flat" cmpd="sng" algn="ctr">
+                      <a:solidFill>
+                        <a:srgbClr val="EEEEEE"/>
+                      </a:solidFill>
+                      <a:prstDash val="solid"/>
+                      <a:round/>
+                      <a:headEnd type="none" w="med" len="med"/>
+                      <a:tailEnd type="none" w="med" len="med"/>
+                    </a:lnR>
+                    <a:lnT w="9525" cap="flat" cmpd="sng" algn="ctr">
+                      <a:solidFill>
+                        <a:srgbClr val="EEEEEE"/>
+                      </a:solidFill>
+                      <a:prstDash val="solid"/>
+                      <a:round/>
+                      <a:headEnd type="none" w="med" len="med"/>
+                      <a:tailEnd type="none" w="med" len="med"/>
+                    </a:lnT>
+                    <a:lnB w="9525" cap="flat" cmpd="sng" algn="ctr">
+                      <a:solidFill>
+                        <a:srgbClr val="EEEEEE"/>
+                      </a:solidFill>
+                      <a:prstDash val="solid"/>
+                      <a:round/>
+                      <a:headEnd type="none" w="med" len="med"/>
+                      <a:tailEnd type="none" w="med" len="med"/>
+                    </a:lnB>
+                    <a:solidFill>
+                      <a:srgbClr val="FFFFFF"/>
+                    </a:solidFill>
+                  </a:tcPr>
+                </a:tc>
+              </a:tr>
+              <a:tr h="718415">
+                <a:tc>
+                  <a:txBody>
+                    <a:bodyPr/>
+                    <a:lstStyle/>
+                    <a:p>
+                      <a:pPr fontAlgn="t"/>
+                      <a:r>
+                        <a:rPr lang="hr-HR" sz="900" u="none" strike="noStrike">
+                          <a:solidFill>
+                            <a:srgbClr val="428BCA"/>
+                          </a:solidFill>
+                          <a:effectLst/>
+                          <a:hlinkClick r:id="rId10"/>
+                        </a:rPr>
+                        <a:t>orderBy</a:t>
+                      </a:r>
+                      <a:endParaRPr lang="hr-HR" sz="900">
+                        <a:effectLst/>
+                      </a:endParaRPr>
+                    </a:p>
+                  </a:txBody>
+                  <a:tcPr marL="39847" marR="39847" marT="39847" marB="39847">
+                    <a:lnL w="9525" cap="flat" cmpd="sng" algn="ctr">
+                      <a:solidFill>
+                        <a:srgbClr val="EEEEEE"/>
+                      </a:solidFill>
+                      <a:prstDash val="solid"/>
+                      <a:round/>
+                      <a:headEnd type="none" w="med" len="med"/>
+                      <a:tailEnd type="none" w="med" len="med"/>
+                    </a:lnL>
+                    <a:lnR w="9525" cap="flat" cmpd="sng" algn="ctr">
+                      <a:solidFill>
+                        <a:srgbClr val="EEEEEE"/>
+                      </a:solidFill>
+                      <a:prstDash val="solid"/>
+                      <a:round/>
+                      <a:headEnd type="none" w="med" len="med"/>
+                      <a:tailEnd type="none" w="med" len="med"/>
+                    </a:lnR>
+                    <a:lnT w="9525" cap="flat" cmpd="sng" algn="ctr">
+                      <a:solidFill>
+                        <a:srgbClr val="EEEEEE"/>
+                      </a:solidFill>
+                      <a:prstDash val="solid"/>
+                      <a:round/>
+                      <a:headEnd type="none" w="med" len="med"/>
+                      <a:tailEnd type="none" w="med" len="med"/>
+                    </a:lnT>
+                    <a:lnB w="9525" cap="flat" cmpd="sng" algn="ctr">
+                      <a:solidFill>
+                        <a:srgbClr val="EEEEEE"/>
+                      </a:solidFill>
+                      <a:prstDash val="solid"/>
+                      <a:round/>
+                      <a:headEnd type="none" w="med" len="med"/>
+                      <a:tailEnd type="none" w="med" len="med"/>
+                    </a:lnB>
+                    <a:solidFill>
+                      <a:srgbClr val="FFFFFF"/>
+                    </a:solidFill>
+                  </a:tcPr>
+                </a:tc>
+                <a:tc>
+                  <a:txBody>
+                    <a:bodyPr/>
+                    <a:lstStyle/>
+                    <a:p>
+                      <a:pPr fontAlgn="t"/>
+                      <a:r>
+                        <a:rPr lang="en-US" sz="900" dirty="0">
+                          <a:effectLst/>
+                        </a:rPr>
+                        <a:t>Returns an array containing the items from the specified </a:t>
+                      </a:r>
+                      <a:r>
+                        <a:rPr lang="en-US" sz="900" dirty="0">
+                          <a:solidFill>
+                            <a:srgbClr val="333333"/>
+                          </a:solidFill>
+                          <a:effectLst/>
+                        </a:rPr>
+                        <a:t>collection</a:t>
+                      </a:r>
+                      <a:r>
+                        <a:rPr lang="en-US" sz="900" dirty="0">
+                          <a:effectLst/>
+                        </a:rPr>
+                        <a:t>, ordered by a </a:t>
+                      </a:r>
+                      <a:r>
+                        <a:rPr lang="en-US" sz="900" dirty="0">
+                          <a:solidFill>
+                            <a:srgbClr val="333333"/>
+                          </a:solidFill>
+                          <a:effectLst/>
+                        </a:rPr>
+                        <a:t>comparator</a:t>
+                      </a:r>
+                      <a:r>
+                        <a:rPr lang="en-US" sz="900" dirty="0">
+                          <a:effectLst/>
+                        </a:rPr>
+                        <a:t> function based on the values computed using the </a:t>
+                      </a:r>
+                      <a:r>
+                        <a:rPr lang="en-US" sz="900" dirty="0">
+                          <a:solidFill>
+                            <a:srgbClr val="333333"/>
+                          </a:solidFill>
+                          <a:effectLst/>
+                        </a:rPr>
+                        <a:t>expression</a:t>
+                      </a:r>
+                      <a:r>
+                        <a:rPr lang="en-US" sz="900" dirty="0">
+                          <a:effectLst/>
+                        </a:rPr>
+                        <a:t> predicate.</a:t>
+                      </a:r>
+                    </a:p>
+                  </a:txBody>
+                  <a:tcPr marL="39847" marR="39847" marT="39847" marB="39847">
+                    <a:lnL w="9525" cap="flat" cmpd="sng" algn="ctr">
+                      <a:solidFill>
+                        <a:srgbClr val="EEEEEE"/>
+                      </a:solidFill>
+                      <a:prstDash val="solid"/>
+                      <a:round/>
+                      <a:headEnd type="none" w="med" len="med"/>
+                      <a:tailEnd type="none" w="med" len="med"/>
+                    </a:lnL>
+                    <a:lnR w="9525" cap="flat" cmpd="sng" algn="ctr">
+                      <a:solidFill>
+                        <a:srgbClr val="EEEEEE"/>
+                      </a:solidFill>
+                      <a:prstDash val="solid"/>
+                      <a:round/>
+                      <a:headEnd type="none" w="med" len="med"/>
+                      <a:tailEnd type="none" w="med" len="med"/>
+                    </a:lnR>
+                    <a:lnT w="9525" cap="flat" cmpd="sng" algn="ctr">
+                      <a:solidFill>
+                        <a:srgbClr val="EEEEEE"/>
+                      </a:solidFill>
+                      <a:prstDash val="solid"/>
+                      <a:round/>
+                      <a:headEnd type="none" w="med" len="med"/>
+                      <a:tailEnd type="none" w="med" len="med"/>
+                    </a:lnT>
+                    <a:lnB w="9525" cap="flat" cmpd="sng" algn="ctr">
+                      <a:solidFill>
+                        <a:srgbClr val="EEEEEE"/>
+                      </a:solidFill>
+                      <a:prstDash val="solid"/>
+                      <a:round/>
+                      <a:headEnd type="none" w="med" len="med"/>
+                      <a:tailEnd type="none" w="med" len="med"/>
+                    </a:lnB>
+                    <a:solidFill>
+                      <a:srgbClr val="FFFFFF"/>
+                    </a:solidFill>
+                  </a:tcPr>
+                </a:tc>
+              </a:tr>
+            </a:tbl>
+          </a:graphicData>
+        </a:graphic>
+      </p:graphicFrame>
+    </p:spTree>
+    <p:extLst>
+      <p:ext uri="{BB962C8B-B14F-4D97-AF65-F5344CB8AC3E}">
+        <p14:creationId xmlns:p14="http://schemas.microsoft.com/office/powerpoint/2010/main" val="2463518547"/>
       </p:ext>
     </p:extLst>
   </p:cSld>
